--- a/TP1/Presentacion-TP-1.pptx
+++ b/TP1/Presentacion-TP-1.pptx
@@ -253,7 +253,7 @@
           <a:p>
             <a:fld id="{298EA4AB-D370-4407-87A6-9D37FF54B15A}" type="datetimeFigureOut">
               <a:rPr lang="es-AR" smtClean="0"/>
-              <a:t>11/8/2023</a:t>
+              <a:t>25/8/2023</a:t>
             </a:fld>
             <a:endParaRPr lang="es-AR"/>
           </a:p>
@@ -423,7 +423,7 @@
           <a:p>
             <a:fld id="{298EA4AB-D370-4407-87A6-9D37FF54B15A}" type="datetimeFigureOut">
               <a:rPr lang="es-AR" smtClean="0"/>
-              <a:t>11/8/2023</a:t>
+              <a:t>25/8/2023</a:t>
             </a:fld>
             <a:endParaRPr lang="es-AR"/>
           </a:p>
@@ -603,7 +603,7 @@
           <a:p>
             <a:fld id="{298EA4AB-D370-4407-87A6-9D37FF54B15A}" type="datetimeFigureOut">
               <a:rPr lang="es-AR" smtClean="0"/>
-              <a:t>11/8/2023</a:t>
+              <a:t>25/8/2023</a:t>
             </a:fld>
             <a:endParaRPr lang="es-AR"/>
           </a:p>
@@ -773,7 +773,7 @@
           <a:p>
             <a:fld id="{298EA4AB-D370-4407-87A6-9D37FF54B15A}" type="datetimeFigureOut">
               <a:rPr lang="es-AR" smtClean="0"/>
-              <a:t>11/8/2023</a:t>
+              <a:t>25/8/2023</a:t>
             </a:fld>
             <a:endParaRPr lang="es-AR"/>
           </a:p>
@@ -1019,7 +1019,7 @@
           <a:p>
             <a:fld id="{298EA4AB-D370-4407-87A6-9D37FF54B15A}" type="datetimeFigureOut">
               <a:rPr lang="es-AR" smtClean="0"/>
-              <a:t>11/8/2023</a:t>
+              <a:t>25/8/2023</a:t>
             </a:fld>
             <a:endParaRPr lang="es-AR"/>
           </a:p>
@@ -1251,7 +1251,7 @@
           <a:p>
             <a:fld id="{298EA4AB-D370-4407-87A6-9D37FF54B15A}" type="datetimeFigureOut">
               <a:rPr lang="es-AR" smtClean="0"/>
-              <a:t>11/8/2023</a:t>
+              <a:t>25/8/2023</a:t>
             </a:fld>
             <a:endParaRPr lang="es-AR"/>
           </a:p>
@@ -1618,7 +1618,7 @@
           <a:p>
             <a:fld id="{298EA4AB-D370-4407-87A6-9D37FF54B15A}" type="datetimeFigureOut">
               <a:rPr lang="es-AR" smtClean="0"/>
-              <a:t>11/8/2023</a:t>
+              <a:t>25/8/2023</a:t>
             </a:fld>
             <a:endParaRPr lang="es-AR"/>
           </a:p>
@@ -1736,7 +1736,7 @@
           <a:p>
             <a:fld id="{298EA4AB-D370-4407-87A6-9D37FF54B15A}" type="datetimeFigureOut">
               <a:rPr lang="es-AR" smtClean="0"/>
-              <a:t>11/8/2023</a:t>
+              <a:t>25/8/2023</a:t>
             </a:fld>
             <a:endParaRPr lang="es-AR"/>
           </a:p>
@@ -1831,7 +1831,7 @@
           <a:p>
             <a:fld id="{298EA4AB-D370-4407-87A6-9D37FF54B15A}" type="datetimeFigureOut">
               <a:rPr lang="es-AR" smtClean="0"/>
-              <a:t>11/8/2023</a:t>
+              <a:t>25/8/2023</a:t>
             </a:fld>
             <a:endParaRPr lang="es-AR"/>
           </a:p>
@@ -2108,7 +2108,7 @@
           <a:p>
             <a:fld id="{298EA4AB-D370-4407-87A6-9D37FF54B15A}" type="datetimeFigureOut">
               <a:rPr lang="es-AR" smtClean="0"/>
-              <a:t>11/8/2023</a:t>
+              <a:t>25/8/2023</a:t>
             </a:fld>
             <a:endParaRPr lang="es-AR"/>
           </a:p>
@@ -2361,7 +2361,7 @@
           <a:p>
             <a:fld id="{298EA4AB-D370-4407-87A6-9D37FF54B15A}" type="datetimeFigureOut">
               <a:rPr lang="es-AR" smtClean="0"/>
-              <a:t>11/8/2023</a:t>
+              <a:t>25/8/2023</a:t>
             </a:fld>
             <a:endParaRPr lang="es-AR"/>
           </a:p>
@@ -2574,7 +2574,7 @@
           <a:p>
             <a:fld id="{298EA4AB-D370-4407-87A6-9D37FF54B15A}" type="datetimeFigureOut">
               <a:rPr lang="es-AR" smtClean="0"/>
-              <a:t>11/8/2023</a:t>
+              <a:t>25/8/2023</a:t>
             </a:fld>
             <a:endParaRPr lang="es-AR"/>
           </a:p>
@@ -5508,12 +5508,6 @@
               </a:rPr>
               <a:t>)</a:t>
             </a:r>
-            <a:endParaRPr lang="es-AR" dirty="0">
-              <a:solidFill>
-                <a:srgbClr val="000000"/>
-              </a:solidFill>
-              <a:latin typeface="Courier New" panose="02070309020205020404" pitchFamily="49" charset="0"/>
-            </a:endParaRPr>
           </a:p>
         </p:txBody>
       </p:sp>
@@ -8080,13 +8074,62 @@
         </p:blipFill>
         <p:spPr bwMode="auto">
           <a:xfrm>
-            <a:off x="3313687" y="5241988"/>
-            <a:ext cx="3613150" cy="1450975"/>
+            <a:off x="5554076" y="5422587"/>
+            <a:ext cx="3218383" cy="1267269"/>
           </a:xfrm>
           <a:prstGeom prst="rect">
             <a:avLst/>
           </a:prstGeom>
           <a:noFill/>
+          <a:extLst>
+            <a:ext uri="{909E8E84-426E-40DD-AFC4-6F175D3DCCD1}">
+              <a14:hiddenFill xmlns:a14="http://schemas.microsoft.com/office/drawing/2010/main">
+                <a:solidFill>
+                  <a:srgbClr val="FFFFFF"/>
+                </a:solidFill>
+              </a14:hiddenFill>
+            </a:ext>
+          </a:extLst>
+        </p:spPr>
+      </p:pic>
+      <p:pic>
+        <p:nvPicPr>
+          <p:cNvPr id="12" name="Imagen 11"/>
+          <p:cNvPicPr>
+            <a:picLocks noChangeAspect="1" noChangeArrowheads="1"/>
+          </p:cNvPicPr>
+          <p:nvPr/>
+        </p:nvPicPr>
+        <p:blipFill>
+          <a:blip r:embed="rId5" cstate="print">
+            <a:extLst>
+              <a:ext uri="{28A0092B-C50C-407E-A947-70E740481C1C}">
+                <a14:useLocalDpi xmlns:a14="http://schemas.microsoft.com/office/drawing/2010/main" val="0"/>
+              </a:ext>
+            </a:extLst>
+          </a:blip>
+          <a:srcRect/>
+          <a:stretch>
+            <a:fillRect/>
+          </a:stretch>
+        </p:blipFill>
+        <p:spPr bwMode="auto">
+          <a:xfrm>
+            <a:off x="2761637" y="5475622"/>
+            <a:ext cx="2711450" cy="823913"/>
+          </a:xfrm>
+          <a:prstGeom prst="rect">
+            <a:avLst/>
+          </a:prstGeom>
+          <a:noFill/>
+          <a:ln w="34925">
+            <a:solidFill>
+              <a:srgbClr val="FF0000"/>
+            </a:solidFill>
+            <a:miter lim="800000"/>
+            <a:headEnd/>
+            <a:tailEnd/>
+          </a:ln>
           <a:extLst>
             <a:ext uri="{909E8E84-426E-40DD-AFC4-6F175D3DCCD1}">
               <a14:hiddenFill xmlns:a14="http://schemas.microsoft.com/office/drawing/2010/main">

--- a/TP1/Presentacion-TP-1.pptx
+++ b/TP1/Presentacion-TP-1.pptx
@@ -16,6 +16,7 @@
     <p:sldId id="265" r:id="rId10"/>
     <p:sldId id="266" r:id="rId11"/>
     <p:sldId id="267" r:id="rId12"/>
+    <p:sldId id="268" r:id="rId13"/>
   </p:sldIdLst>
   <p:sldSz cx="12192000" cy="6858000"/>
   <p:notesSz cx="6858000" cy="9144000"/>
@@ -253,7 +254,7 @@
           <a:p>
             <a:fld id="{298EA4AB-D370-4407-87A6-9D37FF54B15A}" type="datetimeFigureOut">
               <a:rPr lang="es-AR" smtClean="0"/>
-              <a:t>25/8/2023</a:t>
+              <a:t>2/9/2023</a:t>
             </a:fld>
             <a:endParaRPr lang="es-AR"/>
           </a:p>
@@ -423,7 +424,7 @@
           <a:p>
             <a:fld id="{298EA4AB-D370-4407-87A6-9D37FF54B15A}" type="datetimeFigureOut">
               <a:rPr lang="es-AR" smtClean="0"/>
-              <a:t>25/8/2023</a:t>
+              <a:t>2/9/2023</a:t>
             </a:fld>
             <a:endParaRPr lang="es-AR"/>
           </a:p>
@@ -603,7 +604,7 @@
           <a:p>
             <a:fld id="{298EA4AB-D370-4407-87A6-9D37FF54B15A}" type="datetimeFigureOut">
               <a:rPr lang="es-AR" smtClean="0"/>
-              <a:t>25/8/2023</a:t>
+              <a:t>2/9/2023</a:t>
             </a:fld>
             <a:endParaRPr lang="es-AR"/>
           </a:p>
@@ -773,7 +774,7 @@
           <a:p>
             <a:fld id="{298EA4AB-D370-4407-87A6-9D37FF54B15A}" type="datetimeFigureOut">
               <a:rPr lang="es-AR" smtClean="0"/>
-              <a:t>25/8/2023</a:t>
+              <a:t>2/9/2023</a:t>
             </a:fld>
             <a:endParaRPr lang="es-AR"/>
           </a:p>
@@ -1019,7 +1020,7 @@
           <a:p>
             <a:fld id="{298EA4AB-D370-4407-87A6-9D37FF54B15A}" type="datetimeFigureOut">
               <a:rPr lang="es-AR" smtClean="0"/>
-              <a:t>25/8/2023</a:t>
+              <a:t>2/9/2023</a:t>
             </a:fld>
             <a:endParaRPr lang="es-AR"/>
           </a:p>
@@ -1251,7 +1252,7 @@
           <a:p>
             <a:fld id="{298EA4AB-D370-4407-87A6-9D37FF54B15A}" type="datetimeFigureOut">
               <a:rPr lang="es-AR" smtClean="0"/>
-              <a:t>25/8/2023</a:t>
+              <a:t>2/9/2023</a:t>
             </a:fld>
             <a:endParaRPr lang="es-AR"/>
           </a:p>
@@ -1618,7 +1619,7 @@
           <a:p>
             <a:fld id="{298EA4AB-D370-4407-87A6-9D37FF54B15A}" type="datetimeFigureOut">
               <a:rPr lang="es-AR" smtClean="0"/>
-              <a:t>25/8/2023</a:t>
+              <a:t>2/9/2023</a:t>
             </a:fld>
             <a:endParaRPr lang="es-AR"/>
           </a:p>
@@ -1736,7 +1737,7 @@
           <a:p>
             <a:fld id="{298EA4AB-D370-4407-87A6-9D37FF54B15A}" type="datetimeFigureOut">
               <a:rPr lang="es-AR" smtClean="0"/>
-              <a:t>25/8/2023</a:t>
+              <a:t>2/9/2023</a:t>
             </a:fld>
             <a:endParaRPr lang="es-AR"/>
           </a:p>
@@ -1831,7 +1832,7 @@
           <a:p>
             <a:fld id="{298EA4AB-D370-4407-87A6-9D37FF54B15A}" type="datetimeFigureOut">
               <a:rPr lang="es-AR" smtClean="0"/>
-              <a:t>25/8/2023</a:t>
+              <a:t>2/9/2023</a:t>
             </a:fld>
             <a:endParaRPr lang="es-AR"/>
           </a:p>
@@ -2108,7 +2109,7 @@
           <a:p>
             <a:fld id="{298EA4AB-D370-4407-87A6-9D37FF54B15A}" type="datetimeFigureOut">
               <a:rPr lang="es-AR" smtClean="0"/>
-              <a:t>25/8/2023</a:t>
+              <a:t>2/9/2023</a:t>
             </a:fld>
             <a:endParaRPr lang="es-AR"/>
           </a:p>
@@ -2361,7 +2362,7 @@
           <a:p>
             <a:fld id="{298EA4AB-D370-4407-87A6-9D37FF54B15A}" type="datetimeFigureOut">
               <a:rPr lang="es-AR" smtClean="0"/>
-              <a:t>25/8/2023</a:t>
+              <a:t>2/9/2023</a:t>
             </a:fld>
             <a:endParaRPr lang="es-AR"/>
           </a:p>
@@ -2574,7 +2575,7 @@
           <a:p>
             <a:fld id="{298EA4AB-D370-4407-87A6-9D37FF54B15A}" type="datetimeFigureOut">
               <a:rPr lang="es-AR" smtClean="0"/>
-              <a:t>25/8/2023</a:t>
+              <a:t>2/9/2023</a:t>
             </a:fld>
             <a:endParaRPr lang="es-AR"/>
           </a:p>
@@ -5585,6 +5586,826 @@
 </p:sld>
 </file>
 
+<file path=ppt/slides/slide12.xml><?xml version="1.0" encoding="utf-8"?>
+<p:sld xmlns:a="http://schemas.openxmlformats.org/drawingml/2006/main" xmlns:r="http://schemas.openxmlformats.org/officeDocument/2006/relationships" xmlns:p="http://schemas.openxmlformats.org/presentationml/2006/main">
+  <p:cSld>
+    <p:spTree>
+      <p:nvGrpSpPr>
+        <p:cNvPr id="1" name=""/>
+        <p:cNvGrpSpPr/>
+        <p:nvPr/>
+      </p:nvGrpSpPr>
+      <p:grpSpPr>
+        <a:xfrm>
+          <a:off x="0" y="0"/>
+          <a:ext cx="0" cy="0"/>
+          <a:chOff x="0" y="0"/>
+          <a:chExt cx="0" cy="0"/>
+        </a:xfrm>
+      </p:grpSpPr>
+      <p:sp>
+        <p:nvSpPr>
+          <p:cNvPr id="4" name="Rectángulo 3"/>
+          <p:cNvSpPr/>
+          <p:nvPr/>
+        </p:nvSpPr>
+        <p:spPr>
+          <a:xfrm>
+            <a:off x="73891" y="773199"/>
+            <a:ext cx="8617527" cy="5909310"/>
+          </a:xfrm>
+          <a:prstGeom prst="rect">
+            <a:avLst/>
+          </a:prstGeom>
+        </p:spPr>
+        <p:txBody>
+          <a:bodyPr wrap="square">
+            <a:spAutoFit/>
+          </a:bodyPr>
+          <a:lstStyle/>
+          <a:p>
+            <a:r>
+              <a:rPr lang="es-AR" dirty="0" err="1">
+                <a:solidFill>
+                  <a:srgbClr val="000000"/>
+                </a:solidFill>
+                <a:latin typeface="Courier New" panose="02070309020205020404" pitchFamily="49" charset="0"/>
+              </a:rPr>
+              <a:t>clear</a:t>
+            </a:r>
+            <a:r>
+              <a:rPr lang="es-AR" dirty="0">
+                <a:solidFill>
+                  <a:srgbClr val="000000"/>
+                </a:solidFill>
+                <a:latin typeface="Courier New" panose="02070309020205020404" pitchFamily="49" charset="0"/>
+              </a:rPr>
+              <a:t> </a:t>
+            </a:r>
+            <a:r>
+              <a:rPr lang="es-AR" dirty="0" err="1">
+                <a:solidFill>
+                  <a:srgbClr val="A020F0"/>
+                </a:solidFill>
+                <a:latin typeface="Courier New" panose="02070309020205020404" pitchFamily="49" charset="0"/>
+              </a:rPr>
+              <a:t>all</a:t>
+            </a:r>
+            <a:endParaRPr lang="es-AR" dirty="0">
+              <a:solidFill>
+                <a:srgbClr val="A020F0"/>
+              </a:solidFill>
+              <a:latin typeface="Courier New" panose="02070309020205020404" pitchFamily="49" charset="0"/>
+            </a:endParaRPr>
+          </a:p>
+          <a:p>
+            <a:r>
+              <a:rPr lang="es-AR" dirty="0" err="1">
+                <a:solidFill>
+                  <a:srgbClr val="000000"/>
+                </a:solidFill>
+                <a:latin typeface="Courier New" panose="02070309020205020404" pitchFamily="49" charset="0"/>
+              </a:rPr>
+              <a:t>close</a:t>
+            </a:r>
+            <a:r>
+              <a:rPr lang="es-AR" dirty="0">
+                <a:solidFill>
+                  <a:srgbClr val="000000"/>
+                </a:solidFill>
+                <a:latin typeface="Courier New" panose="02070309020205020404" pitchFamily="49" charset="0"/>
+              </a:rPr>
+              <a:t> </a:t>
+            </a:r>
+            <a:r>
+              <a:rPr lang="es-AR" dirty="0" err="1">
+                <a:solidFill>
+                  <a:srgbClr val="A020F0"/>
+                </a:solidFill>
+                <a:latin typeface="Courier New" panose="02070309020205020404" pitchFamily="49" charset="0"/>
+              </a:rPr>
+              <a:t>all</a:t>
+            </a:r>
+            <a:endParaRPr lang="es-AR" dirty="0">
+              <a:solidFill>
+                <a:srgbClr val="A020F0"/>
+              </a:solidFill>
+              <a:latin typeface="Courier New" panose="02070309020205020404" pitchFamily="49" charset="0"/>
+            </a:endParaRPr>
+          </a:p>
+          <a:p>
+            <a:r>
+              <a:rPr lang="es-AR" dirty="0" err="1">
+                <a:solidFill>
+                  <a:srgbClr val="000000"/>
+                </a:solidFill>
+                <a:latin typeface="Courier New" panose="02070309020205020404" pitchFamily="49" charset="0"/>
+              </a:rPr>
+              <a:t>Fsenial</a:t>
+            </a:r>
+            <a:r>
+              <a:rPr lang="es-AR" dirty="0">
+                <a:solidFill>
+                  <a:srgbClr val="000000"/>
+                </a:solidFill>
+                <a:latin typeface="Courier New" panose="02070309020205020404" pitchFamily="49" charset="0"/>
+              </a:rPr>
+              <a:t>=100;</a:t>
+            </a:r>
+          </a:p>
+          <a:p>
+            <a:r>
+              <a:rPr lang="es-AR" dirty="0">
+                <a:solidFill>
+                  <a:srgbClr val="000000"/>
+                </a:solidFill>
+                <a:latin typeface="Courier New" panose="02070309020205020404" pitchFamily="49" charset="0"/>
+              </a:rPr>
+              <a:t>load(</a:t>
+            </a:r>
+            <a:r>
+              <a:rPr lang="es-AR" dirty="0">
+                <a:solidFill>
+                  <a:srgbClr val="A020F0"/>
+                </a:solidFill>
+                <a:latin typeface="Courier New" panose="02070309020205020404" pitchFamily="49" charset="0"/>
+              </a:rPr>
+              <a:t>'Seno100Hz'</a:t>
+            </a:r>
+            <a:r>
+              <a:rPr lang="es-AR" dirty="0">
+                <a:solidFill>
+                  <a:srgbClr val="000000"/>
+                </a:solidFill>
+                <a:latin typeface="Courier New" panose="02070309020205020404" pitchFamily="49" charset="0"/>
+              </a:rPr>
+              <a:t>);</a:t>
+            </a:r>
+          </a:p>
+          <a:p>
+            <a:r>
+              <a:rPr lang="es-AR" dirty="0">
+                <a:solidFill>
+                  <a:srgbClr val="000000"/>
+                </a:solidFill>
+                <a:latin typeface="Courier New" panose="02070309020205020404" pitchFamily="49" charset="0"/>
+              </a:rPr>
+              <a:t>y=[Seno100Hz(:,2)];</a:t>
+            </a:r>
+          </a:p>
+          <a:p>
+            <a:r>
+              <a:rPr lang="es-AR" dirty="0">
+                <a:solidFill>
+                  <a:srgbClr val="228B22"/>
+                </a:solidFill>
+                <a:latin typeface="Courier New" panose="02070309020205020404" pitchFamily="49" charset="0"/>
+              </a:rPr>
+              <a:t>%</a:t>
+            </a:r>
+            <a:r>
+              <a:rPr lang="es-AR" dirty="0" err="1">
+                <a:solidFill>
+                  <a:srgbClr val="228B22"/>
+                </a:solidFill>
+                <a:latin typeface="Courier New" panose="02070309020205020404" pitchFamily="49" charset="0"/>
+              </a:rPr>
+              <a:t>maximo</a:t>
+            </a:r>
+            <a:r>
+              <a:rPr lang="es-AR" dirty="0">
+                <a:solidFill>
+                  <a:srgbClr val="228B22"/>
+                </a:solidFill>
+                <a:latin typeface="Courier New" panose="02070309020205020404" pitchFamily="49" charset="0"/>
+              </a:rPr>
+              <a:t>=</a:t>
+            </a:r>
+            <a:r>
+              <a:rPr lang="es-AR" dirty="0" err="1">
+                <a:solidFill>
+                  <a:srgbClr val="228B22"/>
+                </a:solidFill>
+                <a:latin typeface="Courier New" panose="02070309020205020404" pitchFamily="49" charset="0"/>
+              </a:rPr>
+              <a:t>max</a:t>
+            </a:r>
+            <a:r>
+              <a:rPr lang="es-AR" dirty="0">
+                <a:solidFill>
+                  <a:srgbClr val="228B22"/>
+                </a:solidFill>
+                <a:latin typeface="Courier New" panose="02070309020205020404" pitchFamily="49" charset="0"/>
+              </a:rPr>
+              <a:t>(y);</a:t>
+            </a:r>
+          </a:p>
+          <a:p>
+            <a:r>
+              <a:rPr lang="es-AR" dirty="0">
+                <a:solidFill>
+                  <a:srgbClr val="228B22"/>
+                </a:solidFill>
+                <a:latin typeface="Courier New" panose="02070309020205020404" pitchFamily="49" charset="0"/>
+              </a:rPr>
+              <a:t>%y=y/</a:t>
+            </a:r>
+            <a:r>
+              <a:rPr lang="es-AR" dirty="0" err="1">
+                <a:solidFill>
+                  <a:srgbClr val="228B22"/>
+                </a:solidFill>
+                <a:latin typeface="Courier New" panose="02070309020205020404" pitchFamily="49" charset="0"/>
+              </a:rPr>
+              <a:t>maximo</a:t>
+            </a:r>
+            <a:r>
+              <a:rPr lang="es-AR" dirty="0">
+                <a:solidFill>
+                  <a:srgbClr val="228B22"/>
+                </a:solidFill>
+                <a:latin typeface="Courier New" panose="02070309020205020404" pitchFamily="49" charset="0"/>
+              </a:rPr>
+              <a:t>;</a:t>
+            </a:r>
+          </a:p>
+          <a:p>
+            <a:r>
+              <a:rPr lang="es-AR" dirty="0">
+                <a:solidFill>
+                  <a:srgbClr val="000000"/>
+                </a:solidFill>
+                <a:latin typeface="Courier New" panose="02070309020205020404" pitchFamily="49" charset="0"/>
+              </a:rPr>
+              <a:t>t=0:1/44100:(</a:t>
+            </a:r>
+            <a:r>
+              <a:rPr lang="es-AR" dirty="0" err="1">
+                <a:solidFill>
+                  <a:srgbClr val="000000"/>
+                </a:solidFill>
+                <a:latin typeface="Courier New" panose="02070309020205020404" pitchFamily="49" charset="0"/>
+              </a:rPr>
+              <a:t>length</a:t>
+            </a:r>
+            <a:r>
+              <a:rPr lang="es-AR" dirty="0">
+                <a:solidFill>
+                  <a:srgbClr val="000000"/>
+                </a:solidFill>
+                <a:latin typeface="Courier New" panose="02070309020205020404" pitchFamily="49" charset="0"/>
+              </a:rPr>
+              <a:t>(y)-1)*(1/44100);</a:t>
+            </a:r>
+          </a:p>
+          <a:p>
+            <a:r>
+              <a:rPr lang="es-AR" dirty="0" err="1">
+                <a:solidFill>
+                  <a:srgbClr val="000000"/>
+                </a:solidFill>
+                <a:latin typeface="Courier New" panose="02070309020205020404" pitchFamily="49" charset="0"/>
+              </a:rPr>
+              <a:t>fs</a:t>
+            </a:r>
+            <a:r>
+              <a:rPr lang="es-AR" dirty="0">
+                <a:solidFill>
+                  <a:srgbClr val="000000"/>
+                </a:solidFill>
+                <a:latin typeface="Courier New" panose="02070309020205020404" pitchFamily="49" charset="0"/>
+              </a:rPr>
+              <a:t>=input(</a:t>
+            </a:r>
+            <a:r>
+              <a:rPr lang="es-AR" dirty="0">
+                <a:solidFill>
+                  <a:srgbClr val="A020F0"/>
+                </a:solidFill>
+                <a:latin typeface="Courier New" panose="02070309020205020404" pitchFamily="49" charset="0"/>
+              </a:rPr>
+              <a:t>'</a:t>
+            </a:r>
+            <a:r>
+              <a:rPr lang="es-AR" dirty="0" err="1">
+                <a:solidFill>
+                  <a:srgbClr val="A020F0"/>
+                </a:solidFill>
+                <a:latin typeface="Courier New" panose="02070309020205020404" pitchFamily="49" charset="0"/>
+              </a:rPr>
+              <a:t>fs</a:t>
+            </a:r>
+            <a:r>
+              <a:rPr lang="es-AR" dirty="0">
+                <a:solidFill>
+                  <a:srgbClr val="A020F0"/>
+                </a:solidFill>
+                <a:latin typeface="Courier New" panose="02070309020205020404" pitchFamily="49" charset="0"/>
+              </a:rPr>
+              <a:t>='</a:t>
+            </a:r>
+            <a:r>
+              <a:rPr lang="es-AR" dirty="0">
+                <a:solidFill>
+                  <a:srgbClr val="000000"/>
+                </a:solidFill>
+                <a:latin typeface="Courier New" panose="02070309020205020404" pitchFamily="49" charset="0"/>
+              </a:rPr>
+              <a:t>)</a:t>
+            </a:r>
+          </a:p>
+          <a:p>
+            <a:r>
+              <a:rPr lang="es-AR" dirty="0" err="1">
+                <a:solidFill>
+                  <a:srgbClr val="000000"/>
+                </a:solidFill>
+                <a:latin typeface="Courier New" panose="02070309020205020404" pitchFamily="49" charset="0"/>
+              </a:rPr>
+              <a:t>Ts</a:t>
+            </a:r>
+            <a:r>
+              <a:rPr lang="es-AR" dirty="0">
+                <a:solidFill>
+                  <a:srgbClr val="000000"/>
+                </a:solidFill>
+                <a:latin typeface="Courier New" panose="02070309020205020404" pitchFamily="49" charset="0"/>
+              </a:rPr>
+              <a:t>=1/</a:t>
+            </a:r>
+            <a:r>
+              <a:rPr lang="es-AR" dirty="0" err="1">
+                <a:solidFill>
+                  <a:srgbClr val="000000"/>
+                </a:solidFill>
+                <a:latin typeface="Courier New" panose="02070309020205020404" pitchFamily="49" charset="0"/>
+              </a:rPr>
+              <a:t>fs</a:t>
+            </a:r>
+            <a:r>
+              <a:rPr lang="es-AR" dirty="0">
+                <a:solidFill>
+                  <a:srgbClr val="000000"/>
+                </a:solidFill>
+                <a:latin typeface="Courier New" panose="02070309020205020404" pitchFamily="49" charset="0"/>
+              </a:rPr>
+              <a:t>;</a:t>
+            </a:r>
+          </a:p>
+          <a:p>
+            <a:r>
+              <a:rPr lang="es-AR" dirty="0" err="1">
+                <a:solidFill>
+                  <a:srgbClr val="000000"/>
+                </a:solidFill>
+                <a:latin typeface="Courier New" panose="02070309020205020404" pitchFamily="49" charset="0"/>
+              </a:rPr>
+              <a:t>yc</a:t>
+            </a:r>
+            <a:r>
+              <a:rPr lang="es-AR" dirty="0">
+                <a:solidFill>
+                  <a:srgbClr val="000000"/>
+                </a:solidFill>
+                <a:latin typeface="Courier New" panose="02070309020205020404" pitchFamily="49" charset="0"/>
+              </a:rPr>
+              <a:t> = </a:t>
+            </a:r>
+            <a:r>
+              <a:rPr lang="es-AR" dirty="0" err="1">
+                <a:solidFill>
+                  <a:srgbClr val="000000"/>
+                </a:solidFill>
+                <a:latin typeface="Courier New" panose="02070309020205020404" pitchFamily="49" charset="0"/>
+              </a:rPr>
+              <a:t>resample</a:t>
+            </a:r>
+            <a:r>
+              <a:rPr lang="es-AR" dirty="0">
+                <a:solidFill>
+                  <a:srgbClr val="000000"/>
+                </a:solidFill>
+                <a:latin typeface="Courier New" panose="02070309020205020404" pitchFamily="49" charset="0"/>
+              </a:rPr>
+              <a:t>(y,fs,44100)</a:t>
+            </a:r>
+          </a:p>
+          <a:p>
+            <a:r>
+              <a:rPr lang="es-AR" dirty="0">
+                <a:solidFill>
+                  <a:srgbClr val="000000"/>
+                </a:solidFill>
+                <a:latin typeface="Courier New" panose="02070309020205020404" pitchFamily="49" charset="0"/>
+              </a:rPr>
+              <a:t>t2 = (0:(</a:t>
+            </a:r>
+            <a:r>
+              <a:rPr lang="es-AR" dirty="0" err="1">
+                <a:solidFill>
+                  <a:srgbClr val="000000"/>
+                </a:solidFill>
+                <a:latin typeface="Courier New" panose="02070309020205020404" pitchFamily="49" charset="0"/>
+              </a:rPr>
+              <a:t>length</a:t>
+            </a:r>
+            <a:r>
+              <a:rPr lang="es-AR" dirty="0">
+                <a:solidFill>
+                  <a:srgbClr val="000000"/>
+                </a:solidFill>
+                <a:latin typeface="Courier New" panose="02070309020205020404" pitchFamily="49" charset="0"/>
+              </a:rPr>
+              <a:t>(</a:t>
+            </a:r>
+            <a:r>
+              <a:rPr lang="es-AR" dirty="0" err="1">
+                <a:solidFill>
+                  <a:srgbClr val="000000"/>
+                </a:solidFill>
+                <a:latin typeface="Courier New" panose="02070309020205020404" pitchFamily="49" charset="0"/>
+              </a:rPr>
+              <a:t>yc</a:t>
+            </a:r>
+            <a:r>
+              <a:rPr lang="es-AR" dirty="0">
+                <a:solidFill>
+                  <a:srgbClr val="000000"/>
+                </a:solidFill>
+                <a:latin typeface="Courier New" panose="02070309020205020404" pitchFamily="49" charset="0"/>
+              </a:rPr>
+              <a:t>)-1))*44100/(</a:t>
+            </a:r>
+            <a:r>
+              <a:rPr lang="es-AR" dirty="0" err="1">
+                <a:solidFill>
+                  <a:srgbClr val="000000"/>
+                </a:solidFill>
+                <a:latin typeface="Courier New" panose="02070309020205020404" pitchFamily="49" charset="0"/>
+              </a:rPr>
+              <a:t>fs</a:t>
+            </a:r>
+            <a:r>
+              <a:rPr lang="es-AR" dirty="0">
+                <a:solidFill>
+                  <a:srgbClr val="000000"/>
+                </a:solidFill>
+                <a:latin typeface="Courier New" panose="02070309020205020404" pitchFamily="49" charset="0"/>
+              </a:rPr>
+              <a:t>*44100);</a:t>
+            </a:r>
+          </a:p>
+          <a:p>
+            <a:r>
+              <a:rPr lang="es-AR" dirty="0">
+                <a:solidFill>
+                  <a:srgbClr val="228B22"/>
+                </a:solidFill>
+                <a:latin typeface="Courier New" panose="02070309020205020404" pitchFamily="49" charset="0"/>
+              </a:rPr>
+              <a:t>%yc1=(yc-1).*Ts</a:t>
+            </a:r>
+          </a:p>
+          <a:p>
+            <a:r>
+              <a:rPr lang="es-AR" dirty="0">
+                <a:solidFill>
+                  <a:srgbClr val="228B22"/>
+                </a:solidFill>
+                <a:latin typeface="Courier New" panose="02070309020205020404" pitchFamily="49" charset="0"/>
+              </a:rPr>
+              <a:t>%calculo tiempo de muestreo</a:t>
+            </a:r>
+          </a:p>
+          <a:p>
+            <a:r>
+              <a:rPr lang="es-AR" dirty="0" err="1">
+                <a:solidFill>
+                  <a:srgbClr val="000000"/>
+                </a:solidFill>
+                <a:latin typeface="Courier New" panose="02070309020205020404" pitchFamily="49" charset="0"/>
+              </a:rPr>
+              <a:t>Tfinal</a:t>
+            </a:r>
+            <a:r>
+              <a:rPr lang="es-AR" dirty="0">
+                <a:solidFill>
+                  <a:srgbClr val="000000"/>
+                </a:solidFill>
+                <a:latin typeface="Courier New" panose="02070309020205020404" pitchFamily="49" charset="0"/>
+              </a:rPr>
+              <a:t> = 0.0500;</a:t>
+            </a:r>
+            <a:r>
+              <a:rPr lang="es-AR" dirty="0">
+                <a:solidFill>
+                  <a:srgbClr val="228B22"/>
+                </a:solidFill>
+                <a:latin typeface="Courier New" panose="02070309020205020404" pitchFamily="49" charset="0"/>
+              </a:rPr>
+              <a:t>%valor final de tiempo</a:t>
+            </a:r>
+          </a:p>
+          <a:p>
+            <a:r>
+              <a:rPr lang="es-AR" dirty="0">
+                <a:solidFill>
+                  <a:srgbClr val="000000"/>
+                </a:solidFill>
+                <a:latin typeface="Courier New" panose="02070309020205020404" pitchFamily="49" charset="0"/>
+              </a:rPr>
+              <a:t>N=</a:t>
+            </a:r>
+            <a:r>
+              <a:rPr lang="es-AR" dirty="0" err="1">
+                <a:solidFill>
+                  <a:srgbClr val="000000"/>
+                </a:solidFill>
+                <a:latin typeface="Courier New" panose="02070309020205020404" pitchFamily="49" charset="0"/>
+              </a:rPr>
+              <a:t>Tfinal</a:t>
+            </a:r>
+            <a:r>
+              <a:rPr lang="es-AR" dirty="0">
+                <a:solidFill>
+                  <a:srgbClr val="000000"/>
+                </a:solidFill>
+                <a:latin typeface="Courier New" panose="02070309020205020404" pitchFamily="49" charset="0"/>
+              </a:rPr>
+              <a:t>/</a:t>
+            </a:r>
+            <a:r>
+              <a:rPr lang="es-AR" dirty="0" err="1">
+                <a:solidFill>
+                  <a:srgbClr val="000000"/>
+                </a:solidFill>
+                <a:latin typeface="Courier New" panose="02070309020205020404" pitchFamily="49" charset="0"/>
+              </a:rPr>
+              <a:t>Ts</a:t>
+            </a:r>
+            <a:r>
+              <a:rPr lang="es-AR" dirty="0">
+                <a:solidFill>
+                  <a:srgbClr val="000000"/>
+                </a:solidFill>
+                <a:latin typeface="Courier New" panose="02070309020205020404" pitchFamily="49" charset="0"/>
+              </a:rPr>
+              <a:t>;</a:t>
+            </a:r>
+            <a:r>
+              <a:rPr lang="es-AR" dirty="0">
+                <a:solidFill>
+                  <a:srgbClr val="228B22"/>
+                </a:solidFill>
+                <a:latin typeface="Courier New" panose="02070309020205020404" pitchFamily="49" charset="0"/>
+              </a:rPr>
+              <a:t>%calculo la cantidad de muestras</a:t>
+            </a:r>
+          </a:p>
+          <a:p>
+            <a:r>
+              <a:rPr lang="es-AR" dirty="0">
+                <a:solidFill>
+                  <a:srgbClr val="000000"/>
+                </a:solidFill>
+                <a:latin typeface="Courier New" panose="02070309020205020404" pitchFamily="49" charset="0"/>
+              </a:rPr>
+              <a:t>n=0:N;</a:t>
+            </a:r>
+            <a:r>
+              <a:rPr lang="es-AR" dirty="0">
+                <a:solidFill>
+                  <a:srgbClr val="228B22"/>
+                </a:solidFill>
+                <a:latin typeface="Courier New" panose="02070309020205020404" pitchFamily="49" charset="0"/>
+              </a:rPr>
+              <a:t>%secuencia de muestras</a:t>
+            </a:r>
+          </a:p>
+          <a:p>
+            <a:r>
+              <a:rPr lang="es-AR" dirty="0" err="1">
+                <a:solidFill>
+                  <a:srgbClr val="000000"/>
+                </a:solidFill>
+                <a:latin typeface="Courier New" panose="02070309020205020404" pitchFamily="49" charset="0"/>
+              </a:rPr>
+              <a:t>td</a:t>
+            </a:r>
+            <a:r>
+              <a:rPr lang="es-AR" dirty="0">
+                <a:solidFill>
+                  <a:srgbClr val="000000"/>
+                </a:solidFill>
+                <a:latin typeface="Courier New" panose="02070309020205020404" pitchFamily="49" charset="0"/>
+              </a:rPr>
+              <a:t>=n*</a:t>
+            </a:r>
+            <a:r>
+              <a:rPr lang="es-AR" dirty="0" err="1">
+                <a:solidFill>
+                  <a:srgbClr val="000000"/>
+                </a:solidFill>
+                <a:latin typeface="Courier New" panose="02070309020205020404" pitchFamily="49" charset="0"/>
+              </a:rPr>
+              <a:t>Ts</a:t>
+            </a:r>
+            <a:r>
+              <a:rPr lang="es-AR" dirty="0">
+                <a:solidFill>
+                  <a:srgbClr val="000000"/>
+                </a:solidFill>
+                <a:latin typeface="Courier New" panose="02070309020205020404" pitchFamily="49" charset="0"/>
+              </a:rPr>
+              <a:t>;</a:t>
+            </a:r>
+            <a:r>
+              <a:rPr lang="es-AR" dirty="0">
+                <a:solidFill>
+                  <a:srgbClr val="228B22"/>
+                </a:solidFill>
+                <a:latin typeface="Courier New" panose="02070309020205020404" pitchFamily="49" charset="0"/>
+              </a:rPr>
+              <a:t>%valores de tiempo discreto</a:t>
+            </a:r>
+          </a:p>
+          <a:p>
+            <a:r>
+              <a:rPr lang="es-AR" dirty="0">
+                <a:solidFill>
+                  <a:srgbClr val="000000"/>
+                </a:solidFill>
+                <a:latin typeface="Courier New" panose="02070309020205020404" pitchFamily="49" charset="0"/>
+              </a:rPr>
+              <a:t>td2=</a:t>
+            </a:r>
+            <a:r>
+              <a:rPr lang="es-AR" dirty="0" err="1">
+                <a:solidFill>
+                  <a:srgbClr val="000000"/>
+                </a:solidFill>
+                <a:latin typeface="Courier New" panose="02070309020205020404" pitchFamily="49" charset="0"/>
+              </a:rPr>
+              <a:t>td</a:t>
+            </a:r>
+            <a:r>
+              <a:rPr lang="es-AR" dirty="0">
+                <a:solidFill>
+                  <a:srgbClr val="000000"/>
+                </a:solidFill>
+                <a:latin typeface="Courier New" panose="02070309020205020404" pitchFamily="49" charset="0"/>
+              </a:rPr>
+              <a:t>(1:(end-1))</a:t>
+            </a:r>
+            <a:r>
+              <a:rPr lang="es-AR" dirty="0">
+                <a:solidFill>
+                  <a:srgbClr val="228B22"/>
+                </a:solidFill>
+                <a:latin typeface="Courier New" panose="02070309020205020404" pitchFamily="49" charset="0"/>
+              </a:rPr>
+              <a:t>%valores de tiempo discreto</a:t>
+            </a:r>
+          </a:p>
+          <a:p>
+            <a:r>
+              <a:rPr lang="es-AR" dirty="0">
+                <a:solidFill>
+                  <a:srgbClr val="228B22"/>
+                </a:solidFill>
+                <a:latin typeface="Courier New" panose="02070309020205020404" pitchFamily="49" charset="0"/>
+              </a:rPr>
+              <a:t>%</a:t>
+            </a:r>
+            <a:r>
+              <a:rPr lang="es-AR" dirty="0" err="1">
+                <a:solidFill>
+                  <a:srgbClr val="228B22"/>
+                </a:solidFill>
+                <a:latin typeface="Courier New" panose="02070309020205020404" pitchFamily="49" charset="0"/>
+              </a:rPr>
+              <a:t>td</a:t>
+            </a:r>
+            <a:r>
+              <a:rPr lang="es-AR" dirty="0">
+                <a:solidFill>
+                  <a:srgbClr val="228B22"/>
+                </a:solidFill>
+                <a:latin typeface="Courier New" panose="02070309020205020404" pitchFamily="49" charset="0"/>
+              </a:rPr>
+              <a:t>=0:1/fs:0.05</a:t>
+            </a:r>
+          </a:p>
+          <a:p>
+            <a:r>
+              <a:rPr lang="es-AR" dirty="0" err="1">
+                <a:solidFill>
+                  <a:srgbClr val="000000"/>
+                </a:solidFill>
+                <a:latin typeface="Courier New" panose="02070309020205020404" pitchFamily="49" charset="0"/>
+              </a:rPr>
+              <a:t>plot</a:t>
+            </a:r>
+            <a:r>
+              <a:rPr lang="es-AR" dirty="0">
+                <a:solidFill>
+                  <a:srgbClr val="000000"/>
+                </a:solidFill>
+                <a:latin typeface="Courier New" panose="02070309020205020404" pitchFamily="49" charset="0"/>
+              </a:rPr>
+              <a:t>(t,y,</a:t>
+            </a:r>
+            <a:r>
+              <a:rPr lang="es-AR" dirty="0">
+                <a:solidFill>
+                  <a:srgbClr val="A020F0"/>
+                </a:solidFill>
+                <a:latin typeface="Courier New" panose="02070309020205020404" pitchFamily="49" charset="0"/>
+              </a:rPr>
+              <a:t>'b'</a:t>
+            </a:r>
+            <a:r>
+              <a:rPr lang="es-AR" dirty="0">
+                <a:solidFill>
+                  <a:srgbClr val="000000"/>
+                </a:solidFill>
+                <a:latin typeface="Courier New" panose="02070309020205020404" pitchFamily="49" charset="0"/>
+              </a:rPr>
+              <a:t>,t2,yc,</a:t>
+            </a:r>
+            <a:r>
+              <a:rPr lang="es-AR" dirty="0">
+                <a:solidFill>
+                  <a:srgbClr val="A020F0"/>
+                </a:solidFill>
+                <a:latin typeface="Courier New" panose="02070309020205020404" pitchFamily="49" charset="0"/>
+              </a:rPr>
+              <a:t>'or'</a:t>
+            </a:r>
+            <a:r>
+              <a:rPr lang="es-AR" dirty="0">
+                <a:solidFill>
+                  <a:srgbClr val="000000"/>
+                </a:solidFill>
+                <a:latin typeface="Courier New" panose="02070309020205020404" pitchFamily="49" charset="0"/>
+              </a:rPr>
+              <a:t>)</a:t>
+            </a:r>
+          </a:p>
+        </p:txBody>
+      </p:sp>
+      <p:sp>
+        <p:nvSpPr>
+          <p:cNvPr id="5" name="Rectángulo 4"/>
+          <p:cNvSpPr/>
+          <p:nvPr/>
+        </p:nvSpPr>
+        <p:spPr>
+          <a:xfrm>
+            <a:off x="99649" y="150152"/>
+            <a:ext cx="4369401" cy="461665"/>
+          </a:xfrm>
+          <a:prstGeom prst="rect">
+            <a:avLst/>
+          </a:prstGeom>
+        </p:spPr>
+        <p:txBody>
+          <a:bodyPr wrap="none">
+            <a:spAutoFit/>
+          </a:bodyPr>
+          <a:lstStyle/>
+          <a:p>
+            <a:r>
+              <a:rPr lang="es-AR" sz="2400" b="1" i="0" u="none" strike="noStrike" dirty="0" smtClean="0">
+                <a:solidFill>
+                  <a:srgbClr val="333333"/>
+                </a:solidFill>
+                <a:effectLst/>
+              </a:rPr>
+              <a:t>Obtener una señal y muestrearla</a:t>
+            </a:r>
+            <a:endParaRPr lang="es-AR" sz="2400" b="1" i="0" dirty="0">
+              <a:solidFill>
+                <a:srgbClr val="333333"/>
+              </a:solidFill>
+              <a:effectLst/>
+            </a:endParaRPr>
+          </a:p>
+        </p:txBody>
+      </p:sp>
+    </p:spTree>
+    <p:extLst>
+      <p:ext uri="{BB962C8B-B14F-4D97-AF65-F5344CB8AC3E}">
+        <p14:creationId xmlns:p14="http://schemas.microsoft.com/office/powerpoint/2010/main" val="171164746"/>
+      </p:ext>
+    </p:extLst>
+  </p:cSld>
+  <p:clrMapOvr>
+    <a:masterClrMapping/>
+  </p:clrMapOvr>
+</p:sld>
+</file>
+
 <file path=ppt/slides/slide2.xml><?xml version="1.0" encoding="utf-8"?>
 <p:sld xmlns:a="http://schemas.openxmlformats.org/drawingml/2006/main" xmlns:r="http://schemas.openxmlformats.org/officeDocument/2006/relationships" xmlns:p="http://schemas.openxmlformats.org/presentationml/2006/main">
   <p:cSld>
@@ -7340,6 +8161,42 @@
               <a:t>FC== 1,19 x 60= 71 latidos por minuto</a:t>
             </a:r>
             <a:endParaRPr lang="es-AR" sz="2000" dirty="0"/>
+          </a:p>
+        </p:txBody>
+      </p:sp>
+      <p:sp>
+        <p:nvSpPr>
+          <p:cNvPr id="2" name="CuadroTexto 1"/>
+          <p:cNvSpPr txBox="1"/>
+          <p:nvPr/>
+        </p:nvSpPr>
+        <p:spPr>
+          <a:xfrm>
+            <a:off x="193964" y="5588000"/>
+            <a:ext cx="2830945" cy="646331"/>
+          </a:xfrm>
+          <a:prstGeom prst="rect">
+            <a:avLst/>
+          </a:prstGeom>
+          <a:noFill/>
+        </p:spPr>
+        <p:txBody>
+          <a:bodyPr wrap="square" rtlCol="0">
+            <a:spAutoFit/>
+          </a:bodyPr>
+          <a:lstStyle/>
+          <a:p>
+            <a:r>
+              <a:rPr lang="es-AR" dirty="0" smtClean="0"/>
+              <a:t>Ecg1 muestreada a 360</a:t>
+            </a:r>
+          </a:p>
+          <a:p>
+            <a:r>
+              <a:rPr lang="es-AR" dirty="0" smtClean="0"/>
+              <a:t>Ecg2 muestreada a 250</a:t>
+            </a:r>
+            <a:endParaRPr lang="es-AR" dirty="0"/>
           </a:p>
         </p:txBody>
       </p:sp>

--- a/TP1/Presentacion-TP-1.pptx
+++ b/TP1/Presentacion-TP-1.pptx
@@ -254,7 +254,7 @@
           <a:p>
             <a:fld id="{298EA4AB-D370-4407-87A6-9D37FF54B15A}" type="datetimeFigureOut">
               <a:rPr lang="es-AR" smtClean="0"/>
-              <a:t>2/9/2023</a:t>
+              <a:t>4/9/2023</a:t>
             </a:fld>
             <a:endParaRPr lang="es-AR"/>
           </a:p>
@@ -424,7 +424,7 @@
           <a:p>
             <a:fld id="{298EA4AB-D370-4407-87A6-9D37FF54B15A}" type="datetimeFigureOut">
               <a:rPr lang="es-AR" smtClean="0"/>
-              <a:t>2/9/2023</a:t>
+              <a:t>4/9/2023</a:t>
             </a:fld>
             <a:endParaRPr lang="es-AR"/>
           </a:p>
@@ -604,7 +604,7 @@
           <a:p>
             <a:fld id="{298EA4AB-D370-4407-87A6-9D37FF54B15A}" type="datetimeFigureOut">
               <a:rPr lang="es-AR" smtClean="0"/>
-              <a:t>2/9/2023</a:t>
+              <a:t>4/9/2023</a:t>
             </a:fld>
             <a:endParaRPr lang="es-AR"/>
           </a:p>
@@ -774,7 +774,7 @@
           <a:p>
             <a:fld id="{298EA4AB-D370-4407-87A6-9D37FF54B15A}" type="datetimeFigureOut">
               <a:rPr lang="es-AR" smtClean="0"/>
-              <a:t>2/9/2023</a:t>
+              <a:t>4/9/2023</a:t>
             </a:fld>
             <a:endParaRPr lang="es-AR"/>
           </a:p>
@@ -1020,7 +1020,7 @@
           <a:p>
             <a:fld id="{298EA4AB-D370-4407-87A6-9D37FF54B15A}" type="datetimeFigureOut">
               <a:rPr lang="es-AR" smtClean="0"/>
-              <a:t>2/9/2023</a:t>
+              <a:t>4/9/2023</a:t>
             </a:fld>
             <a:endParaRPr lang="es-AR"/>
           </a:p>
@@ -1252,7 +1252,7 @@
           <a:p>
             <a:fld id="{298EA4AB-D370-4407-87A6-9D37FF54B15A}" type="datetimeFigureOut">
               <a:rPr lang="es-AR" smtClean="0"/>
-              <a:t>2/9/2023</a:t>
+              <a:t>4/9/2023</a:t>
             </a:fld>
             <a:endParaRPr lang="es-AR"/>
           </a:p>
@@ -1619,7 +1619,7 @@
           <a:p>
             <a:fld id="{298EA4AB-D370-4407-87A6-9D37FF54B15A}" type="datetimeFigureOut">
               <a:rPr lang="es-AR" smtClean="0"/>
-              <a:t>2/9/2023</a:t>
+              <a:t>4/9/2023</a:t>
             </a:fld>
             <a:endParaRPr lang="es-AR"/>
           </a:p>
@@ -1737,7 +1737,7 @@
           <a:p>
             <a:fld id="{298EA4AB-D370-4407-87A6-9D37FF54B15A}" type="datetimeFigureOut">
               <a:rPr lang="es-AR" smtClean="0"/>
-              <a:t>2/9/2023</a:t>
+              <a:t>4/9/2023</a:t>
             </a:fld>
             <a:endParaRPr lang="es-AR"/>
           </a:p>
@@ -1832,7 +1832,7 @@
           <a:p>
             <a:fld id="{298EA4AB-D370-4407-87A6-9D37FF54B15A}" type="datetimeFigureOut">
               <a:rPr lang="es-AR" smtClean="0"/>
-              <a:t>2/9/2023</a:t>
+              <a:t>4/9/2023</a:t>
             </a:fld>
             <a:endParaRPr lang="es-AR"/>
           </a:p>
@@ -2109,7 +2109,7 @@
           <a:p>
             <a:fld id="{298EA4AB-D370-4407-87A6-9D37FF54B15A}" type="datetimeFigureOut">
               <a:rPr lang="es-AR" smtClean="0"/>
-              <a:t>2/9/2023</a:t>
+              <a:t>4/9/2023</a:t>
             </a:fld>
             <a:endParaRPr lang="es-AR"/>
           </a:p>
@@ -2362,7 +2362,7 @@
           <a:p>
             <a:fld id="{298EA4AB-D370-4407-87A6-9D37FF54B15A}" type="datetimeFigureOut">
               <a:rPr lang="es-AR" smtClean="0"/>
-              <a:t>2/9/2023</a:t>
+              <a:t>4/9/2023</a:t>
             </a:fld>
             <a:endParaRPr lang="es-AR"/>
           </a:p>
@@ -2575,7 +2575,7 @@
           <a:p>
             <a:fld id="{298EA4AB-D370-4407-87A6-9D37FF54B15A}" type="datetimeFigureOut">
               <a:rPr lang="es-AR" smtClean="0"/>
-              <a:t>2/9/2023</a:t>
+              <a:t>4/9/2023</a:t>
             </a:fld>
             <a:endParaRPr lang="es-AR"/>
           </a:p>
@@ -6393,6 +6393,45 @@
           </a:p>
         </p:txBody>
       </p:sp>
+      <p:sp>
+        <p:nvSpPr>
+          <p:cNvPr id="2" name="CuadroTexto 1"/>
+          <p:cNvSpPr txBox="1"/>
+          <p:nvPr/>
+        </p:nvSpPr>
+        <p:spPr>
+          <a:xfrm>
+            <a:off x="6345381" y="464035"/>
+            <a:ext cx="5227782" cy="830997"/>
+          </a:xfrm>
+          <a:prstGeom prst="rect">
+            <a:avLst/>
+          </a:prstGeom>
+          <a:noFill/>
+        </p:spPr>
+        <p:txBody>
+          <a:bodyPr wrap="square" rtlCol="0">
+            <a:spAutoFit/>
+          </a:bodyPr>
+          <a:lstStyle/>
+          <a:p>
+            <a:pPr algn="just"/>
+            <a:r>
+              <a:rPr lang="es-AR" sz="2400" dirty="0" smtClean="0"/>
+              <a:t>Obtener y muestrear dos señales </a:t>
+            </a:r>
+            <a:r>
+              <a:rPr lang="es-AR" sz="2400" dirty="0" err="1" smtClean="0"/>
+              <a:t>senoidales</a:t>
+            </a:r>
+            <a:r>
+              <a:rPr lang="es-AR" sz="2400" dirty="0" smtClean="0"/>
+              <a:t> de frecuencia 100 y 300 Hz</a:t>
+            </a:r>
+            <a:endParaRPr lang="es-AR" sz="2400" dirty="0"/>
+          </a:p>
+        </p:txBody>
+      </p:sp>
     </p:spTree>
     <p:extLst>
       <p:ext uri="{BB962C8B-B14F-4D97-AF65-F5344CB8AC3E}">

--- a/TP1/Presentacion-TP-1.pptx
+++ b/TP1/Presentacion-TP-1.pptx
@@ -254,7 +254,7 @@
           <a:p>
             <a:fld id="{298EA4AB-D370-4407-87A6-9D37FF54B15A}" type="datetimeFigureOut">
               <a:rPr lang="es-AR" smtClean="0"/>
-              <a:t>4/9/2023</a:t>
+              <a:t>24/10/2023</a:t>
             </a:fld>
             <a:endParaRPr lang="es-AR"/>
           </a:p>
@@ -424,7 +424,7 @@
           <a:p>
             <a:fld id="{298EA4AB-D370-4407-87A6-9D37FF54B15A}" type="datetimeFigureOut">
               <a:rPr lang="es-AR" smtClean="0"/>
-              <a:t>4/9/2023</a:t>
+              <a:t>24/10/2023</a:t>
             </a:fld>
             <a:endParaRPr lang="es-AR"/>
           </a:p>
@@ -604,7 +604,7 @@
           <a:p>
             <a:fld id="{298EA4AB-D370-4407-87A6-9D37FF54B15A}" type="datetimeFigureOut">
               <a:rPr lang="es-AR" smtClean="0"/>
-              <a:t>4/9/2023</a:t>
+              <a:t>24/10/2023</a:t>
             </a:fld>
             <a:endParaRPr lang="es-AR"/>
           </a:p>
@@ -774,7 +774,7 @@
           <a:p>
             <a:fld id="{298EA4AB-D370-4407-87A6-9D37FF54B15A}" type="datetimeFigureOut">
               <a:rPr lang="es-AR" smtClean="0"/>
-              <a:t>4/9/2023</a:t>
+              <a:t>24/10/2023</a:t>
             </a:fld>
             <a:endParaRPr lang="es-AR"/>
           </a:p>
@@ -1020,7 +1020,7 @@
           <a:p>
             <a:fld id="{298EA4AB-D370-4407-87A6-9D37FF54B15A}" type="datetimeFigureOut">
               <a:rPr lang="es-AR" smtClean="0"/>
-              <a:t>4/9/2023</a:t>
+              <a:t>24/10/2023</a:t>
             </a:fld>
             <a:endParaRPr lang="es-AR"/>
           </a:p>
@@ -1252,7 +1252,7 @@
           <a:p>
             <a:fld id="{298EA4AB-D370-4407-87A6-9D37FF54B15A}" type="datetimeFigureOut">
               <a:rPr lang="es-AR" smtClean="0"/>
-              <a:t>4/9/2023</a:t>
+              <a:t>24/10/2023</a:t>
             </a:fld>
             <a:endParaRPr lang="es-AR"/>
           </a:p>
@@ -1619,7 +1619,7 @@
           <a:p>
             <a:fld id="{298EA4AB-D370-4407-87A6-9D37FF54B15A}" type="datetimeFigureOut">
               <a:rPr lang="es-AR" smtClean="0"/>
-              <a:t>4/9/2023</a:t>
+              <a:t>24/10/2023</a:t>
             </a:fld>
             <a:endParaRPr lang="es-AR"/>
           </a:p>
@@ -1737,7 +1737,7 @@
           <a:p>
             <a:fld id="{298EA4AB-D370-4407-87A6-9D37FF54B15A}" type="datetimeFigureOut">
               <a:rPr lang="es-AR" smtClean="0"/>
-              <a:t>4/9/2023</a:t>
+              <a:t>24/10/2023</a:t>
             </a:fld>
             <a:endParaRPr lang="es-AR"/>
           </a:p>
@@ -1832,7 +1832,7 @@
           <a:p>
             <a:fld id="{298EA4AB-D370-4407-87A6-9D37FF54B15A}" type="datetimeFigureOut">
               <a:rPr lang="es-AR" smtClean="0"/>
-              <a:t>4/9/2023</a:t>
+              <a:t>24/10/2023</a:t>
             </a:fld>
             <a:endParaRPr lang="es-AR"/>
           </a:p>
@@ -2109,7 +2109,7 @@
           <a:p>
             <a:fld id="{298EA4AB-D370-4407-87A6-9D37FF54B15A}" type="datetimeFigureOut">
               <a:rPr lang="es-AR" smtClean="0"/>
-              <a:t>4/9/2023</a:t>
+              <a:t>24/10/2023</a:t>
             </a:fld>
             <a:endParaRPr lang="es-AR"/>
           </a:p>
@@ -2362,7 +2362,7 @@
           <a:p>
             <a:fld id="{298EA4AB-D370-4407-87A6-9D37FF54B15A}" type="datetimeFigureOut">
               <a:rPr lang="es-AR" smtClean="0"/>
-              <a:t>4/9/2023</a:t>
+              <a:t>24/10/2023</a:t>
             </a:fld>
             <a:endParaRPr lang="es-AR"/>
           </a:p>
@@ -2575,7 +2575,7 @@
           <a:p>
             <a:fld id="{298EA4AB-D370-4407-87A6-9D37FF54B15A}" type="datetimeFigureOut">
               <a:rPr lang="es-AR" smtClean="0"/>
-              <a:t>4/9/2023</a:t>
+              <a:t>24/10/2023</a:t>
             </a:fld>
             <a:endParaRPr lang="es-AR"/>
           </a:p>

--- a/TP1/Presentacion-TP-1.pptx
+++ b/TP1/Presentacion-TP-1.pptx
@@ -5,18 +5,19 @@
     <p:sldMasterId id="2147483648" r:id="rId1"/>
   </p:sldMasterIdLst>
   <p:sldIdLst>
-    <p:sldId id="260" r:id="rId2"/>
-    <p:sldId id="261" r:id="rId3"/>
-    <p:sldId id="262" r:id="rId4"/>
-    <p:sldId id="259" r:id="rId5"/>
-    <p:sldId id="257" r:id="rId6"/>
-    <p:sldId id="258" r:id="rId7"/>
-    <p:sldId id="263" r:id="rId8"/>
-    <p:sldId id="264" r:id="rId9"/>
-    <p:sldId id="265" r:id="rId10"/>
-    <p:sldId id="266" r:id="rId11"/>
-    <p:sldId id="267" r:id="rId12"/>
-    <p:sldId id="268" r:id="rId13"/>
+    <p:sldId id="269" r:id="rId2"/>
+    <p:sldId id="260" r:id="rId3"/>
+    <p:sldId id="261" r:id="rId4"/>
+    <p:sldId id="262" r:id="rId5"/>
+    <p:sldId id="259" r:id="rId6"/>
+    <p:sldId id="257" r:id="rId7"/>
+    <p:sldId id="258" r:id="rId8"/>
+    <p:sldId id="263" r:id="rId9"/>
+    <p:sldId id="264" r:id="rId10"/>
+    <p:sldId id="265" r:id="rId11"/>
+    <p:sldId id="266" r:id="rId12"/>
+    <p:sldId id="267" r:id="rId13"/>
+    <p:sldId id="268" r:id="rId14"/>
   </p:sldIdLst>
   <p:sldSz cx="12192000" cy="6858000"/>
   <p:notesSz cx="6858000" cy="9144000"/>
@@ -254,7 +255,7 @@
           <a:p>
             <a:fld id="{298EA4AB-D370-4407-87A6-9D37FF54B15A}" type="datetimeFigureOut">
               <a:rPr lang="es-AR" smtClean="0"/>
-              <a:t>24/10/2023</a:t>
+              <a:t>5/8/2024</a:t>
             </a:fld>
             <a:endParaRPr lang="es-AR"/>
           </a:p>
@@ -424,7 +425,7 @@
           <a:p>
             <a:fld id="{298EA4AB-D370-4407-87A6-9D37FF54B15A}" type="datetimeFigureOut">
               <a:rPr lang="es-AR" smtClean="0"/>
-              <a:t>24/10/2023</a:t>
+              <a:t>5/8/2024</a:t>
             </a:fld>
             <a:endParaRPr lang="es-AR"/>
           </a:p>
@@ -604,7 +605,7 @@
           <a:p>
             <a:fld id="{298EA4AB-D370-4407-87A6-9D37FF54B15A}" type="datetimeFigureOut">
               <a:rPr lang="es-AR" smtClean="0"/>
-              <a:t>24/10/2023</a:t>
+              <a:t>5/8/2024</a:t>
             </a:fld>
             <a:endParaRPr lang="es-AR"/>
           </a:p>
@@ -774,7 +775,7 @@
           <a:p>
             <a:fld id="{298EA4AB-D370-4407-87A6-9D37FF54B15A}" type="datetimeFigureOut">
               <a:rPr lang="es-AR" smtClean="0"/>
-              <a:t>24/10/2023</a:t>
+              <a:t>5/8/2024</a:t>
             </a:fld>
             <a:endParaRPr lang="es-AR"/>
           </a:p>
@@ -1020,7 +1021,7 @@
           <a:p>
             <a:fld id="{298EA4AB-D370-4407-87A6-9D37FF54B15A}" type="datetimeFigureOut">
               <a:rPr lang="es-AR" smtClean="0"/>
-              <a:t>24/10/2023</a:t>
+              <a:t>5/8/2024</a:t>
             </a:fld>
             <a:endParaRPr lang="es-AR"/>
           </a:p>
@@ -1252,7 +1253,7 @@
           <a:p>
             <a:fld id="{298EA4AB-D370-4407-87A6-9D37FF54B15A}" type="datetimeFigureOut">
               <a:rPr lang="es-AR" smtClean="0"/>
-              <a:t>24/10/2023</a:t>
+              <a:t>5/8/2024</a:t>
             </a:fld>
             <a:endParaRPr lang="es-AR"/>
           </a:p>
@@ -1619,7 +1620,7 @@
           <a:p>
             <a:fld id="{298EA4AB-D370-4407-87A6-9D37FF54B15A}" type="datetimeFigureOut">
               <a:rPr lang="es-AR" smtClean="0"/>
-              <a:t>24/10/2023</a:t>
+              <a:t>5/8/2024</a:t>
             </a:fld>
             <a:endParaRPr lang="es-AR"/>
           </a:p>
@@ -1737,7 +1738,7 @@
           <a:p>
             <a:fld id="{298EA4AB-D370-4407-87A6-9D37FF54B15A}" type="datetimeFigureOut">
               <a:rPr lang="es-AR" smtClean="0"/>
-              <a:t>24/10/2023</a:t>
+              <a:t>5/8/2024</a:t>
             </a:fld>
             <a:endParaRPr lang="es-AR"/>
           </a:p>
@@ -1832,7 +1833,7 @@
           <a:p>
             <a:fld id="{298EA4AB-D370-4407-87A6-9D37FF54B15A}" type="datetimeFigureOut">
               <a:rPr lang="es-AR" smtClean="0"/>
-              <a:t>24/10/2023</a:t>
+              <a:t>5/8/2024</a:t>
             </a:fld>
             <a:endParaRPr lang="es-AR"/>
           </a:p>
@@ -2109,7 +2110,7 @@
           <a:p>
             <a:fld id="{298EA4AB-D370-4407-87A6-9D37FF54B15A}" type="datetimeFigureOut">
               <a:rPr lang="es-AR" smtClean="0"/>
-              <a:t>24/10/2023</a:t>
+              <a:t>5/8/2024</a:t>
             </a:fld>
             <a:endParaRPr lang="es-AR"/>
           </a:p>
@@ -2362,7 +2363,7 @@
           <a:p>
             <a:fld id="{298EA4AB-D370-4407-87A6-9D37FF54B15A}" type="datetimeFigureOut">
               <a:rPr lang="es-AR" smtClean="0"/>
-              <a:t>24/10/2023</a:t>
+              <a:t>5/8/2024</a:t>
             </a:fld>
             <a:endParaRPr lang="es-AR"/>
           </a:p>
@@ -2575,7 +2576,7 @@
           <a:p>
             <a:fld id="{298EA4AB-D370-4407-87A6-9D37FF54B15A}" type="datetimeFigureOut">
               <a:rPr lang="es-AR" smtClean="0"/>
-              <a:t>24/10/2023</a:t>
+              <a:t>5/8/2024</a:t>
             </a:fld>
             <a:endParaRPr lang="es-AR"/>
           </a:p>
@@ -2982,706 +2983,1613 @@
       </p:grpSpPr>
       <p:pic>
         <p:nvPicPr>
-          <p:cNvPr id="5" name="Imagen 4"/>
+          <p:cNvPr id="5" name="Imagen 4">
+            <a:extLst>
+              <a:ext uri="{FF2B5EF4-FFF2-40B4-BE49-F238E27FC236}">
+                <a16:creationId xmlns:a16="http://schemas.microsoft.com/office/drawing/2014/main" id="{ACA1CBF6-0D20-404D-9A90-1011505BBE23}"/>
+              </a:ext>
+            </a:extLst>
+          </p:cNvPr>
           <p:cNvPicPr>
-            <a:picLocks noChangeAspect="1" noChangeArrowheads="1"/>
+            <a:picLocks noChangeAspect="1"/>
           </p:cNvPicPr>
           <p:nvPr/>
         </p:nvPicPr>
         <p:blipFill>
-          <a:blip r:embed="rId2" cstate="print">
-            <a:extLst>
-              <a:ext uri="{28A0092B-C50C-407E-A947-70E740481C1C}">
-                <a14:useLocalDpi xmlns:a14="http://schemas.microsoft.com/office/drawing/2010/main" val="0"/>
-              </a:ext>
-            </a:extLst>
-          </a:blip>
-          <a:srcRect/>
+          <a:blip r:embed="rId2"/>
           <a:stretch>
             <a:fillRect/>
           </a:stretch>
         </p:blipFill>
-        <p:spPr bwMode="auto">
+        <p:spPr>
           <a:xfrm>
-            <a:off x="2078863" y="4724127"/>
-            <a:ext cx="6329362" cy="1044575"/>
+            <a:off x="3086428" y="1879873"/>
+            <a:ext cx="3960757" cy="1159614"/>
           </a:xfrm>
           <a:prstGeom prst="rect">
             <a:avLst/>
           </a:prstGeom>
-          <a:noFill/>
-          <a:ln w="34925">
-            <a:solidFill>
-              <a:srgbClr val="FF0000"/>
-            </a:solidFill>
-            <a:miter lim="800000"/>
-            <a:headEnd/>
-            <a:tailEnd/>
-          </a:ln>
-          <a:extLst>
-            <a:ext uri="{909E8E84-426E-40DD-AFC4-6F175D3DCCD1}">
-              <a14:hiddenFill xmlns:a14="http://schemas.microsoft.com/office/drawing/2010/main">
-                <a:solidFill>
-                  <a:srgbClr val="FFFFFF"/>
-                </a:solidFill>
-              </a14:hiddenFill>
-            </a:ext>
-          </a:extLst>
         </p:spPr>
       </p:pic>
-      <p:pic>
-        <p:nvPicPr>
-          <p:cNvPr id="6" name="Imagen 5"/>
-          <p:cNvPicPr>
-            <a:picLocks noChangeAspect="1" noChangeArrowheads="1"/>
-          </p:cNvPicPr>
-          <p:nvPr/>
-        </p:nvPicPr>
-        <p:blipFill>
-          <a:blip r:embed="rId3" cstate="print">
+      <mc:AlternateContent xmlns:mc="http://schemas.openxmlformats.org/markup-compatibility/2006" xmlns:a14="http://schemas.microsoft.com/office/drawing/2010/main">
+        <mc:Choice Requires="a14">
+          <p:sp>
+            <p:nvSpPr>
+              <p:cNvPr id="4" name="CuadroTexto 3">
+                <a:extLst>
+                  <a:ext uri="{FF2B5EF4-FFF2-40B4-BE49-F238E27FC236}">
+                    <a16:creationId xmlns:a16="http://schemas.microsoft.com/office/drawing/2014/main" id="{C0A7B67C-C9C1-435F-A030-7C3D1C7EDB9D}"/>
+                  </a:ext>
+                </a:extLst>
+              </p:cNvPr>
+              <p:cNvSpPr txBox="1"/>
+              <p:nvPr/>
+            </p:nvSpPr>
+            <p:spPr>
+              <a:xfrm>
+                <a:off x="0" y="0"/>
+                <a:ext cx="12320460" cy="6318333"/>
+              </a:xfrm>
+              <a:prstGeom prst="rect">
+                <a:avLst/>
+              </a:prstGeom>
+              <a:noFill/>
+            </p:spPr>
+            <p:txBody>
+              <a:bodyPr wrap="square" rtlCol="0">
+                <a:spAutoFit/>
+              </a:bodyPr>
+              <a:lstStyle/>
+              <a:p>
+                <a:r>
+                  <a:rPr lang="es-MX" sz="2800" b="1" dirty="0"/>
+                  <a:t>Señales discretas</a:t>
+                </a:r>
+              </a:p>
+              <a:p>
+                <a:r>
+                  <a:rPr lang="es-ES" sz="2000" dirty="0">
+                    <a:solidFill>
+                      <a:srgbClr val="000000"/>
+                    </a:solidFill>
+                    <a:latin typeface="Times New Roman" panose="02020603050405020304" pitchFamily="18" charset="0"/>
+                    <a:ea typeface="Times New Roman" panose="02020603050405020304" pitchFamily="18" charset="0"/>
+                    <a:cs typeface="Times New Roman" panose="02020603050405020304" pitchFamily="18" charset="0"/>
+                  </a:rPr>
+                  <a:t>Una </a:t>
+                </a:r>
+                <a:r>
+                  <a:rPr lang="es-ES" sz="2000" b="1" dirty="0">
+                    <a:solidFill>
+                      <a:srgbClr val="000000"/>
+                    </a:solidFill>
+                    <a:latin typeface="Times New Roman" panose="02020603050405020304" pitchFamily="18" charset="0"/>
+                    <a:ea typeface="Times New Roman" panose="02020603050405020304" pitchFamily="18" charset="0"/>
+                    <a:cs typeface="Times New Roman" panose="02020603050405020304" pitchFamily="18" charset="0"/>
+                  </a:rPr>
+                  <a:t>función discreta</a:t>
+                </a:r>
+                <a:r>
+                  <a:rPr lang="es-ES" sz="2000" dirty="0">
+                    <a:solidFill>
+                      <a:srgbClr val="000000"/>
+                    </a:solidFill>
+                    <a:latin typeface="Times New Roman" panose="02020603050405020304" pitchFamily="18" charset="0"/>
+                    <a:ea typeface="Times New Roman" panose="02020603050405020304" pitchFamily="18" charset="0"/>
+                    <a:cs typeface="Times New Roman" panose="02020603050405020304" pitchFamily="18" charset="0"/>
+                  </a:rPr>
+                  <a:t>, </a:t>
+                </a:r>
+                <a:r>
+                  <a:rPr lang="es-ES" sz="2000" b="1" dirty="0" err="1">
+                    <a:solidFill>
+                      <a:srgbClr val="000000"/>
+                    </a:solidFill>
+                    <a:latin typeface="Times New Roman" panose="02020603050405020304" pitchFamily="18" charset="0"/>
+                    <a:ea typeface="Times New Roman" panose="02020603050405020304" pitchFamily="18" charset="0"/>
+                    <a:cs typeface="Times New Roman" panose="02020603050405020304" pitchFamily="18" charset="0"/>
+                  </a:rPr>
+                  <a:t>xn</a:t>
+                </a:r>
+                <a:r>
+                  <a:rPr lang="es-ES" sz="2000" dirty="0">
+                    <a:solidFill>
+                      <a:srgbClr val="000000"/>
+                    </a:solidFill>
+                    <a:latin typeface="Times New Roman" panose="02020603050405020304" pitchFamily="18" charset="0"/>
+                    <a:ea typeface="Times New Roman" panose="02020603050405020304" pitchFamily="18" charset="0"/>
+                    <a:cs typeface="Times New Roman" panose="02020603050405020304" pitchFamily="18" charset="0"/>
+                  </a:rPr>
+                  <a:t> (o x[n]), es aquella que está representada por una secuencia definida para valores enteros del parámetro </a:t>
+                </a:r>
+                <a:r>
+                  <a:rPr lang="es-ES" sz="2000" b="1" dirty="0">
+                    <a:solidFill>
+                      <a:srgbClr val="000000"/>
+                    </a:solidFill>
+                    <a:latin typeface="Times New Roman" panose="02020603050405020304" pitchFamily="18" charset="0"/>
+                    <a:ea typeface="Times New Roman" panose="02020603050405020304" pitchFamily="18" charset="0"/>
+                    <a:cs typeface="Times New Roman" panose="02020603050405020304" pitchFamily="18" charset="0"/>
+                  </a:rPr>
+                  <a:t>n</a:t>
+                </a:r>
+                <a:r>
+                  <a:rPr lang="es-ES" sz="2000" dirty="0">
+                    <a:solidFill>
+                      <a:srgbClr val="000000"/>
+                    </a:solidFill>
+                    <a:latin typeface="Times New Roman" panose="02020603050405020304" pitchFamily="18" charset="0"/>
+                    <a:ea typeface="Times New Roman" panose="02020603050405020304" pitchFamily="18" charset="0"/>
+                    <a:cs typeface="Times New Roman" panose="02020603050405020304" pitchFamily="18" charset="0"/>
+                  </a:rPr>
+                  <a:t>. En otras palabras, representada dicha función en un sistema rectangular, sobre el eje de abscisas sólo habrá valores de ordenadas para puntos aislados. </a:t>
+                </a:r>
+                <a:r>
+                  <a:rPr lang="es-ES" sz="2000" b="1" dirty="0" err="1">
+                    <a:solidFill>
+                      <a:srgbClr val="000000"/>
+                    </a:solidFill>
+                    <a:latin typeface="Times New Roman" panose="02020603050405020304" pitchFamily="18" charset="0"/>
+                    <a:ea typeface="Times New Roman" panose="02020603050405020304" pitchFamily="18" charset="0"/>
+                    <a:cs typeface="Times New Roman" panose="02020603050405020304" pitchFamily="18" charset="0"/>
+                  </a:rPr>
+                  <a:t>x</a:t>
+                </a:r>
+                <a:r>
+                  <a:rPr lang="es-ES" sz="2000" b="1" dirty="0" err="1"/>
+                  <a:t>n</a:t>
+                </a:r>
+                <a:r>
+                  <a:rPr lang="es-ES" sz="2000" dirty="0"/>
+                  <a:t> será denominada </a:t>
+                </a:r>
+                <a:r>
+                  <a:rPr lang="es-ES" sz="2000" u="sng" dirty="0"/>
+                  <a:t>señal discreta</a:t>
+                </a:r>
+                <a:r>
+                  <a:rPr lang="es-ES" sz="2000" dirty="0"/>
+                  <a:t> y el índice </a:t>
+                </a:r>
+                <a:r>
+                  <a:rPr lang="es-ES" sz="2000" b="1" dirty="0"/>
+                  <a:t>n</a:t>
+                </a:r>
+                <a:r>
+                  <a:rPr lang="es-ES" sz="2000" dirty="0"/>
+                  <a:t>, </a:t>
+                </a:r>
+                <a:r>
+                  <a:rPr lang="es-ES" sz="2000" u="sng" dirty="0"/>
+                  <a:t>tiempo discreto          </a:t>
+                </a:r>
+              </a:p>
+              <a:p>
+                <a:endParaRPr lang="es-MX" sz="2000" dirty="0">
+                  <a:latin typeface="Times New Roman" panose="02020603050405020304" pitchFamily="18" charset="0"/>
+                  <a:cs typeface="Times New Roman" panose="02020603050405020304" pitchFamily="18" charset="0"/>
+                </a:endParaRPr>
+              </a:p>
+              <a:p>
+                <a:endParaRPr lang="es-MX" sz="2000" dirty="0">
+                  <a:latin typeface="Times New Roman" panose="02020603050405020304" pitchFamily="18" charset="0"/>
+                  <a:cs typeface="Times New Roman" panose="02020603050405020304" pitchFamily="18" charset="0"/>
+                </a:endParaRPr>
+              </a:p>
+              <a:p>
+                <a:endParaRPr lang="es-MX" sz="2000" dirty="0">
+                  <a:latin typeface="Times New Roman" panose="02020603050405020304" pitchFamily="18" charset="0"/>
+                  <a:cs typeface="Times New Roman" panose="02020603050405020304" pitchFamily="18" charset="0"/>
+                </a:endParaRPr>
+              </a:p>
+              <a:p>
+                <a:endParaRPr lang="es-MX" sz="2000" dirty="0">
+                  <a:latin typeface="Times New Roman" panose="02020603050405020304" pitchFamily="18" charset="0"/>
+                  <a:cs typeface="Times New Roman" panose="02020603050405020304" pitchFamily="18" charset="0"/>
+                </a:endParaRPr>
+              </a:p>
+              <a:p>
+                <a:r>
+                  <a:rPr lang="es-MX" sz="2400" dirty="0">
+                    <a:latin typeface="Times New Roman" panose="02020603050405020304" pitchFamily="18" charset="0"/>
+                    <a:cs typeface="Times New Roman" panose="02020603050405020304" pitchFamily="18" charset="0"/>
+                  </a:rPr>
+                  <a:t>Periodicidad </a:t>
+                </a:r>
+              </a:p>
+              <a:p>
+                <a:r>
+                  <a:rPr lang="es-MX" sz="2400" dirty="0">
+                    <a:latin typeface="Times New Roman" panose="02020603050405020304" pitchFamily="18" charset="0"/>
+                    <a:cs typeface="Times New Roman" panose="02020603050405020304" pitchFamily="18" charset="0"/>
+                  </a:rPr>
+                  <a:t>Definición: </a:t>
+                </a:r>
+                <a14:m>
+                  <m:oMath xmlns:m="http://schemas.openxmlformats.org/officeDocument/2006/math">
+                    <m:r>
+                      <a:rPr lang="es-MX" sz="2400" b="0" i="1" smtClean="0">
+                        <a:latin typeface="Cambria Math" panose="02040503050406030204" pitchFamily="18" charset="0"/>
+                      </a:rPr>
+                      <m:t>𝑥</m:t>
+                    </m:r>
+                    <m:d>
+                      <m:dPr>
+                        <m:begChr m:val="["/>
+                        <m:endChr m:val="]"/>
+                        <m:ctrlPr>
+                          <a:rPr lang="es-MX" sz="2400" b="0" i="1" smtClean="0">
+                            <a:latin typeface="Cambria Math" panose="02040503050406030204" pitchFamily="18" charset="0"/>
+                          </a:rPr>
+                        </m:ctrlPr>
+                      </m:dPr>
+                      <m:e>
+                        <m:r>
+                          <a:rPr lang="es-MX" sz="2400" b="0" i="1" smtClean="0">
+                            <a:latin typeface="Cambria Math" panose="02040503050406030204" pitchFamily="18" charset="0"/>
+                          </a:rPr>
+                          <m:t>𝑛</m:t>
+                        </m:r>
+                      </m:e>
+                    </m:d>
+                    <m:r>
+                      <a:rPr lang="es-MX" sz="2400" b="0" i="1" smtClean="0">
+                        <a:latin typeface="Cambria Math" panose="02040503050406030204" pitchFamily="18" charset="0"/>
+                      </a:rPr>
+                      <m:t>=</m:t>
+                    </m:r>
+                    <m:r>
+                      <a:rPr lang="es-MX" sz="2400" b="0" i="1" smtClean="0">
+                        <a:latin typeface="Cambria Math" panose="02040503050406030204" pitchFamily="18" charset="0"/>
+                      </a:rPr>
+                      <m:t>𝑥</m:t>
+                    </m:r>
+                    <m:d>
+                      <m:dPr>
+                        <m:begChr m:val="["/>
+                        <m:endChr m:val="]"/>
+                        <m:ctrlPr>
+                          <a:rPr lang="es-MX" sz="2400" b="0" i="1" smtClean="0">
+                            <a:latin typeface="Cambria Math" panose="02040503050406030204" pitchFamily="18" charset="0"/>
+                          </a:rPr>
+                        </m:ctrlPr>
+                      </m:dPr>
+                      <m:e>
+                        <m:r>
+                          <a:rPr lang="es-MX" sz="2400" b="0" i="1" smtClean="0">
+                            <a:latin typeface="Cambria Math" panose="02040503050406030204" pitchFamily="18" charset="0"/>
+                          </a:rPr>
+                          <m:t>𝑛</m:t>
+                        </m:r>
+                        <m:r>
+                          <a:rPr lang="es-MX" sz="2400" b="0" i="1" smtClean="0">
+                            <a:latin typeface="Cambria Math" panose="02040503050406030204" pitchFamily="18" charset="0"/>
+                          </a:rPr>
+                          <m:t>+</m:t>
+                        </m:r>
+                        <m:r>
+                          <a:rPr lang="es-MX" sz="2400" b="0" i="1" smtClean="0">
+                            <a:latin typeface="Cambria Math" panose="02040503050406030204" pitchFamily="18" charset="0"/>
+                          </a:rPr>
+                          <m:t>𝑁</m:t>
+                        </m:r>
+                      </m:e>
+                    </m:d>
+                    <m:r>
+                      <a:rPr lang="es-MX" sz="2400" b="0" i="1" smtClean="0">
+                        <a:latin typeface="Cambria Math" panose="02040503050406030204" pitchFamily="18" charset="0"/>
+                      </a:rPr>
+                      <m:t>=</m:t>
+                    </m:r>
+                    <m:r>
+                      <a:rPr lang="es-MX" sz="2400" b="0" i="1" smtClean="0">
+                        <a:latin typeface="Cambria Math" panose="02040503050406030204" pitchFamily="18" charset="0"/>
+                      </a:rPr>
+                      <m:t>𝑥</m:t>
+                    </m:r>
+                    <m:r>
+                      <a:rPr lang="es-MX" sz="2400" b="0" i="1" smtClean="0">
+                        <a:latin typeface="Cambria Math" panose="02040503050406030204" pitchFamily="18" charset="0"/>
+                      </a:rPr>
+                      <m:t>[</m:t>
+                    </m:r>
+                    <m:r>
+                      <a:rPr lang="es-MX" sz="2400" b="0" i="1" smtClean="0">
+                        <a:latin typeface="Cambria Math" panose="02040503050406030204" pitchFamily="18" charset="0"/>
+                      </a:rPr>
+                      <m:t>𝑛</m:t>
+                    </m:r>
+                    <m:r>
+                      <a:rPr lang="es-MX" sz="2400" b="0" i="1" smtClean="0">
+                        <a:latin typeface="Cambria Math" panose="02040503050406030204" pitchFamily="18" charset="0"/>
+                      </a:rPr>
+                      <m:t>+</m:t>
+                    </m:r>
+                    <m:r>
+                      <a:rPr lang="es-MX" sz="2400" b="0" i="1" smtClean="0">
+                        <a:latin typeface="Cambria Math" panose="02040503050406030204" pitchFamily="18" charset="0"/>
+                      </a:rPr>
+                      <m:t>𝑘</m:t>
+                    </m:r>
+                    <m:sSub>
+                      <m:sSubPr>
+                        <m:ctrlPr>
+                          <a:rPr lang="es-MX" sz="2400" b="0" i="1" smtClean="0">
+                            <a:latin typeface="Cambria Math" panose="02040503050406030204" pitchFamily="18" charset="0"/>
+                          </a:rPr>
+                        </m:ctrlPr>
+                      </m:sSubPr>
+                      <m:e>
+                        <m:r>
+                          <a:rPr lang="es-MX" sz="2400" b="0" i="1" smtClean="0">
+                            <a:latin typeface="Cambria Math" panose="02040503050406030204" pitchFamily="18" charset="0"/>
+                          </a:rPr>
+                          <m:t>𝑁</m:t>
+                        </m:r>
+                      </m:e>
+                      <m:sub>
+                        <m:r>
+                          <a:rPr lang="es-MX" sz="2400" b="0" i="1" smtClean="0">
+                            <a:latin typeface="Cambria Math" panose="02040503050406030204" pitchFamily="18" charset="0"/>
+                          </a:rPr>
+                          <m:t>0</m:t>
+                        </m:r>
+                      </m:sub>
+                    </m:sSub>
+                    <m:r>
+                      <a:rPr lang="es-MX" sz="2400" b="0" i="1" smtClean="0">
+                        <a:latin typeface="Cambria Math" panose="02040503050406030204" pitchFamily="18" charset="0"/>
+                      </a:rPr>
+                      <m:t>]</m:t>
+                    </m:r>
+                  </m:oMath>
+                </a14:m>
+                <a:r>
+                  <a:rPr lang="es-MX" sz="2400" dirty="0">
+                    <a:latin typeface="Times New Roman" panose="02020603050405020304" pitchFamily="18" charset="0"/>
+                    <a:cs typeface="Times New Roman" panose="02020603050405020304" pitchFamily="18" charset="0"/>
+                  </a:rPr>
+                  <a:t> Aquí k es un entero cualquiera y </a:t>
+                </a:r>
+                <a14:m>
+                  <m:oMath xmlns:m="http://schemas.openxmlformats.org/officeDocument/2006/math">
+                    <m:sSub>
+                      <m:sSubPr>
+                        <m:ctrlPr>
+                          <a:rPr lang="es-MX" sz="2400" b="0" i="1" smtClean="0">
+                            <a:latin typeface="Cambria Math" panose="02040503050406030204" pitchFamily="18" charset="0"/>
+                          </a:rPr>
+                        </m:ctrlPr>
+                      </m:sSubPr>
+                      <m:e>
+                        <m:r>
+                          <a:rPr lang="es-MX" sz="2400" b="0" i="1" smtClean="0">
+                            <a:latin typeface="Cambria Math" panose="02040503050406030204" pitchFamily="18" charset="0"/>
+                          </a:rPr>
+                          <m:t>𝑁</m:t>
+                        </m:r>
+                      </m:e>
+                      <m:sub>
+                        <m:r>
+                          <a:rPr lang="es-MX" sz="2400" b="0" i="1" smtClean="0">
+                            <a:latin typeface="Cambria Math" panose="02040503050406030204" pitchFamily="18" charset="0"/>
+                          </a:rPr>
+                          <m:t>0</m:t>
+                        </m:r>
+                      </m:sub>
+                    </m:sSub>
+                  </m:oMath>
+                </a14:m>
+                <a:r>
+                  <a:rPr lang="es-MX" sz="2400" dirty="0">
+                    <a:latin typeface="Times New Roman" panose="02020603050405020304" pitchFamily="18" charset="0"/>
+                    <a:cs typeface="Times New Roman" panose="02020603050405020304" pitchFamily="18" charset="0"/>
+                  </a:rPr>
+                  <a:t> es un número natural. N es el periodo fundamental </a:t>
+                </a:r>
+              </a:p>
+              <a:p>
+                <a:pPr/>
+                <a14:m>
+                  <m:oMathPara xmlns:m="http://schemas.openxmlformats.org/officeDocument/2006/math">
+                    <m:oMathParaPr>
+                      <m:jc m:val="centerGroup"/>
+                    </m:oMathParaPr>
+                    <m:oMath xmlns:m="http://schemas.openxmlformats.org/officeDocument/2006/math">
+                      <m:r>
+                        <a:rPr lang="es-MX" sz="2400" b="0" i="1" smtClean="0">
+                          <a:latin typeface="Cambria Math" panose="02040503050406030204" pitchFamily="18" charset="0"/>
+                          <a:cs typeface="Times New Roman" panose="02020603050405020304" pitchFamily="18" charset="0"/>
+                        </a:rPr>
+                        <m:t>𝑥</m:t>
+                      </m:r>
+                      <m:d>
+                        <m:dPr>
+                          <m:begChr m:val="["/>
+                          <m:endChr m:val="]"/>
+                          <m:ctrlPr>
+                            <a:rPr lang="es-MX" sz="2400" b="0" i="1" smtClean="0">
+                              <a:latin typeface="Cambria Math" panose="02040503050406030204" pitchFamily="18" charset="0"/>
+                              <a:cs typeface="Times New Roman" panose="02020603050405020304" pitchFamily="18" charset="0"/>
+                            </a:rPr>
+                          </m:ctrlPr>
+                        </m:dPr>
+                        <m:e>
+                          <m:r>
+                            <a:rPr lang="es-MX" sz="2400" b="0" i="1" smtClean="0">
+                              <a:latin typeface="Cambria Math" panose="02040503050406030204" pitchFamily="18" charset="0"/>
+                              <a:cs typeface="Times New Roman" panose="02020603050405020304" pitchFamily="18" charset="0"/>
+                            </a:rPr>
+                            <m:t>𝑛</m:t>
+                          </m:r>
+                        </m:e>
+                      </m:d>
+                      <m:r>
+                        <a:rPr lang="es-MX" sz="2400" b="0" i="1" smtClean="0">
+                          <a:latin typeface="Cambria Math" panose="02040503050406030204" pitchFamily="18" charset="0"/>
+                          <a:cs typeface="Times New Roman" panose="02020603050405020304" pitchFamily="18" charset="0"/>
+                        </a:rPr>
+                        <m:t>=</m:t>
+                      </m:r>
+                      <m:sSup>
+                        <m:sSupPr>
+                          <m:ctrlPr>
+                            <a:rPr lang="es-MX" sz="2400" b="0" i="1" smtClean="0">
+                              <a:latin typeface="Cambria Math" panose="02040503050406030204" pitchFamily="18" charset="0"/>
+                              <a:cs typeface="Times New Roman" panose="02020603050405020304" pitchFamily="18" charset="0"/>
+                            </a:rPr>
+                          </m:ctrlPr>
+                        </m:sSupPr>
+                        <m:e>
+                          <m:r>
+                            <a:rPr lang="es-MX" sz="2400" b="0" i="1" smtClean="0">
+                              <a:latin typeface="Cambria Math" panose="02040503050406030204" pitchFamily="18" charset="0"/>
+                              <a:cs typeface="Times New Roman" panose="02020603050405020304" pitchFamily="18" charset="0"/>
+                            </a:rPr>
+                            <m:t>𝑒</m:t>
+                          </m:r>
+                        </m:e>
+                        <m:sup>
+                          <m:r>
+                            <a:rPr lang="es-MX" sz="2400" b="0" i="1" smtClean="0">
+                              <a:latin typeface="Cambria Math" panose="02040503050406030204" pitchFamily="18" charset="0"/>
+                              <a:cs typeface="Times New Roman" panose="02020603050405020304" pitchFamily="18" charset="0"/>
+                            </a:rPr>
+                            <m:t>𝑗</m:t>
+                          </m:r>
+                          <m:sSub>
+                            <m:sSubPr>
+                              <m:ctrlPr>
+                                <a:rPr lang="es-MX" sz="2400" b="0" i="1" smtClean="0">
+                                  <a:latin typeface="Cambria Math" panose="02040503050406030204" pitchFamily="18" charset="0"/>
+                                  <a:cs typeface="Times New Roman" panose="02020603050405020304" pitchFamily="18" charset="0"/>
+                                </a:rPr>
+                              </m:ctrlPr>
+                            </m:sSubPr>
+                            <m:e>
+                              <m:r>
+                                <a:rPr lang="el-GR" sz="2400" b="0" i="1" smtClean="0">
+                                  <a:latin typeface="Cambria Math" panose="02040503050406030204" pitchFamily="18" charset="0"/>
+                                  <a:cs typeface="Times New Roman" panose="02020603050405020304" pitchFamily="18" charset="0"/>
+                                </a:rPr>
+                                <m:t>Ω</m:t>
+                              </m:r>
+                            </m:e>
+                            <m:sub>
+                              <m:r>
+                                <a:rPr lang="es-MX" sz="2400" b="0" i="1" smtClean="0">
+                                  <a:latin typeface="Cambria Math" panose="02040503050406030204" pitchFamily="18" charset="0"/>
+                                  <a:cs typeface="Times New Roman" panose="02020603050405020304" pitchFamily="18" charset="0"/>
+                                </a:rPr>
+                                <m:t>0</m:t>
+                              </m:r>
+                            </m:sub>
+                          </m:sSub>
+                          <m:r>
+                            <a:rPr lang="es-MX" sz="2400" b="0" i="1" smtClean="0">
+                              <a:latin typeface="Cambria Math" panose="02040503050406030204" pitchFamily="18" charset="0"/>
+                              <a:cs typeface="Times New Roman" panose="02020603050405020304" pitchFamily="18" charset="0"/>
+                            </a:rPr>
+                            <m:t>𝑛</m:t>
+                          </m:r>
+                        </m:sup>
+                      </m:sSup>
+                      <m:r>
+                        <a:rPr lang="es-MX" sz="2400" b="0" i="1" smtClean="0">
+                          <a:latin typeface="Cambria Math" panose="02040503050406030204" pitchFamily="18" charset="0"/>
+                          <a:cs typeface="Times New Roman" panose="02020603050405020304" pitchFamily="18" charset="0"/>
+                        </a:rPr>
+                        <m:t>=</m:t>
+                      </m:r>
+                      <m:func>
+                        <m:funcPr>
+                          <m:ctrlPr>
+                            <a:rPr lang="es-MX" sz="2400" b="0" i="1" smtClean="0">
+                              <a:latin typeface="Cambria Math" panose="02040503050406030204" pitchFamily="18" charset="0"/>
+                              <a:cs typeface="Times New Roman" panose="02020603050405020304" pitchFamily="18" charset="0"/>
+                            </a:rPr>
+                          </m:ctrlPr>
+                        </m:funcPr>
+                        <m:fName>
+                          <m:r>
+                            <m:rPr>
+                              <m:sty m:val="p"/>
+                            </m:rPr>
+                            <a:rPr lang="es-MX" sz="2400" b="0" i="0" smtClean="0">
+                              <a:latin typeface="Cambria Math" panose="02040503050406030204" pitchFamily="18" charset="0"/>
+                              <a:cs typeface="Times New Roman" panose="02020603050405020304" pitchFamily="18" charset="0"/>
+                            </a:rPr>
+                            <m:t>cos</m:t>
+                          </m:r>
+                        </m:fName>
+                        <m:e>
+                          <m:d>
+                            <m:dPr>
+                              <m:ctrlPr>
+                                <a:rPr lang="es-MX" sz="2400" b="0" i="1" smtClean="0">
+                                  <a:latin typeface="Cambria Math" panose="02040503050406030204" pitchFamily="18" charset="0"/>
+                                  <a:cs typeface="Times New Roman" panose="02020603050405020304" pitchFamily="18" charset="0"/>
+                                </a:rPr>
+                              </m:ctrlPr>
+                            </m:dPr>
+                            <m:e>
+                              <m:sSub>
+                                <m:sSubPr>
+                                  <m:ctrlPr>
+                                    <a:rPr lang="es-MX" sz="2400" b="0" i="1" smtClean="0">
+                                      <a:latin typeface="Cambria Math" panose="02040503050406030204" pitchFamily="18" charset="0"/>
+                                      <a:cs typeface="Times New Roman" panose="02020603050405020304" pitchFamily="18" charset="0"/>
+                                    </a:rPr>
+                                  </m:ctrlPr>
+                                </m:sSubPr>
+                                <m:e>
+                                  <m:r>
+                                    <a:rPr lang="el-GR" sz="2400" b="0" i="1" smtClean="0">
+                                      <a:latin typeface="Cambria Math" panose="02040503050406030204" pitchFamily="18" charset="0"/>
+                                      <a:cs typeface="Times New Roman" panose="02020603050405020304" pitchFamily="18" charset="0"/>
+                                    </a:rPr>
+                                    <m:t>Ω</m:t>
+                                  </m:r>
+                                </m:e>
+                                <m:sub>
+                                  <m:r>
+                                    <a:rPr lang="es-MX" sz="2400" b="0" i="1" smtClean="0">
+                                      <a:latin typeface="Cambria Math" panose="02040503050406030204" pitchFamily="18" charset="0"/>
+                                      <a:cs typeface="Times New Roman" panose="02020603050405020304" pitchFamily="18" charset="0"/>
+                                    </a:rPr>
+                                    <m:t>0</m:t>
+                                  </m:r>
+                                </m:sub>
+                              </m:sSub>
+                              <m:r>
+                                <a:rPr lang="es-MX" sz="2400" b="0" i="1" smtClean="0">
+                                  <a:latin typeface="Cambria Math" panose="02040503050406030204" pitchFamily="18" charset="0"/>
+                                  <a:cs typeface="Times New Roman" panose="02020603050405020304" pitchFamily="18" charset="0"/>
+                                </a:rPr>
+                                <m:t>𝑛</m:t>
+                              </m:r>
+                            </m:e>
+                          </m:d>
+                        </m:e>
+                      </m:func>
+                      <m:r>
+                        <a:rPr lang="es-MX" sz="2400" b="0" i="1" smtClean="0">
+                          <a:latin typeface="Cambria Math" panose="02040503050406030204" pitchFamily="18" charset="0"/>
+                          <a:cs typeface="Times New Roman" panose="02020603050405020304" pitchFamily="18" charset="0"/>
+                        </a:rPr>
+                        <m:t>+</m:t>
+                      </m:r>
+                      <m:r>
+                        <a:rPr lang="es-MX" sz="2400" b="0" i="1" smtClean="0">
+                          <a:latin typeface="Cambria Math" panose="02040503050406030204" pitchFamily="18" charset="0"/>
+                          <a:cs typeface="Times New Roman" panose="02020603050405020304" pitchFamily="18" charset="0"/>
+                        </a:rPr>
+                        <m:t>𝑗𝑠𝑒𝑛</m:t>
+                      </m:r>
+                      <m:r>
+                        <a:rPr lang="es-MX" sz="2400" b="0" i="1" smtClean="0">
+                          <a:latin typeface="Cambria Math" panose="02040503050406030204" pitchFamily="18" charset="0"/>
+                          <a:cs typeface="Times New Roman" panose="02020603050405020304" pitchFamily="18" charset="0"/>
+                        </a:rPr>
+                        <m:t>(</m:t>
+                      </m:r>
+                      <m:sSub>
+                        <m:sSubPr>
+                          <m:ctrlPr>
+                            <a:rPr lang="es-MX" sz="2400" b="0" i="1" smtClean="0">
+                              <a:latin typeface="Cambria Math" panose="02040503050406030204" pitchFamily="18" charset="0"/>
+                              <a:cs typeface="Times New Roman" panose="02020603050405020304" pitchFamily="18" charset="0"/>
+                            </a:rPr>
+                          </m:ctrlPr>
+                        </m:sSubPr>
+                        <m:e>
+                          <m:r>
+                            <a:rPr lang="el-GR" sz="2400" b="0" i="1" smtClean="0">
+                              <a:latin typeface="Cambria Math" panose="02040503050406030204" pitchFamily="18" charset="0"/>
+                              <a:cs typeface="Times New Roman" panose="02020603050405020304" pitchFamily="18" charset="0"/>
+                            </a:rPr>
+                            <m:t>Ω</m:t>
+                          </m:r>
+                        </m:e>
+                        <m:sub>
+                          <m:r>
+                            <a:rPr lang="es-MX" sz="2400" b="0" i="1" smtClean="0">
+                              <a:latin typeface="Cambria Math" panose="02040503050406030204" pitchFamily="18" charset="0"/>
+                              <a:cs typeface="Times New Roman" panose="02020603050405020304" pitchFamily="18" charset="0"/>
+                            </a:rPr>
+                            <m:t>0</m:t>
+                          </m:r>
+                        </m:sub>
+                      </m:sSub>
+                      <m:r>
+                        <a:rPr lang="es-MX" sz="2400" b="0" i="1" smtClean="0">
+                          <a:latin typeface="Cambria Math" panose="02040503050406030204" pitchFamily="18" charset="0"/>
+                          <a:cs typeface="Times New Roman" panose="02020603050405020304" pitchFamily="18" charset="0"/>
+                        </a:rPr>
+                        <m:t>𝑛</m:t>
+                      </m:r>
+                      <m:r>
+                        <a:rPr lang="es-MX" sz="2400" b="0" i="1" smtClean="0">
+                          <a:latin typeface="Cambria Math" panose="02040503050406030204" pitchFamily="18" charset="0"/>
+                          <a:cs typeface="Times New Roman" panose="02020603050405020304" pitchFamily="18" charset="0"/>
+                        </a:rPr>
+                        <m:t>)</m:t>
+                      </m:r>
+                    </m:oMath>
+                  </m:oMathPara>
+                </a14:m>
+                <a:endParaRPr lang="es-MX" sz="2400" dirty="0">
+                  <a:latin typeface="Times New Roman" panose="02020603050405020304" pitchFamily="18" charset="0"/>
+                  <a:cs typeface="Times New Roman" panose="02020603050405020304" pitchFamily="18" charset="0"/>
+                </a:endParaRPr>
+              </a:p>
+              <a:p>
+                <a:pPr/>
+                <a14:m>
+                  <m:oMathPara xmlns:m="http://schemas.openxmlformats.org/officeDocument/2006/math">
+                    <m:oMathParaPr>
+                      <m:jc m:val="centerGroup"/>
+                    </m:oMathParaPr>
+                    <m:oMath xmlns:m="http://schemas.openxmlformats.org/officeDocument/2006/math">
+                      <m:r>
+                        <a:rPr lang="es-MX" sz="2400" b="0" i="1" smtClean="0">
+                          <a:latin typeface="Cambria Math" panose="02040503050406030204" pitchFamily="18" charset="0"/>
+                          <a:cs typeface="Times New Roman" panose="02020603050405020304" pitchFamily="18" charset="0"/>
+                        </a:rPr>
+                        <m:t>𝑥</m:t>
+                      </m:r>
+                      <m:d>
+                        <m:dPr>
+                          <m:begChr m:val="["/>
+                          <m:endChr m:val="]"/>
+                          <m:ctrlPr>
+                            <a:rPr lang="es-MX" sz="2400" b="0" i="1" smtClean="0">
+                              <a:latin typeface="Cambria Math" panose="02040503050406030204" pitchFamily="18" charset="0"/>
+                              <a:cs typeface="Times New Roman" panose="02020603050405020304" pitchFamily="18" charset="0"/>
+                            </a:rPr>
+                          </m:ctrlPr>
+                        </m:dPr>
+                        <m:e>
+                          <m:r>
+                            <a:rPr lang="es-MX" sz="2400" b="0" i="1" smtClean="0">
+                              <a:latin typeface="Cambria Math" panose="02040503050406030204" pitchFamily="18" charset="0"/>
+                              <a:cs typeface="Times New Roman" panose="02020603050405020304" pitchFamily="18" charset="0"/>
+                            </a:rPr>
+                            <m:t>𝑛</m:t>
+                          </m:r>
+                          <m:r>
+                            <a:rPr lang="es-MX" sz="2400" b="0" i="1" smtClean="0">
+                              <a:latin typeface="Cambria Math" panose="02040503050406030204" pitchFamily="18" charset="0"/>
+                              <a:cs typeface="Times New Roman" panose="02020603050405020304" pitchFamily="18" charset="0"/>
+                            </a:rPr>
+                            <m:t>+</m:t>
+                          </m:r>
+                          <m:r>
+                            <a:rPr lang="es-MX" sz="2400" b="0" i="1" smtClean="0">
+                              <a:latin typeface="Cambria Math" panose="02040503050406030204" pitchFamily="18" charset="0"/>
+                              <a:cs typeface="Times New Roman" panose="02020603050405020304" pitchFamily="18" charset="0"/>
+                            </a:rPr>
+                            <m:t>𝑁</m:t>
+                          </m:r>
+                        </m:e>
+                      </m:d>
+                      <m:r>
+                        <a:rPr lang="es-MX" sz="2400" b="0" i="1" smtClean="0">
+                          <a:latin typeface="Cambria Math" panose="02040503050406030204" pitchFamily="18" charset="0"/>
+                          <a:cs typeface="Times New Roman" panose="02020603050405020304" pitchFamily="18" charset="0"/>
+                        </a:rPr>
+                        <m:t>=</m:t>
+                      </m:r>
+                      <m:sSup>
+                        <m:sSupPr>
+                          <m:ctrlPr>
+                            <a:rPr lang="es-MX" sz="2400" b="0" i="1" smtClean="0">
+                              <a:latin typeface="Cambria Math" panose="02040503050406030204" pitchFamily="18" charset="0"/>
+                              <a:cs typeface="Times New Roman" panose="02020603050405020304" pitchFamily="18" charset="0"/>
+                            </a:rPr>
+                          </m:ctrlPr>
+                        </m:sSupPr>
+                        <m:e>
+                          <m:r>
+                            <a:rPr lang="es-MX" sz="2400" b="0" i="1" smtClean="0">
+                              <a:latin typeface="Cambria Math" panose="02040503050406030204" pitchFamily="18" charset="0"/>
+                              <a:cs typeface="Times New Roman" panose="02020603050405020304" pitchFamily="18" charset="0"/>
+                            </a:rPr>
+                            <m:t>𝑒</m:t>
+                          </m:r>
+                        </m:e>
+                        <m:sup>
+                          <m:r>
+                            <a:rPr lang="es-MX" sz="2400" b="0" i="1" smtClean="0">
+                              <a:latin typeface="Cambria Math" panose="02040503050406030204" pitchFamily="18" charset="0"/>
+                              <a:cs typeface="Times New Roman" panose="02020603050405020304" pitchFamily="18" charset="0"/>
+                            </a:rPr>
+                            <m:t>𝑗</m:t>
+                          </m:r>
+                          <m:sSub>
+                            <m:sSubPr>
+                              <m:ctrlPr>
+                                <a:rPr lang="es-MX" sz="2400" b="0" i="1" smtClean="0">
+                                  <a:latin typeface="Cambria Math" panose="02040503050406030204" pitchFamily="18" charset="0"/>
+                                  <a:cs typeface="Times New Roman" panose="02020603050405020304" pitchFamily="18" charset="0"/>
+                                </a:rPr>
+                              </m:ctrlPr>
+                            </m:sSubPr>
+                            <m:e>
+                              <m:r>
+                                <a:rPr lang="el-GR" sz="2400" b="0" i="1" smtClean="0">
+                                  <a:latin typeface="Cambria Math" panose="02040503050406030204" pitchFamily="18" charset="0"/>
+                                  <a:cs typeface="Times New Roman" panose="02020603050405020304" pitchFamily="18" charset="0"/>
+                                </a:rPr>
+                                <m:t>Ω</m:t>
+                              </m:r>
+                            </m:e>
+                            <m:sub>
+                              <m:r>
+                                <a:rPr lang="es-MX" sz="2400" b="0" i="1" smtClean="0">
+                                  <a:latin typeface="Cambria Math" panose="02040503050406030204" pitchFamily="18" charset="0"/>
+                                  <a:cs typeface="Times New Roman" panose="02020603050405020304" pitchFamily="18" charset="0"/>
+                                </a:rPr>
+                                <m:t>0</m:t>
+                              </m:r>
+                            </m:sub>
+                          </m:sSub>
+                          <m:r>
+                            <a:rPr lang="es-MX" sz="2400" b="0" i="1" smtClean="0">
+                              <a:latin typeface="Cambria Math" panose="02040503050406030204" pitchFamily="18" charset="0"/>
+                              <a:cs typeface="Times New Roman" panose="02020603050405020304" pitchFamily="18" charset="0"/>
+                            </a:rPr>
+                            <m:t>(</m:t>
+                          </m:r>
+                          <m:r>
+                            <a:rPr lang="es-MX" sz="2400" b="0" i="1" smtClean="0">
+                              <a:latin typeface="Cambria Math" panose="02040503050406030204" pitchFamily="18" charset="0"/>
+                              <a:cs typeface="Times New Roman" panose="02020603050405020304" pitchFamily="18" charset="0"/>
+                            </a:rPr>
+                            <m:t>𝑛</m:t>
+                          </m:r>
+                          <m:r>
+                            <a:rPr lang="es-MX" sz="2400" b="0" i="1" smtClean="0">
+                              <a:latin typeface="Cambria Math" panose="02040503050406030204" pitchFamily="18" charset="0"/>
+                              <a:cs typeface="Times New Roman" panose="02020603050405020304" pitchFamily="18" charset="0"/>
+                            </a:rPr>
+                            <m:t>+</m:t>
+                          </m:r>
+                          <m:r>
+                            <a:rPr lang="es-MX" sz="2400" b="0" i="1" smtClean="0">
+                              <a:latin typeface="Cambria Math" panose="02040503050406030204" pitchFamily="18" charset="0"/>
+                              <a:cs typeface="Times New Roman" panose="02020603050405020304" pitchFamily="18" charset="0"/>
+                            </a:rPr>
+                            <m:t>𝑁</m:t>
+                          </m:r>
+                          <m:r>
+                            <a:rPr lang="es-MX" sz="2400" b="0" i="1" smtClean="0">
+                              <a:latin typeface="Cambria Math" panose="02040503050406030204" pitchFamily="18" charset="0"/>
+                              <a:cs typeface="Times New Roman" panose="02020603050405020304" pitchFamily="18" charset="0"/>
+                            </a:rPr>
+                            <m:t>)</m:t>
+                          </m:r>
+                        </m:sup>
+                      </m:sSup>
+                      <m:r>
+                        <a:rPr lang="es-MX" sz="2400" b="0" i="1" smtClean="0">
+                          <a:latin typeface="Cambria Math" panose="02040503050406030204" pitchFamily="18" charset="0"/>
+                          <a:cs typeface="Times New Roman" panose="02020603050405020304" pitchFamily="18" charset="0"/>
+                        </a:rPr>
+                        <m:t>=</m:t>
+                      </m:r>
+                      <m:sSup>
+                        <m:sSupPr>
+                          <m:ctrlPr>
+                            <a:rPr lang="es-MX" sz="2400" b="0" i="1" smtClean="0">
+                              <a:latin typeface="Cambria Math" panose="02040503050406030204" pitchFamily="18" charset="0"/>
+                              <a:cs typeface="Times New Roman" panose="02020603050405020304" pitchFamily="18" charset="0"/>
+                            </a:rPr>
+                          </m:ctrlPr>
+                        </m:sSupPr>
+                        <m:e>
+                          <m:r>
+                            <a:rPr lang="es-MX" sz="2400" b="0" i="1" smtClean="0">
+                              <a:latin typeface="Cambria Math" panose="02040503050406030204" pitchFamily="18" charset="0"/>
+                              <a:cs typeface="Times New Roman" panose="02020603050405020304" pitchFamily="18" charset="0"/>
+                            </a:rPr>
+                            <m:t>𝑒</m:t>
+                          </m:r>
+                        </m:e>
+                        <m:sup>
+                          <m:r>
+                            <a:rPr lang="es-MX" sz="2400" b="0" i="1" smtClean="0">
+                              <a:latin typeface="Cambria Math" panose="02040503050406030204" pitchFamily="18" charset="0"/>
+                              <a:cs typeface="Times New Roman" panose="02020603050405020304" pitchFamily="18" charset="0"/>
+                            </a:rPr>
+                            <m:t>𝑗</m:t>
+                          </m:r>
+                          <m:sSub>
+                            <m:sSubPr>
+                              <m:ctrlPr>
+                                <a:rPr lang="es-MX" sz="2400" b="0" i="1" smtClean="0">
+                                  <a:latin typeface="Cambria Math" panose="02040503050406030204" pitchFamily="18" charset="0"/>
+                                  <a:cs typeface="Times New Roman" panose="02020603050405020304" pitchFamily="18" charset="0"/>
+                                </a:rPr>
+                              </m:ctrlPr>
+                            </m:sSubPr>
+                            <m:e>
+                              <m:r>
+                                <a:rPr lang="el-GR" sz="2400" b="0" i="1" smtClean="0">
+                                  <a:latin typeface="Cambria Math" panose="02040503050406030204" pitchFamily="18" charset="0"/>
+                                  <a:cs typeface="Times New Roman" panose="02020603050405020304" pitchFamily="18" charset="0"/>
+                                </a:rPr>
+                                <m:t>Ω</m:t>
+                              </m:r>
+                            </m:e>
+                            <m:sub>
+                              <m:r>
+                                <a:rPr lang="es-MX" sz="2400" b="0" i="1" smtClean="0">
+                                  <a:latin typeface="Cambria Math" panose="02040503050406030204" pitchFamily="18" charset="0"/>
+                                  <a:cs typeface="Times New Roman" panose="02020603050405020304" pitchFamily="18" charset="0"/>
+                                </a:rPr>
+                                <m:t>0</m:t>
+                              </m:r>
+                            </m:sub>
+                          </m:sSub>
+                          <m:r>
+                            <a:rPr lang="es-MX" sz="2400" b="0" i="1" smtClean="0">
+                              <a:latin typeface="Cambria Math" panose="02040503050406030204" pitchFamily="18" charset="0"/>
+                              <a:cs typeface="Times New Roman" panose="02020603050405020304" pitchFamily="18" charset="0"/>
+                            </a:rPr>
+                            <m:t>𝑛</m:t>
+                          </m:r>
+                        </m:sup>
+                      </m:sSup>
+                      <m:r>
+                        <a:rPr lang="es-MX" sz="2400" b="0" i="1" smtClean="0">
+                          <a:latin typeface="Cambria Math" panose="02040503050406030204" pitchFamily="18" charset="0"/>
+                          <a:cs typeface="Times New Roman" panose="02020603050405020304" pitchFamily="18" charset="0"/>
+                        </a:rPr>
+                        <m:t>∗</m:t>
+                      </m:r>
+                      <m:sSup>
+                        <m:sSupPr>
+                          <m:ctrlPr>
+                            <a:rPr lang="es-MX" sz="2400" b="0" i="1" smtClean="0">
+                              <a:latin typeface="Cambria Math" panose="02040503050406030204" pitchFamily="18" charset="0"/>
+                              <a:cs typeface="Times New Roman" panose="02020603050405020304" pitchFamily="18" charset="0"/>
+                            </a:rPr>
+                          </m:ctrlPr>
+                        </m:sSupPr>
+                        <m:e>
+                          <m:r>
+                            <a:rPr lang="es-MX" sz="2400" b="0" i="1" smtClean="0">
+                              <a:latin typeface="Cambria Math" panose="02040503050406030204" pitchFamily="18" charset="0"/>
+                              <a:cs typeface="Times New Roman" panose="02020603050405020304" pitchFamily="18" charset="0"/>
+                            </a:rPr>
+                            <m:t>𝑒</m:t>
+                          </m:r>
+                        </m:e>
+                        <m:sup>
+                          <m:r>
+                            <a:rPr lang="es-MX" sz="2400" b="0" i="1" smtClean="0">
+                              <a:latin typeface="Cambria Math" panose="02040503050406030204" pitchFamily="18" charset="0"/>
+                              <a:cs typeface="Times New Roman" panose="02020603050405020304" pitchFamily="18" charset="0"/>
+                            </a:rPr>
+                            <m:t>𝑗</m:t>
+                          </m:r>
+                          <m:sSub>
+                            <m:sSubPr>
+                              <m:ctrlPr>
+                                <a:rPr lang="es-MX" sz="2400" b="0" i="1" smtClean="0">
+                                  <a:latin typeface="Cambria Math" panose="02040503050406030204" pitchFamily="18" charset="0"/>
+                                  <a:cs typeface="Times New Roman" panose="02020603050405020304" pitchFamily="18" charset="0"/>
+                                </a:rPr>
+                              </m:ctrlPr>
+                            </m:sSubPr>
+                            <m:e>
+                              <m:r>
+                                <a:rPr lang="el-GR" sz="2400" b="0" i="1" smtClean="0">
+                                  <a:latin typeface="Cambria Math" panose="02040503050406030204" pitchFamily="18" charset="0"/>
+                                  <a:cs typeface="Times New Roman" panose="02020603050405020304" pitchFamily="18" charset="0"/>
+                                </a:rPr>
+                                <m:t>Ω</m:t>
+                              </m:r>
+                            </m:e>
+                            <m:sub>
+                              <m:r>
+                                <a:rPr lang="es-MX" sz="2400" b="0" i="1" smtClean="0">
+                                  <a:latin typeface="Cambria Math" panose="02040503050406030204" pitchFamily="18" charset="0"/>
+                                  <a:cs typeface="Times New Roman" panose="02020603050405020304" pitchFamily="18" charset="0"/>
+                                </a:rPr>
+                                <m:t>0</m:t>
+                              </m:r>
+                            </m:sub>
+                          </m:sSub>
+                          <m:r>
+                            <a:rPr lang="es-MX" sz="2400" b="0" i="1" smtClean="0">
+                              <a:latin typeface="Cambria Math" panose="02040503050406030204" pitchFamily="18" charset="0"/>
+                              <a:cs typeface="Times New Roman" panose="02020603050405020304" pitchFamily="18" charset="0"/>
+                            </a:rPr>
+                            <m:t>𝑁</m:t>
+                          </m:r>
+                        </m:sup>
+                      </m:sSup>
+                      <m:r>
+                        <a:rPr lang="es-MX" sz="2400" b="0" i="1" smtClean="0">
+                          <a:latin typeface="Cambria Math" panose="02040503050406030204" pitchFamily="18" charset="0"/>
+                          <a:cs typeface="Times New Roman" panose="02020603050405020304" pitchFamily="18" charset="0"/>
+                        </a:rPr>
+                        <m:t>=</m:t>
+                      </m:r>
+                      <m:sSup>
+                        <m:sSupPr>
+                          <m:ctrlPr>
+                            <a:rPr lang="es-MX" sz="2400" b="0" i="1" smtClean="0">
+                              <a:latin typeface="Cambria Math" panose="02040503050406030204" pitchFamily="18" charset="0"/>
+                              <a:cs typeface="Times New Roman" panose="02020603050405020304" pitchFamily="18" charset="0"/>
+                            </a:rPr>
+                          </m:ctrlPr>
+                        </m:sSupPr>
+                        <m:e>
+                          <m:r>
+                            <a:rPr lang="es-MX" sz="2400" b="0" i="1" smtClean="0">
+                              <a:latin typeface="Cambria Math" panose="02040503050406030204" pitchFamily="18" charset="0"/>
+                              <a:cs typeface="Times New Roman" panose="02020603050405020304" pitchFamily="18" charset="0"/>
+                            </a:rPr>
+                            <m:t>𝑒</m:t>
+                          </m:r>
+                        </m:e>
+                        <m:sup>
+                          <m:r>
+                            <a:rPr lang="es-MX" sz="2400" b="0" i="1" smtClean="0">
+                              <a:latin typeface="Cambria Math" panose="02040503050406030204" pitchFamily="18" charset="0"/>
+                              <a:cs typeface="Times New Roman" panose="02020603050405020304" pitchFamily="18" charset="0"/>
+                            </a:rPr>
+                            <m:t>𝑗</m:t>
+                          </m:r>
+                          <m:sSub>
+                            <m:sSubPr>
+                              <m:ctrlPr>
+                                <a:rPr lang="es-MX" sz="2400" b="0" i="1" smtClean="0">
+                                  <a:latin typeface="Cambria Math" panose="02040503050406030204" pitchFamily="18" charset="0"/>
+                                  <a:cs typeface="Times New Roman" panose="02020603050405020304" pitchFamily="18" charset="0"/>
+                                </a:rPr>
+                              </m:ctrlPr>
+                            </m:sSubPr>
+                            <m:e>
+                              <m:r>
+                                <a:rPr lang="el-GR" sz="2400" b="0" i="1" smtClean="0">
+                                  <a:latin typeface="Cambria Math" panose="02040503050406030204" pitchFamily="18" charset="0"/>
+                                  <a:cs typeface="Times New Roman" panose="02020603050405020304" pitchFamily="18" charset="0"/>
+                                </a:rPr>
+                                <m:t>Ω</m:t>
+                              </m:r>
+                            </m:e>
+                            <m:sub>
+                              <m:r>
+                                <a:rPr lang="es-MX" sz="2400" b="0" i="1" smtClean="0">
+                                  <a:latin typeface="Cambria Math" panose="02040503050406030204" pitchFamily="18" charset="0"/>
+                                  <a:cs typeface="Times New Roman" panose="02020603050405020304" pitchFamily="18" charset="0"/>
+                                </a:rPr>
+                                <m:t>0</m:t>
+                              </m:r>
+                            </m:sub>
+                          </m:sSub>
+                          <m:r>
+                            <a:rPr lang="es-MX" sz="2400" b="0" i="1" smtClean="0">
+                              <a:latin typeface="Cambria Math" panose="02040503050406030204" pitchFamily="18" charset="0"/>
+                              <a:cs typeface="Times New Roman" panose="02020603050405020304" pitchFamily="18" charset="0"/>
+                            </a:rPr>
+                            <m:t>𝑛</m:t>
+                          </m:r>
+                        </m:sup>
+                      </m:sSup>
+                      <m:r>
+                        <a:rPr lang="es-MX" sz="2400" b="0" i="1" smtClean="0">
+                          <a:latin typeface="Cambria Math" panose="02040503050406030204" pitchFamily="18" charset="0"/>
+                          <a:cs typeface="Times New Roman" panose="02020603050405020304" pitchFamily="18" charset="0"/>
+                        </a:rPr>
+                        <m:t>=</m:t>
+                      </m:r>
+                      <m:r>
+                        <a:rPr lang="es-MX" sz="2400" b="0" i="1" smtClean="0">
+                          <a:latin typeface="Cambria Math" panose="02040503050406030204" pitchFamily="18" charset="0"/>
+                          <a:cs typeface="Times New Roman" panose="02020603050405020304" pitchFamily="18" charset="0"/>
+                        </a:rPr>
+                        <m:t>𝑥</m:t>
+                      </m:r>
+                      <m:r>
+                        <a:rPr lang="es-MX" sz="2400" b="0" i="1" smtClean="0">
+                          <a:latin typeface="Cambria Math" panose="02040503050406030204" pitchFamily="18" charset="0"/>
+                          <a:cs typeface="Times New Roman" panose="02020603050405020304" pitchFamily="18" charset="0"/>
+                        </a:rPr>
+                        <m:t>[</m:t>
+                      </m:r>
+                      <m:r>
+                        <a:rPr lang="es-MX" sz="2400" b="0" i="1" smtClean="0">
+                          <a:latin typeface="Cambria Math" panose="02040503050406030204" pitchFamily="18" charset="0"/>
+                          <a:cs typeface="Times New Roman" panose="02020603050405020304" pitchFamily="18" charset="0"/>
+                        </a:rPr>
+                        <m:t>𝑛</m:t>
+                      </m:r>
+                      <m:r>
+                        <a:rPr lang="es-MX" sz="2400" b="0" i="1" smtClean="0">
+                          <a:latin typeface="Cambria Math" panose="02040503050406030204" pitchFamily="18" charset="0"/>
+                          <a:cs typeface="Times New Roman" panose="02020603050405020304" pitchFamily="18" charset="0"/>
+                        </a:rPr>
+                        <m:t>]</m:t>
+                      </m:r>
+                    </m:oMath>
+                  </m:oMathPara>
+                </a14:m>
+                <a:endParaRPr lang="es-MX" sz="2400" dirty="0">
+                  <a:latin typeface="Times New Roman" panose="02020603050405020304" pitchFamily="18" charset="0"/>
+                  <a:cs typeface="Times New Roman" panose="02020603050405020304" pitchFamily="18" charset="0"/>
+                </a:endParaRPr>
+              </a:p>
+              <a:p>
+                <a:pPr/>
+                <a14:m>
+                  <m:oMathPara xmlns:m="http://schemas.openxmlformats.org/officeDocument/2006/math">
+                    <m:oMathParaPr>
+                      <m:jc m:val="centerGroup"/>
+                    </m:oMathParaPr>
+                    <m:oMath xmlns:m="http://schemas.openxmlformats.org/officeDocument/2006/math">
+                      <m:sSup>
+                        <m:sSupPr>
+                          <m:ctrlPr>
+                            <a:rPr lang="es-MX" sz="2400" b="0" i="1" smtClean="0">
+                              <a:latin typeface="Cambria Math" panose="02040503050406030204" pitchFamily="18" charset="0"/>
+                              <a:cs typeface="Times New Roman" panose="02020603050405020304" pitchFamily="18" charset="0"/>
+                            </a:rPr>
+                          </m:ctrlPr>
+                        </m:sSupPr>
+                        <m:e>
+                          <m:r>
+                            <a:rPr lang="es-MX" sz="2400" b="0" i="1" smtClean="0">
+                              <a:latin typeface="Cambria Math" panose="02040503050406030204" pitchFamily="18" charset="0"/>
+                              <a:cs typeface="Times New Roman" panose="02020603050405020304" pitchFamily="18" charset="0"/>
+                            </a:rPr>
+                            <m:t>𝑒</m:t>
+                          </m:r>
+                        </m:e>
+                        <m:sup>
+                          <m:r>
+                            <a:rPr lang="es-MX" sz="2400" b="0" i="1" smtClean="0">
+                              <a:latin typeface="Cambria Math" panose="02040503050406030204" pitchFamily="18" charset="0"/>
+                              <a:cs typeface="Times New Roman" panose="02020603050405020304" pitchFamily="18" charset="0"/>
+                            </a:rPr>
+                            <m:t>𝑗</m:t>
+                          </m:r>
+                          <m:sSub>
+                            <m:sSubPr>
+                              <m:ctrlPr>
+                                <a:rPr lang="es-MX" sz="2400" b="0" i="1" smtClean="0">
+                                  <a:latin typeface="Cambria Math" panose="02040503050406030204" pitchFamily="18" charset="0"/>
+                                  <a:cs typeface="Times New Roman" panose="02020603050405020304" pitchFamily="18" charset="0"/>
+                                </a:rPr>
+                              </m:ctrlPr>
+                            </m:sSubPr>
+                            <m:e>
+                              <m:r>
+                                <a:rPr lang="el-GR" sz="2400" b="0" i="1" smtClean="0">
+                                  <a:latin typeface="Cambria Math" panose="02040503050406030204" pitchFamily="18" charset="0"/>
+                                  <a:cs typeface="Times New Roman" panose="02020603050405020304" pitchFamily="18" charset="0"/>
+                                </a:rPr>
+                                <m:t>Ω</m:t>
+                              </m:r>
+                            </m:e>
+                            <m:sub>
+                              <m:r>
+                                <a:rPr lang="es-MX" sz="2400" b="0" i="1" smtClean="0">
+                                  <a:latin typeface="Cambria Math" panose="02040503050406030204" pitchFamily="18" charset="0"/>
+                                  <a:cs typeface="Times New Roman" panose="02020603050405020304" pitchFamily="18" charset="0"/>
+                                </a:rPr>
+                                <m:t>0</m:t>
+                              </m:r>
+                            </m:sub>
+                          </m:sSub>
+                          <m:r>
+                            <a:rPr lang="es-MX" sz="2400" b="0" i="1" smtClean="0">
+                              <a:latin typeface="Cambria Math" panose="02040503050406030204" pitchFamily="18" charset="0"/>
+                              <a:cs typeface="Times New Roman" panose="02020603050405020304" pitchFamily="18" charset="0"/>
+                            </a:rPr>
+                            <m:t>𝑁</m:t>
+                          </m:r>
+                        </m:sup>
+                      </m:sSup>
+                      <m:r>
+                        <a:rPr lang="es-MX" sz="2400" b="0" i="1" smtClean="0">
+                          <a:latin typeface="Cambria Math" panose="02040503050406030204" pitchFamily="18" charset="0"/>
+                          <a:cs typeface="Times New Roman" panose="02020603050405020304" pitchFamily="18" charset="0"/>
+                        </a:rPr>
+                        <m:t>=1=</m:t>
+                      </m:r>
+                      <m:func>
+                        <m:funcPr>
+                          <m:ctrlPr>
+                            <a:rPr lang="es-MX" sz="2400" b="0" i="1" smtClean="0">
+                              <a:latin typeface="Cambria Math" panose="02040503050406030204" pitchFamily="18" charset="0"/>
+                              <a:cs typeface="Times New Roman" panose="02020603050405020304" pitchFamily="18" charset="0"/>
+                            </a:rPr>
+                          </m:ctrlPr>
+                        </m:funcPr>
+                        <m:fName>
+                          <m:r>
+                            <m:rPr>
+                              <m:sty m:val="p"/>
+                            </m:rPr>
+                            <a:rPr lang="es-MX" sz="2400" b="0" i="0" smtClean="0">
+                              <a:latin typeface="Cambria Math" panose="02040503050406030204" pitchFamily="18" charset="0"/>
+                              <a:cs typeface="Times New Roman" panose="02020603050405020304" pitchFamily="18" charset="0"/>
+                            </a:rPr>
+                            <m:t>cos</m:t>
+                          </m:r>
+                        </m:fName>
+                        <m:e>
+                          <m:d>
+                            <m:dPr>
+                              <m:ctrlPr>
+                                <a:rPr lang="es-MX" sz="2400" b="0" i="1" smtClean="0">
+                                  <a:latin typeface="Cambria Math" panose="02040503050406030204" pitchFamily="18" charset="0"/>
+                                  <a:cs typeface="Times New Roman" panose="02020603050405020304" pitchFamily="18" charset="0"/>
+                                </a:rPr>
+                              </m:ctrlPr>
+                            </m:dPr>
+                            <m:e>
+                              <m:r>
+                                <a:rPr lang="es-MX" sz="2400" b="0" i="1" smtClean="0">
+                                  <a:latin typeface="Cambria Math" panose="02040503050406030204" pitchFamily="18" charset="0"/>
+                                  <a:cs typeface="Times New Roman" panose="02020603050405020304" pitchFamily="18" charset="0"/>
+                                </a:rPr>
+                                <m:t>2</m:t>
+                              </m:r>
+                              <m:r>
+                                <a:rPr lang="es-MX" sz="2400" b="0" i="1" smtClean="0">
+                                  <a:latin typeface="Cambria Math" panose="02040503050406030204" pitchFamily="18" charset="0"/>
+                                  <a:cs typeface="Times New Roman" panose="02020603050405020304" pitchFamily="18" charset="0"/>
+                                </a:rPr>
+                                <m:t>𝑘𝑝𝑖</m:t>
+                              </m:r>
+                            </m:e>
+                          </m:d>
+                        </m:e>
+                      </m:func>
+                      <m:r>
+                        <a:rPr lang="es-MX" sz="2400" b="0" i="1" smtClean="0">
+                          <a:latin typeface="Cambria Math" panose="02040503050406030204" pitchFamily="18" charset="0"/>
+                          <a:cs typeface="Times New Roman" panose="02020603050405020304" pitchFamily="18" charset="0"/>
+                        </a:rPr>
+                        <m:t>+</m:t>
+                      </m:r>
+                      <m:r>
+                        <a:rPr lang="es-MX" sz="2400" b="0" i="1" smtClean="0">
+                          <a:latin typeface="Cambria Math" panose="02040503050406030204" pitchFamily="18" charset="0"/>
+                          <a:cs typeface="Times New Roman" panose="02020603050405020304" pitchFamily="18" charset="0"/>
+                        </a:rPr>
+                        <m:t>𝑗𝑠𝑒𝑛</m:t>
+                      </m:r>
+                      <m:d>
+                        <m:dPr>
+                          <m:ctrlPr>
+                            <a:rPr lang="es-MX" sz="2400" b="0" i="1" smtClean="0">
+                              <a:latin typeface="Cambria Math" panose="02040503050406030204" pitchFamily="18" charset="0"/>
+                              <a:cs typeface="Times New Roman" panose="02020603050405020304" pitchFamily="18" charset="0"/>
+                            </a:rPr>
+                          </m:ctrlPr>
+                        </m:dPr>
+                        <m:e>
+                          <m:r>
+                            <a:rPr lang="es-MX" sz="2400" b="0" i="1" smtClean="0">
+                              <a:latin typeface="Cambria Math" panose="02040503050406030204" pitchFamily="18" charset="0"/>
+                              <a:cs typeface="Times New Roman" panose="02020603050405020304" pitchFamily="18" charset="0"/>
+                            </a:rPr>
+                            <m:t>2</m:t>
+                          </m:r>
+                          <m:r>
+                            <a:rPr lang="es-MX" sz="2400" b="0" i="1" smtClean="0">
+                              <a:latin typeface="Cambria Math" panose="02040503050406030204" pitchFamily="18" charset="0"/>
+                              <a:cs typeface="Times New Roman" panose="02020603050405020304" pitchFamily="18" charset="0"/>
+                            </a:rPr>
+                            <m:t>𝑘𝑝𝑖</m:t>
+                          </m:r>
+                        </m:e>
+                      </m:d>
+                      <m:r>
+                        <a:rPr lang="es-MX" sz="2400" b="0" i="1" smtClean="0">
+                          <a:latin typeface="Cambria Math" panose="02040503050406030204" pitchFamily="18" charset="0"/>
+                          <a:cs typeface="Times New Roman" panose="02020603050405020304" pitchFamily="18" charset="0"/>
+                        </a:rPr>
+                        <m:t>=</m:t>
+                      </m:r>
+                      <m:sSup>
+                        <m:sSupPr>
+                          <m:ctrlPr>
+                            <a:rPr lang="es-MX" sz="2400" b="0" i="1" smtClean="0">
+                              <a:latin typeface="Cambria Math" panose="02040503050406030204" pitchFamily="18" charset="0"/>
+                              <a:cs typeface="Times New Roman" panose="02020603050405020304" pitchFamily="18" charset="0"/>
+                            </a:rPr>
+                          </m:ctrlPr>
+                        </m:sSupPr>
+                        <m:e>
+                          <m:r>
+                            <a:rPr lang="es-MX" sz="2400" b="0" i="1" smtClean="0">
+                              <a:latin typeface="Cambria Math" panose="02040503050406030204" pitchFamily="18" charset="0"/>
+                              <a:cs typeface="Times New Roman" panose="02020603050405020304" pitchFamily="18" charset="0"/>
+                            </a:rPr>
+                            <m:t>𝑒</m:t>
+                          </m:r>
+                        </m:e>
+                        <m:sup>
+                          <m:r>
+                            <a:rPr lang="es-MX" sz="2400" b="0" i="1" smtClean="0">
+                              <a:latin typeface="Cambria Math" panose="02040503050406030204" pitchFamily="18" charset="0"/>
+                              <a:cs typeface="Times New Roman" panose="02020603050405020304" pitchFamily="18" charset="0"/>
+                            </a:rPr>
+                            <m:t>𝑗</m:t>
+                          </m:r>
+                          <m:r>
+                            <a:rPr lang="es-MX" sz="2400" b="0" i="1" smtClean="0">
+                              <a:latin typeface="Cambria Math" panose="02040503050406030204" pitchFamily="18" charset="0"/>
+                              <a:cs typeface="Times New Roman" panose="02020603050405020304" pitchFamily="18" charset="0"/>
+                            </a:rPr>
+                            <m:t>2</m:t>
+                          </m:r>
+                          <m:r>
+                            <a:rPr lang="es-MX" sz="2400" b="0" i="1" smtClean="0">
+                              <a:latin typeface="Cambria Math" panose="02040503050406030204" pitchFamily="18" charset="0"/>
+                              <a:cs typeface="Times New Roman" panose="02020603050405020304" pitchFamily="18" charset="0"/>
+                            </a:rPr>
+                            <m:t>𝑘𝑝𝑖</m:t>
+                          </m:r>
+                        </m:sup>
+                      </m:sSup>
+                    </m:oMath>
+                  </m:oMathPara>
+                </a14:m>
+                <a:endParaRPr lang="es-MX" sz="2400" dirty="0">
+                  <a:latin typeface="Times New Roman" panose="02020603050405020304" pitchFamily="18" charset="0"/>
+                  <a:cs typeface="Times New Roman" panose="02020603050405020304" pitchFamily="18" charset="0"/>
+                </a:endParaRPr>
+              </a:p>
+              <a:p>
+                <a14:m>
+                  <m:oMath xmlns:m="http://schemas.openxmlformats.org/officeDocument/2006/math">
+                    <m:r>
+                      <a:rPr lang="es-MX" sz="2400" b="0" i="1" smtClean="0">
+                        <a:latin typeface="Cambria Math" panose="02040503050406030204" pitchFamily="18" charset="0"/>
+                        <a:cs typeface="Times New Roman" panose="02020603050405020304" pitchFamily="18" charset="0"/>
+                      </a:rPr>
+                      <m:t>                </m:t>
+                    </m:r>
+                    <m:r>
+                      <a:rPr lang="es-MX" sz="2400" b="0" i="1" smtClean="0">
+                        <a:latin typeface="Cambria Math" panose="02040503050406030204" pitchFamily="18" charset="0"/>
+                        <a:cs typeface="Times New Roman" panose="02020603050405020304" pitchFamily="18" charset="0"/>
+                      </a:rPr>
+                      <m:t>𝑗</m:t>
+                    </m:r>
+                    <m:sSub>
+                      <m:sSubPr>
+                        <m:ctrlPr>
+                          <a:rPr lang="es-MX" sz="2400" b="0" i="1" smtClean="0">
+                            <a:latin typeface="Cambria Math" panose="02040503050406030204" pitchFamily="18" charset="0"/>
+                            <a:cs typeface="Times New Roman" panose="02020603050405020304" pitchFamily="18" charset="0"/>
+                          </a:rPr>
+                        </m:ctrlPr>
+                      </m:sSubPr>
+                      <m:e>
+                        <m:r>
+                          <a:rPr lang="el-GR" sz="2400" b="0" i="1" smtClean="0">
+                            <a:latin typeface="Cambria Math" panose="02040503050406030204" pitchFamily="18" charset="0"/>
+                            <a:cs typeface="Times New Roman" panose="02020603050405020304" pitchFamily="18" charset="0"/>
+                          </a:rPr>
+                          <m:t>Ω</m:t>
+                        </m:r>
+                      </m:e>
+                      <m:sub>
+                        <m:r>
+                          <a:rPr lang="es-MX" sz="2400" b="0" i="1" smtClean="0">
+                            <a:latin typeface="Cambria Math" panose="02040503050406030204" pitchFamily="18" charset="0"/>
+                            <a:cs typeface="Times New Roman" panose="02020603050405020304" pitchFamily="18" charset="0"/>
+                          </a:rPr>
+                          <m:t>0</m:t>
+                        </m:r>
+                      </m:sub>
+                    </m:sSub>
+                    <m:r>
+                      <a:rPr lang="es-MX" sz="2400" b="0" i="1" smtClean="0">
+                        <a:latin typeface="Cambria Math" panose="02040503050406030204" pitchFamily="18" charset="0"/>
+                        <a:cs typeface="Times New Roman" panose="02020603050405020304" pitchFamily="18" charset="0"/>
+                      </a:rPr>
+                      <m:t>𝑁</m:t>
+                    </m:r>
+                    <m:r>
+                      <a:rPr lang="es-MX" sz="2400" b="0" i="1" smtClean="0">
+                        <a:latin typeface="Cambria Math" panose="02040503050406030204" pitchFamily="18" charset="0"/>
+                        <a:cs typeface="Times New Roman" panose="02020603050405020304" pitchFamily="18" charset="0"/>
+                      </a:rPr>
+                      <m:t>=</m:t>
+                    </m:r>
+                    <m:r>
+                      <a:rPr lang="es-MX" sz="2400" b="0" i="1" smtClean="0">
+                        <a:latin typeface="Cambria Math" panose="02040503050406030204" pitchFamily="18" charset="0"/>
+                        <a:cs typeface="Times New Roman" panose="02020603050405020304" pitchFamily="18" charset="0"/>
+                      </a:rPr>
+                      <m:t>𝑗</m:t>
+                    </m:r>
+                    <m:r>
+                      <a:rPr lang="es-MX" sz="2400" b="0" i="1" smtClean="0">
+                        <a:latin typeface="Cambria Math" panose="02040503050406030204" pitchFamily="18" charset="0"/>
+                        <a:cs typeface="Times New Roman" panose="02020603050405020304" pitchFamily="18" charset="0"/>
+                      </a:rPr>
+                      <m:t>2</m:t>
+                    </m:r>
+                    <m:r>
+                      <a:rPr lang="es-MX" sz="2400" b="0" i="1" smtClean="0">
+                        <a:latin typeface="Cambria Math" panose="02040503050406030204" pitchFamily="18" charset="0"/>
+                        <a:cs typeface="Times New Roman" panose="02020603050405020304" pitchFamily="18" charset="0"/>
+                      </a:rPr>
+                      <m:t>𝑘𝑝𝑖</m:t>
+                    </m:r>
+                    <m:r>
+                      <a:rPr lang="es-MX" sz="2400" b="0" i="1" smtClean="0">
+                        <a:latin typeface="Cambria Math" panose="02040503050406030204" pitchFamily="18" charset="0"/>
+                        <a:cs typeface="Times New Roman" panose="02020603050405020304" pitchFamily="18" charset="0"/>
+                      </a:rPr>
+                      <m:t>=</m:t>
+                    </m:r>
+                    <m:r>
+                      <a:rPr lang="es-MX" sz="2400" b="0" i="1" smtClean="0">
+                        <a:latin typeface="Cambria Math" panose="02040503050406030204" pitchFamily="18" charset="0"/>
+                        <a:cs typeface="Times New Roman" panose="02020603050405020304" pitchFamily="18" charset="0"/>
+                      </a:rPr>
+                      <m:t>𝑁</m:t>
+                    </m:r>
+                    <m:r>
+                      <a:rPr lang="es-MX" sz="2400" b="0" i="1" smtClean="0">
+                        <a:latin typeface="Cambria Math" panose="02040503050406030204" pitchFamily="18" charset="0"/>
+                        <a:cs typeface="Times New Roman" panose="02020603050405020304" pitchFamily="18" charset="0"/>
+                      </a:rPr>
+                      <m:t>=(2</m:t>
+                    </m:r>
+                    <m:r>
+                      <a:rPr lang="es-MX" sz="2400" b="0" i="1" smtClean="0">
+                        <a:latin typeface="Cambria Math" panose="02040503050406030204" pitchFamily="18" charset="0"/>
+                        <a:cs typeface="Times New Roman" panose="02020603050405020304" pitchFamily="18" charset="0"/>
+                      </a:rPr>
+                      <m:t>𝑘𝑝𝑖</m:t>
+                    </m:r>
+                    <m:r>
+                      <a:rPr lang="es-MX" sz="2400" b="0" i="1" smtClean="0">
+                        <a:latin typeface="Cambria Math" panose="02040503050406030204" pitchFamily="18" charset="0"/>
+                        <a:cs typeface="Times New Roman" panose="02020603050405020304" pitchFamily="18" charset="0"/>
+                      </a:rPr>
+                      <m:t>/</m:t>
+                    </m:r>
+                    <m:sSub>
+                      <m:sSubPr>
+                        <m:ctrlPr>
+                          <a:rPr lang="es-MX" sz="2400" b="0" i="1" smtClean="0">
+                            <a:latin typeface="Cambria Math" panose="02040503050406030204" pitchFamily="18" charset="0"/>
+                            <a:cs typeface="Times New Roman" panose="02020603050405020304" pitchFamily="18" charset="0"/>
+                          </a:rPr>
+                        </m:ctrlPr>
+                      </m:sSubPr>
+                      <m:e>
+                        <m:r>
+                          <a:rPr lang="el-GR" sz="2400" b="0" i="1" smtClean="0">
+                            <a:latin typeface="Cambria Math" panose="02040503050406030204" pitchFamily="18" charset="0"/>
+                            <a:cs typeface="Times New Roman" panose="02020603050405020304" pitchFamily="18" charset="0"/>
+                          </a:rPr>
+                          <m:t>Ω</m:t>
+                        </m:r>
+                      </m:e>
+                      <m:sub>
+                        <m:r>
+                          <a:rPr lang="es-MX" sz="2400" b="0" i="1" smtClean="0">
+                            <a:latin typeface="Cambria Math" panose="02040503050406030204" pitchFamily="18" charset="0"/>
+                            <a:cs typeface="Times New Roman" panose="02020603050405020304" pitchFamily="18" charset="0"/>
+                          </a:rPr>
+                          <m:t>0</m:t>
+                        </m:r>
+                      </m:sub>
+                    </m:sSub>
+                    <m:r>
+                      <a:rPr lang="es-MX" sz="2400" b="0" i="1" smtClean="0">
+                        <a:latin typeface="Cambria Math" panose="02040503050406030204" pitchFamily="18" charset="0"/>
+                        <a:cs typeface="Times New Roman" panose="02020603050405020304" pitchFamily="18" charset="0"/>
+                      </a:rPr>
+                      <m:t>)</m:t>
+                    </m:r>
+                  </m:oMath>
+                </a14:m>
+                <a:r>
+                  <a:rPr lang="es-MX" sz="2400" dirty="0">
+                    <a:latin typeface="Times New Roman" panose="02020603050405020304" pitchFamily="18" charset="0"/>
+                    <a:cs typeface="Times New Roman" panose="02020603050405020304" pitchFamily="18" charset="0"/>
+                  </a:rPr>
+                  <a:t> N debe ser un numero natural y k es entero</a:t>
+                </a:r>
+              </a:p>
+              <a:p>
+                <a:r>
+                  <a:rPr lang="es-MX" sz="2400" dirty="0">
+                    <a:latin typeface="Times New Roman" panose="02020603050405020304" pitchFamily="18" charset="0"/>
+                    <a:cs typeface="Times New Roman" panose="02020603050405020304" pitchFamily="18" charset="0"/>
+                  </a:rPr>
+                  <a:t>				SI k=1 </a:t>
+                </a:r>
+                <a14:m>
+                  <m:oMath xmlns:m="http://schemas.openxmlformats.org/officeDocument/2006/math">
+                    <m:sSub>
+                      <m:sSubPr>
+                        <m:ctrlPr>
+                          <a:rPr lang="es-MX" sz="2400" b="0" i="1" smtClean="0">
+                            <a:latin typeface="Cambria Math" panose="02040503050406030204" pitchFamily="18" charset="0"/>
+                          </a:rPr>
+                        </m:ctrlPr>
+                      </m:sSubPr>
+                      <m:e>
+                        <m:r>
+                          <a:rPr lang="es-MX" sz="2400" b="0" i="1" smtClean="0">
+                            <a:latin typeface="Cambria Math" panose="02040503050406030204" pitchFamily="18" charset="0"/>
+                          </a:rPr>
+                          <m:t>𝑁</m:t>
+                        </m:r>
+                      </m:e>
+                      <m:sub>
+                        <m:r>
+                          <a:rPr lang="es-MX" sz="2400" b="0" i="1" smtClean="0">
+                            <a:latin typeface="Cambria Math" panose="02040503050406030204" pitchFamily="18" charset="0"/>
+                          </a:rPr>
+                          <m:t>0</m:t>
+                        </m:r>
+                      </m:sub>
+                    </m:sSub>
+                    <m:r>
+                      <a:rPr lang="es-MX" sz="2400" b="0" i="1" smtClean="0">
+                        <a:latin typeface="Cambria Math" panose="02040503050406030204" pitchFamily="18" charset="0"/>
+                      </a:rPr>
+                      <m:t>=2</m:t>
+                    </m:r>
+                    <m:r>
+                      <a:rPr lang="es-MX" sz="2400" b="0" i="1" smtClean="0">
+                        <a:latin typeface="Cambria Math" panose="02040503050406030204" pitchFamily="18" charset="0"/>
+                      </a:rPr>
+                      <m:t>𝑝𝑖</m:t>
+                    </m:r>
+                    <m:r>
+                      <a:rPr lang="es-MX" sz="2400" b="0" i="1" smtClean="0">
+                        <a:latin typeface="Cambria Math" panose="02040503050406030204" pitchFamily="18" charset="0"/>
+                      </a:rPr>
+                      <m:t>/</m:t>
+                    </m:r>
+                    <m:sSub>
+                      <m:sSubPr>
+                        <m:ctrlPr>
+                          <a:rPr lang="es-MX" sz="2400" b="0" i="1" smtClean="0">
+                            <a:latin typeface="Cambria Math" panose="02040503050406030204" pitchFamily="18" charset="0"/>
+                            <a:cs typeface="Times New Roman" panose="02020603050405020304" pitchFamily="18" charset="0"/>
+                          </a:rPr>
+                        </m:ctrlPr>
+                      </m:sSubPr>
+                      <m:e>
+                        <m:r>
+                          <a:rPr lang="el-GR" sz="2400" b="0" i="1" smtClean="0">
+                            <a:latin typeface="Cambria Math" panose="02040503050406030204" pitchFamily="18" charset="0"/>
+                            <a:cs typeface="Times New Roman" panose="02020603050405020304" pitchFamily="18" charset="0"/>
+                          </a:rPr>
+                          <m:t>Ω</m:t>
+                        </m:r>
+                      </m:e>
+                      <m:sub>
+                        <m:r>
+                          <a:rPr lang="es-MX" sz="2400" b="0" i="1" smtClean="0">
+                            <a:latin typeface="Cambria Math" panose="02040503050406030204" pitchFamily="18" charset="0"/>
+                            <a:cs typeface="Times New Roman" panose="02020603050405020304" pitchFamily="18" charset="0"/>
+                          </a:rPr>
+                          <m:t>0</m:t>
+                        </m:r>
+                      </m:sub>
+                    </m:sSub>
+                  </m:oMath>
+                </a14:m>
+                <a:endParaRPr lang="es-MX" sz="2400" dirty="0">
+                  <a:latin typeface="Times New Roman" panose="02020603050405020304" pitchFamily="18" charset="0"/>
+                  <a:cs typeface="Times New Roman" panose="02020603050405020304" pitchFamily="18" charset="0"/>
+                </a:endParaRPr>
+              </a:p>
+              <a:p>
+                <a:endParaRPr lang="es-MX" sz="2400" dirty="0">
+                  <a:latin typeface="Times New Roman" panose="02020603050405020304" pitchFamily="18" charset="0"/>
+                  <a:cs typeface="Times New Roman" panose="02020603050405020304" pitchFamily="18" charset="0"/>
+                </a:endParaRPr>
+              </a:p>
+              <a:p>
+                <a:endParaRPr lang="es-AR" dirty="0"/>
+              </a:p>
+            </p:txBody>
+          </p:sp>
+        </mc:Choice>
+        <mc:Fallback xmlns="">
+          <p:sp>
+            <p:nvSpPr>
+              <p:cNvPr id="4" name="CuadroTexto 3">
+                <a:extLst>
+                  <a:ext uri="{FF2B5EF4-FFF2-40B4-BE49-F238E27FC236}">
+                    <a16:creationId xmlns:a16="http://schemas.microsoft.com/office/drawing/2014/main" id="{C0A7B67C-C9C1-435F-A030-7C3D1C7EDB9D}"/>
+                  </a:ext>
+                </a:extLst>
+              </p:cNvPr>
+              <p:cNvSpPr txBox="1">
+                <a:spLocks noRot="1" noChangeAspect="1" noMove="1" noResize="1" noEditPoints="1" noAdjustHandles="1" noChangeArrowheads="1" noChangeShapeType="1" noTextEdit="1"/>
+              </p:cNvSpPr>
+              <p:nvPr/>
+            </p:nvSpPr>
+            <p:spPr>
+              <a:xfrm>
+                <a:off x="0" y="0"/>
+                <a:ext cx="12320460" cy="6318333"/>
+              </a:xfrm>
+              <a:prstGeom prst="rect">
+                <a:avLst/>
+              </a:prstGeom>
+              <a:blipFill>
+                <a:blip r:embed="rId3"/>
+                <a:stretch>
+                  <a:fillRect l="-990" t="-869" r="-940"/>
+                </a:stretch>
+              </a:blipFill>
+            </p:spPr>
+            <p:txBody>
+              <a:bodyPr/>
+              <a:lstStyle/>
+              <a:p>
+                <a:r>
+                  <a:rPr lang="es-AR">
+                    <a:noFill/>
+                  </a:rPr>
+                  <a:t> </a:t>
+                </a:r>
+              </a:p>
+            </p:txBody>
+          </p:sp>
+        </mc:Fallback>
+      </mc:AlternateContent>
+      <p:sp>
+        <p:nvSpPr>
+          <p:cNvPr id="6" name="CuadroTexto 5">
             <a:extLst>
-              <a:ext uri="{28A0092B-C50C-407E-A947-70E740481C1C}">
-                <a14:useLocalDpi xmlns:a14="http://schemas.microsoft.com/office/drawing/2010/main" val="0"/>
+              <a:ext uri="{FF2B5EF4-FFF2-40B4-BE49-F238E27FC236}">
+                <a16:creationId xmlns:a16="http://schemas.microsoft.com/office/drawing/2014/main" id="{8B68489F-3D46-4A87-8176-26DF8815ECFF}"/>
               </a:ext>
             </a:extLst>
-          </a:blip>
-          <a:srcRect/>
-          <a:stretch>
-            <a:fillRect/>
-          </a:stretch>
-        </p:blipFill>
-        <p:spPr bwMode="auto">
-          <a:xfrm>
-            <a:off x="6627098" y="1223665"/>
-            <a:ext cx="2166937" cy="571504"/>
-          </a:xfrm>
-          <a:prstGeom prst="rect">
-            <a:avLst/>
-          </a:prstGeom>
-          <a:noFill/>
-          <a:ln w="34925">
-            <a:solidFill>
-              <a:srgbClr val="FF0000"/>
-            </a:solidFill>
-            <a:miter lim="800000"/>
-            <a:headEnd/>
-            <a:tailEnd/>
-          </a:ln>
-          <a:extLst>
-            <a:ext uri="{909E8E84-426E-40DD-AFC4-6F175D3DCCD1}">
-              <a14:hiddenFill xmlns:a14="http://schemas.microsoft.com/office/drawing/2010/main">
-                <a:solidFill>
-                  <a:srgbClr val="FFFFFF"/>
-                </a:solidFill>
-              </a14:hiddenFill>
-            </a:ext>
-          </a:extLst>
-        </p:spPr>
-      </p:pic>
-      <p:sp>
-        <p:nvSpPr>
-          <p:cNvPr id="7" name="6 CuadroTexto"/>
+          </p:cNvPr>
           <p:cNvSpPr txBox="1"/>
           <p:nvPr/>
         </p:nvSpPr>
         <p:spPr>
           <a:xfrm>
-            <a:off x="8981492" y="1295103"/>
-            <a:ext cx="669799" cy="430887"/>
-          </a:xfrm>
-          <a:prstGeom prst="rect">
-            <a:avLst/>
-          </a:prstGeom>
-          <a:noFill/>
-        </p:spPr>
-        <p:txBody>
-          <a:bodyPr wrap="none" rtlCol="0">
-            <a:spAutoFit/>
-          </a:bodyPr>
-          <a:lstStyle>
-            <a:defPPr>
-              <a:defRPr lang="es-ES"/>
-            </a:defPPr>
-            <a:lvl1pPr marL="0" algn="l" defTabSz="914400" rtl="0" eaLnBrk="1" latinLnBrk="0" hangingPunct="1">
-              <a:defRPr sz="1800" kern="1200">
-                <a:solidFill>
-                  <a:schemeClr val="tx1"/>
-                </a:solidFill>
-                <a:latin typeface="+mn-lt"/>
-                <a:ea typeface="+mn-ea"/>
-                <a:cs typeface="+mn-cs"/>
-              </a:defRPr>
-            </a:lvl1pPr>
-            <a:lvl2pPr marL="457200" algn="l" defTabSz="914400" rtl="0" eaLnBrk="1" latinLnBrk="0" hangingPunct="1">
-              <a:defRPr sz="1800" kern="1200">
-                <a:solidFill>
-                  <a:schemeClr val="tx1"/>
-                </a:solidFill>
-                <a:latin typeface="+mn-lt"/>
-                <a:ea typeface="+mn-ea"/>
-                <a:cs typeface="+mn-cs"/>
-              </a:defRPr>
-            </a:lvl2pPr>
-            <a:lvl3pPr marL="914400" algn="l" defTabSz="914400" rtl="0" eaLnBrk="1" latinLnBrk="0" hangingPunct="1">
-              <a:defRPr sz="1800" kern="1200">
-                <a:solidFill>
-                  <a:schemeClr val="tx1"/>
-                </a:solidFill>
-                <a:latin typeface="+mn-lt"/>
-                <a:ea typeface="+mn-ea"/>
-                <a:cs typeface="+mn-cs"/>
-              </a:defRPr>
-            </a:lvl3pPr>
-            <a:lvl4pPr marL="1371600" algn="l" defTabSz="914400" rtl="0" eaLnBrk="1" latinLnBrk="0" hangingPunct="1">
-              <a:defRPr sz="1800" kern="1200">
-                <a:solidFill>
-                  <a:schemeClr val="tx1"/>
-                </a:solidFill>
-                <a:latin typeface="+mn-lt"/>
-                <a:ea typeface="+mn-ea"/>
-                <a:cs typeface="+mn-cs"/>
-              </a:defRPr>
-            </a:lvl4pPr>
-            <a:lvl5pPr marL="1828800" algn="l" defTabSz="914400" rtl="0" eaLnBrk="1" latinLnBrk="0" hangingPunct="1">
-              <a:defRPr sz="1800" kern="1200">
-                <a:solidFill>
-                  <a:schemeClr val="tx1"/>
-                </a:solidFill>
-                <a:latin typeface="+mn-lt"/>
-                <a:ea typeface="+mn-ea"/>
-                <a:cs typeface="+mn-cs"/>
-              </a:defRPr>
-            </a:lvl5pPr>
-            <a:lvl6pPr marL="2286000" algn="l" defTabSz="914400" rtl="0" eaLnBrk="1" latinLnBrk="0" hangingPunct="1">
-              <a:defRPr sz="1800" kern="1200">
-                <a:solidFill>
-                  <a:schemeClr val="tx1"/>
-                </a:solidFill>
-                <a:latin typeface="+mn-lt"/>
-                <a:ea typeface="+mn-ea"/>
-                <a:cs typeface="+mn-cs"/>
-              </a:defRPr>
-            </a:lvl6pPr>
-            <a:lvl7pPr marL="2743200" algn="l" defTabSz="914400" rtl="0" eaLnBrk="1" latinLnBrk="0" hangingPunct="1">
-              <a:defRPr sz="1800" kern="1200">
-                <a:solidFill>
-                  <a:schemeClr val="tx1"/>
-                </a:solidFill>
-                <a:latin typeface="+mn-lt"/>
-                <a:ea typeface="+mn-ea"/>
-                <a:cs typeface="+mn-cs"/>
-              </a:defRPr>
-            </a:lvl7pPr>
-            <a:lvl8pPr marL="3200400" algn="l" defTabSz="914400" rtl="0" eaLnBrk="1" latinLnBrk="0" hangingPunct="1">
-              <a:defRPr sz="1800" kern="1200">
-                <a:solidFill>
-                  <a:schemeClr val="tx1"/>
-                </a:solidFill>
-                <a:latin typeface="+mn-lt"/>
-                <a:ea typeface="+mn-ea"/>
-                <a:cs typeface="+mn-cs"/>
-              </a:defRPr>
-            </a:lvl8pPr>
-            <a:lvl9pPr marL="3657600" algn="l" defTabSz="914400" rtl="0" eaLnBrk="1" latinLnBrk="0" hangingPunct="1">
-              <a:defRPr sz="1800" kern="1200">
-                <a:solidFill>
-                  <a:schemeClr val="tx1"/>
-                </a:solidFill>
-                <a:latin typeface="+mn-lt"/>
-                <a:ea typeface="+mn-ea"/>
-                <a:cs typeface="+mn-cs"/>
-              </a:defRPr>
-            </a:lvl9pPr>
-          </a:lstStyle>
-          <a:p>
-            <a:r>
-              <a:rPr lang="es-ES" sz="2200" dirty="0" smtClean="0"/>
-              <a:t>[r/s]</a:t>
-            </a:r>
-            <a:endParaRPr lang="es-ES" sz="2200" dirty="0"/>
-          </a:p>
-        </p:txBody>
-      </p:sp>
-      <p:sp>
-        <p:nvSpPr>
-          <p:cNvPr id="8" name="7 CuadroTexto"/>
-          <p:cNvSpPr txBox="1"/>
-          <p:nvPr/>
-        </p:nvSpPr>
-        <p:spPr>
-          <a:xfrm>
-            <a:off x="1793111" y="2741369"/>
-            <a:ext cx="8000203" cy="677108"/>
-          </a:xfrm>
-          <a:prstGeom prst="rect">
-            <a:avLst/>
-          </a:prstGeom>
-          <a:noFill/>
-        </p:spPr>
-        <p:txBody>
-          <a:bodyPr wrap="none" rtlCol="0">
-            <a:spAutoFit/>
-          </a:bodyPr>
-          <a:lstStyle>
-            <a:defPPr>
-              <a:defRPr lang="es-ES"/>
-            </a:defPPr>
-            <a:lvl1pPr marL="0" algn="l" defTabSz="914400" rtl="0" eaLnBrk="1" latinLnBrk="0" hangingPunct="1">
-              <a:defRPr sz="1800" kern="1200">
-                <a:solidFill>
-                  <a:schemeClr val="tx1"/>
-                </a:solidFill>
-                <a:latin typeface="+mn-lt"/>
-                <a:ea typeface="+mn-ea"/>
-                <a:cs typeface="+mn-cs"/>
-              </a:defRPr>
-            </a:lvl1pPr>
-            <a:lvl2pPr marL="457200" algn="l" defTabSz="914400" rtl="0" eaLnBrk="1" latinLnBrk="0" hangingPunct="1">
-              <a:defRPr sz="1800" kern="1200">
-                <a:solidFill>
-                  <a:schemeClr val="tx1"/>
-                </a:solidFill>
-                <a:latin typeface="+mn-lt"/>
-                <a:ea typeface="+mn-ea"/>
-                <a:cs typeface="+mn-cs"/>
-              </a:defRPr>
-            </a:lvl2pPr>
-            <a:lvl3pPr marL="914400" algn="l" defTabSz="914400" rtl="0" eaLnBrk="1" latinLnBrk="0" hangingPunct="1">
-              <a:defRPr sz="1800" kern="1200">
-                <a:solidFill>
-                  <a:schemeClr val="tx1"/>
-                </a:solidFill>
-                <a:latin typeface="+mn-lt"/>
-                <a:ea typeface="+mn-ea"/>
-                <a:cs typeface="+mn-cs"/>
-              </a:defRPr>
-            </a:lvl3pPr>
-            <a:lvl4pPr marL="1371600" algn="l" defTabSz="914400" rtl="0" eaLnBrk="1" latinLnBrk="0" hangingPunct="1">
-              <a:defRPr sz="1800" kern="1200">
-                <a:solidFill>
-                  <a:schemeClr val="tx1"/>
-                </a:solidFill>
-                <a:latin typeface="+mn-lt"/>
-                <a:ea typeface="+mn-ea"/>
-                <a:cs typeface="+mn-cs"/>
-              </a:defRPr>
-            </a:lvl4pPr>
-            <a:lvl5pPr marL="1828800" algn="l" defTabSz="914400" rtl="0" eaLnBrk="1" latinLnBrk="0" hangingPunct="1">
-              <a:defRPr sz="1800" kern="1200">
-                <a:solidFill>
-                  <a:schemeClr val="tx1"/>
-                </a:solidFill>
-                <a:latin typeface="+mn-lt"/>
-                <a:ea typeface="+mn-ea"/>
-                <a:cs typeface="+mn-cs"/>
-              </a:defRPr>
-            </a:lvl5pPr>
-            <a:lvl6pPr marL="2286000" algn="l" defTabSz="914400" rtl="0" eaLnBrk="1" latinLnBrk="0" hangingPunct="1">
-              <a:defRPr sz="1800" kern="1200">
-                <a:solidFill>
-                  <a:schemeClr val="tx1"/>
-                </a:solidFill>
-                <a:latin typeface="+mn-lt"/>
-                <a:ea typeface="+mn-ea"/>
-                <a:cs typeface="+mn-cs"/>
-              </a:defRPr>
-            </a:lvl6pPr>
-            <a:lvl7pPr marL="2743200" algn="l" defTabSz="914400" rtl="0" eaLnBrk="1" latinLnBrk="0" hangingPunct="1">
-              <a:defRPr sz="1800" kern="1200">
-                <a:solidFill>
-                  <a:schemeClr val="tx1"/>
-                </a:solidFill>
-                <a:latin typeface="+mn-lt"/>
-                <a:ea typeface="+mn-ea"/>
-                <a:cs typeface="+mn-cs"/>
-              </a:defRPr>
-            </a:lvl7pPr>
-            <a:lvl8pPr marL="3200400" algn="l" defTabSz="914400" rtl="0" eaLnBrk="1" latinLnBrk="0" hangingPunct="1">
-              <a:defRPr sz="1800" kern="1200">
-                <a:solidFill>
-                  <a:schemeClr val="tx1"/>
-                </a:solidFill>
-                <a:latin typeface="+mn-lt"/>
-                <a:ea typeface="+mn-ea"/>
-                <a:cs typeface="+mn-cs"/>
-              </a:defRPr>
-            </a:lvl8pPr>
-            <a:lvl9pPr marL="3657600" algn="l" defTabSz="914400" rtl="0" eaLnBrk="1" latinLnBrk="0" hangingPunct="1">
-              <a:defRPr sz="1800" kern="1200">
-                <a:solidFill>
-                  <a:schemeClr val="tx1"/>
-                </a:solidFill>
-                <a:latin typeface="+mn-lt"/>
-                <a:ea typeface="+mn-ea"/>
-                <a:cs typeface="+mn-cs"/>
-              </a:defRPr>
-            </a:lvl9pPr>
-          </a:lstStyle>
-          <a:p>
-            <a:r>
-              <a:rPr lang="es-ES" sz="3800" b="1" dirty="0" smtClean="0"/>
-              <a:t>Señales </a:t>
-            </a:r>
-            <a:r>
-              <a:rPr lang="es-ES" sz="3800" b="1" dirty="0" err="1" smtClean="0"/>
-              <a:t>senoidales</a:t>
-            </a:r>
-            <a:r>
-              <a:rPr lang="es-ES" sz="3800" b="1" dirty="0" smtClean="0"/>
-              <a:t> de Tiempo Discreto</a:t>
-            </a:r>
-            <a:endParaRPr lang="es-ES" sz="3800" b="1" dirty="0"/>
-          </a:p>
-        </p:txBody>
-      </p:sp>
-      <p:pic>
-        <p:nvPicPr>
-          <p:cNvPr id="9" name="Imagen 8"/>
-          <p:cNvPicPr>
-            <a:picLocks noChangeAspect="1" noChangeArrowheads="1"/>
-          </p:cNvPicPr>
-          <p:nvPr/>
-        </p:nvPicPr>
-        <p:blipFill>
-          <a:blip r:embed="rId4" cstate="print">
-            <a:extLst>
-              <a:ext uri="{28A0092B-C50C-407E-A947-70E740481C1C}">
-                <a14:useLocalDpi xmlns:a14="http://schemas.microsoft.com/office/drawing/2010/main" val="0"/>
-              </a:ext>
-            </a:extLst>
-          </a:blip>
-          <a:srcRect/>
-          <a:stretch>
-            <a:fillRect/>
-          </a:stretch>
-        </p:blipFill>
-        <p:spPr bwMode="auto">
-          <a:xfrm>
-            <a:off x="3026637" y="3704949"/>
-            <a:ext cx="4195762" cy="590550"/>
-          </a:xfrm>
-          <a:prstGeom prst="rect">
-            <a:avLst/>
-          </a:prstGeom>
-          <a:noFill/>
-          <a:extLst>
-            <a:ext uri="{909E8E84-426E-40DD-AFC4-6F175D3DCCD1}">
-              <a14:hiddenFill xmlns:a14="http://schemas.microsoft.com/office/drawing/2010/main">
-                <a:solidFill>
-                  <a:srgbClr val="FFFFFF"/>
-                </a:solidFill>
-              </a14:hiddenFill>
-            </a:ext>
-          </a:extLst>
-        </p:spPr>
-      </p:pic>
-      <p:sp>
-        <p:nvSpPr>
-          <p:cNvPr id="10" name="9 CuadroTexto"/>
-          <p:cNvSpPr txBox="1"/>
-          <p:nvPr/>
-        </p:nvSpPr>
-        <p:spPr>
-          <a:xfrm>
-            <a:off x="1748326" y="294971"/>
-            <a:ext cx="8188717" cy="677108"/>
-          </a:xfrm>
-          <a:prstGeom prst="rect">
-            <a:avLst/>
-          </a:prstGeom>
-          <a:noFill/>
-        </p:spPr>
-        <p:txBody>
-          <a:bodyPr wrap="none" rtlCol="0">
-            <a:spAutoFit/>
-          </a:bodyPr>
-          <a:lstStyle>
-            <a:defPPr>
-              <a:defRPr lang="es-ES"/>
-            </a:defPPr>
-            <a:lvl1pPr marL="0" algn="l" defTabSz="914400" rtl="0" eaLnBrk="1" latinLnBrk="0" hangingPunct="1">
-              <a:defRPr sz="1800" kern="1200">
-                <a:solidFill>
-                  <a:schemeClr val="tx1"/>
-                </a:solidFill>
-                <a:latin typeface="+mn-lt"/>
-                <a:ea typeface="+mn-ea"/>
-                <a:cs typeface="+mn-cs"/>
-              </a:defRPr>
-            </a:lvl1pPr>
-            <a:lvl2pPr marL="457200" algn="l" defTabSz="914400" rtl="0" eaLnBrk="1" latinLnBrk="0" hangingPunct="1">
-              <a:defRPr sz="1800" kern="1200">
-                <a:solidFill>
-                  <a:schemeClr val="tx1"/>
-                </a:solidFill>
-                <a:latin typeface="+mn-lt"/>
-                <a:ea typeface="+mn-ea"/>
-                <a:cs typeface="+mn-cs"/>
-              </a:defRPr>
-            </a:lvl2pPr>
-            <a:lvl3pPr marL="914400" algn="l" defTabSz="914400" rtl="0" eaLnBrk="1" latinLnBrk="0" hangingPunct="1">
-              <a:defRPr sz="1800" kern="1200">
-                <a:solidFill>
-                  <a:schemeClr val="tx1"/>
-                </a:solidFill>
-                <a:latin typeface="+mn-lt"/>
-                <a:ea typeface="+mn-ea"/>
-                <a:cs typeface="+mn-cs"/>
-              </a:defRPr>
-            </a:lvl3pPr>
-            <a:lvl4pPr marL="1371600" algn="l" defTabSz="914400" rtl="0" eaLnBrk="1" latinLnBrk="0" hangingPunct="1">
-              <a:defRPr sz="1800" kern="1200">
-                <a:solidFill>
-                  <a:schemeClr val="tx1"/>
-                </a:solidFill>
-                <a:latin typeface="+mn-lt"/>
-                <a:ea typeface="+mn-ea"/>
-                <a:cs typeface="+mn-cs"/>
-              </a:defRPr>
-            </a:lvl4pPr>
-            <a:lvl5pPr marL="1828800" algn="l" defTabSz="914400" rtl="0" eaLnBrk="1" latinLnBrk="0" hangingPunct="1">
-              <a:defRPr sz="1800" kern="1200">
-                <a:solidFill>
-                  <a:schemeClr val="tx1"/>
-                </a:solidFill>
-                <a:latin typeface="+mn-lt"/>
-                <a:ea typeface="+mn-ea"/>
-                <a:cs typeface="+mn-cs"/>
-              </a:defRPr>
-            </a:lvl5pPr>
-            <a:lvl6pPr marL="2286000" algn="l" defTabSz="914400" rtl="0" eaLnBrk="1" latinLnBrk="0" hangingPunct="1">
-              <a:defRPr sz="1800" kern="1200">
-                <a:solidFill>
-                  <a:schemeClr val="tx1"/>
-                </a:solidFill>
-                <a:latin typeface="+mn-lt"/>
-                <a:ea typeface="+mn-ea"/>
-                <a:cs typeface="+mn-cs"/>
-              </a:defRPr>
-            </a:lvl6pPr>
-            <a:lvl7pPr marL="2743200" algn="l" defTabSz="914400" rtl="0" eaLnBrk="1" latinLnBrk="0" hangingPunct="1">
-              <a:defRPr sz="1800" kern="1200">
-                <a:solidFill>
-                  <a:schemeClr val="tx1"/>
-                </a:solidFill>
-                <a:latin typeface="+mn-lt"/>
-                <a:ea typeface="+mn-ea"/>
-                <a:cs typeface="+mn-cs"/>
-              </a:defRPr>
-            </a:lvl7pPr>
-            <a:lvl8pPr marL="3200400" algn="l" defTabSz="914400" rtl="0" eaLnBrk="1" latinLnBrk="0" hangingPunct="1">
-              <a:defRPr sz="1800" kern="1200">
-                <a:solidFill>
-                  <a:schemeClr val="tx1"/>
-                </a:solidFill>
-                <a:latin typeface="+mn-lt"/>
-                <a:ea typeface="+mn-ea"/>
-                <a:cs typeface="+mn-cs"/>
-              </a:defRPr>
-            </a:lvl8pPr>
-            <a:lvl9pPr marL="3657600" algn="l" defTabSz="914400" rtl="0" eaLnBrk="1" latinLnBrk="0" hangingPunct="1">
-              <a:defRPr sz="1800" kern="1200">
-                <a:solidFill>
-                  <a:schemeClr val="tx1"/>
-                </a:solidFill>
-                <a:latin typeface="+mn-lt"/>
-                <a:ea typeface="+mn-ea"/>
-                <a:cs typeface="+mn-cs"/>
-              </a:defRPr>
-            </a:lvl9pPr>
-          </a:lstStyle>
-          <a:p>
-            <a:r>
-              <a:rPr lang="es-ES" sz="3800" b="1" dirty="0" smtClean="0"/>
-              <a:t>Señales </a:t>
-            </a:r>
-            <a:r>
-              <a:rPr lang="es-ES" sz="3800" b="1" dirty="0" err="1" smtClean="0"/>
-              <a:t>senoidales</a:t>
-            </a:r>
-            <a:r>
-              <a:rPr lang="es-ES" sz="3800" b="1" dirty="0" smtClean="0"/>
-              <a:t> de Tiempo Continuo</a:t>
-            </a:r>
-            <a:endParaRPr lang="es-ES" sz="3800" b="1" dirty="0"/>
-          </a:p>
-        </p:txBody>
-      </p:sp>
-      <p:pic>
-        <p:nvPicPr>
-          <p:cNvPr id="11" name="Imagen 10"/>
-          <p:cNvPicPr>
-            <a:picLocks noChangeAspect="1" noChangeArrowheads="1"/>
-          </p:cNvPicPr>
-          <p:nvPr/>
-        </p:nvPicPr>
-        <p:blipFill>
-          <a:blip r:embed="rId5" cstate="print">
-            <a:extLst>
-              <a:ext uri="{28A0092B-C50C-407E-A947-70E740481C1C}">
-                <a14:useLocalDpi xmlns:a14="http://schemas.microsoft.com/office/drawing/2010/main" val="0"/>
-              </a:ext>
-            </a:extLst>
-          </a:blip>
-          <a:srcRect/>
-          <a:stretch>
-            <a:fillRect/>
-          </a:stretch>
-        </p:blipFill>
-        <p:spPr bwMode="auto">
-          <a:xfrm>
-            <a:off x="2396392" y="1223665"/>
-            <a:ext cx="3825875" cy="561975"/>
-          </a:xfrm>
-          <a:prstGeom prst="rect">
-            <a:avLst/>
-          </a:prstGeom>
-          <a:noFill/>
-          <a:extLst>
-            <a:ext uri="{909E8E84-426E-40DD-AFC4-6F175D3DCCD1}">
-              <a14:hiddenFill xmlns:a14="http://schemas.microsoft.com/office/drawing/2010/main">
-                <a:solidFill>
-                  <a:srgbClr val="FFFFFF"/>
-                </a:solidFill>
-              </a14:hiddenFill>
-            </a:ext>
-          </a:extLst>
-        </p:spPr>
-      </p:pic>
-      <p:sp>
-        <p:nvSpPr>
-          <p:cNvPr id="12" name="11 CuadroTexto"/>
-          <p:cNvSpPr txBox="1"/>
-          <p:nvPr/>
-        </p:nvSpPr>
-        <p:spPr>
-          <a:xfrm>
-            <a:off x="8474006" y="4938441"/>
-            <a:ext cx="1507849" cy="430887"/>
-          </a:xfrm>
-          <a:prstGeom prst="rect">
-            <a:avLst/>
-          </a:prstGeom>
-          <a:noFill/>
-        </p:spPr>
-        <p:txBody>
-          <a:bodyPr wrap="none" rtlCol="0">
-            <a:spAutoFit/>
-          </a:bodyPr>
-          <a:lstStyle>
-            <a:defPPr>
-              <a:defRPr lang="es-ES"/>
-            </a:defPPr>
-            <a:lvl1pPr marL="0" algn="l" defTabSz="914400" rtl="0" eaLnBrk="1" latinLnBrk="0" hangingPunct="1">
-              <a:defRPr sz="1800" kern="1200">
-                <a:solidFill>
-                  <a:schemeClr val="tx1"/>
-                </a:solidFill>
-                <a:latin typeface="+mn-lt"/>
-                <a:ea typeface="+mn-ea"/>
-                <a:cs typeface="+mn-cs"/>
-              </a:defRPr>
-            </a:lvl1pPr>
-            <a:lvl2pPr marL="457200" algn="l" defTabSz="914400" rtl="0" eaLnBrk="1" latinLnBrk="0" hangingPunct="1">
-              <a:defRPr sz="1800" kern="1200">
-                <a:solidFill>
-                  <a:schemeClr val="tx1"/>
-                </a:solidFill>
-                <a:latin typeface="+mn-lt"/>
-                <a:ea typeface="+mn-ea"/>
-                <a:cs typeface="+mn-cs"/>
-              </a:defRPr>
-            </a:lvl2pPr>
-            <a:lvl3pPr marL="914400" algn="l" defTabSz="914400" rtl="0" eaLnBrk="1" latinLnBrk="0" hangingPunct="1">
-              <a:defRPr sz="1800" kern="1200">
-                <a:solidFill>
-                  <a:schemeClr val="tx1"/>
-                </a:solidFill>
-                <a:latin typeface="+mn-lt"/>
-                <a:ea typeface="+mn-ea"/>
-                <a:cs typeface="+mn-cs"/>
-              </a:defRPr>
-            </a:lvl3pPr>
-            <a:lvl4pPr marL="1371600" algn="l" defTabSz="914400" rtl="0" eaLnBrk="1" latinLnBrk="0" hangingPunct="1">
-              <a:defRPr sz="1800" kern="1200">
-                <a:solidFill>
-                  <a:schemeClr val="tx1"/>
-                </a:solidFill>
-                <a:latin typeface="+mn-lt"/>
-                <a:ea typeface="+mn-ea"/>
-                <a:cs typeface="+mn-cs"/>
-              </a:defRPr>
-            </a:lvl4pPr>
-            <a:lvl5pPr marL="1828800" algn="l" defTabSz="914400" rtl="0" eaLnBrk="1" latinLnBrk="0" hangingPunct="1">
-              <a:defRPr sz="1800" kern="1200">
-                <a:solidFill>
-                  <a:schemeClr val="tx1"/>
-                </a:solidFill>
-                <a:latin typeface="+mn-lt"/>
-                <a:ea typeface="+mn-ea"/>
-                <a:cs typeface="+mn-cs"/>
-              </a:defRPr>
-            </a:lvl5pPr>
-            <a:lvl6pPr marL="2286000" algn="l" defTabSz="914400" rtl="0" eaLnBrk="1" latinLnBrk="0" hangingPunct="1">
-              <a:defRPr sz="1800" kern="1200">
-                <a:solidFill>
-                  <a:schemeClr val="tx1"/>
-                </a:solidFill>
-                <a:latin typeface="+mn-lt"/>
-                <a:ea typeface="+mn-ea"/>
-                <a:cs typeface="+mn-cs"/>
-              </a:defRPr>
-            </a:lvl6pPr>
-            <a:lvl7pPr marL="2743200" algn="l" defTabSz="914400" rtl="0" eaLnBrk="1" latinLnBrk="0" hangingPunct="1">
-              <a:defRPr sz="1800" kern="1200">
-                <a:solidFill>
-                  <a:schemeClr val="tx1"/>
-                </a:solidFill>
-                <a:latin typeface="+mn-lt"/>
-                <a:ea typeface="+mn-ea"/>
-                <a:cs typeface="+mn-cs"/>
-              </a:defRPr>
-            </a:lvl7pPr>
-            <a:lvl8pPr marL="3200400" algn="l" defTabSz="914400" rtl="0" eaLnBrk="1" latinLnBrk="0" hangingPunct="1">
-              <a:defRPr sz="1800" kern="1200">
-                <a:solidFill>
-                  <a:schemeClr val="tx1"/>
-                </a:solidFill>
-                <a:latin typeface="+mn-lt"/>
-                <a:ea typeface="+mn-ea"/>
-                <a:cs typeface="+mn-cs"/>
-              </a:defRPr>
-            </a:lvl8pPr>
-            <a:lvl9pPr marL="3657600" algn="l" defTabSz="914400" rtl="0" eaLnBrk="1" latinLnBrk="0" hangingPunct="1">
-              <a:defRPr sz="1800" kern="1200">
-                <a:solidFill>
-                  <a:schemeClr val="tx1"/>
-                </a:solidFill>
-                <a:latin typeface="+mn-lt"/>
-                <a:ea typeface="+mn-ea"/>
-                <a:cs typeface="+mn-cs"/>
-              </a:defRPr>
-            </a:lvl9pPr>
-          </a:lstStyle>
-          <a:p>
-            <a:r>
-              <a:rPr lang="es-ES" sz="2200" dirty="0" smtClean="0"/>
-              <a:t>[r/muestra]</a:t>
-            </a:r>
-            <a:endParaRPr lang="es-ES" sz="2200" dirty="0"/>
-          </a:p>
-        </p:txBody>
-      </p:sp>
-      <p:sp>
-        <p:nvSpPr>
-          <p:cNvPr id="13" name="13 CuadroTexto"/>
-          <p:cNvSpPr txBox="1"/>
-          <p:nvPr/>
-        </p:nvSpPr>
-        <p:spPr>
-          <a:xfrm>
-            <a:off x="6189397" y="1282961"/>
-            <a:ext cx="247184" cy="369332"/>
+            <a:off x="3578771" y="1418208"/>
+            <a:ext cx="882869" cy="461665"/>
           </a:xfrm>
           <a:prstGeom prst="rect">
             <a:avLst/>
@@ -3692,238 +4600,20 @@
           <a:bodyPr wrap="square" rtlCol="0">
             <a:spAutoFit/>
           </a:bodyPr>
-          <a:lstStyle>
-            <a:defPPr>
-              <a:defRPr lang="es-ES"/>
-            </a:defPPr>
-            <a:lvl1pPr marL="0" algn="l" defTabSz="914400" rtl="0" eaLnBrk="1" latinLnBrk="0" hangingPunct="1">
-              <a:defRPr sz="1800" kern="1200">
-                <a:solidFill>
-                  <a:schemeClr val="tx1"/>
-                </a:solidFill>
-                <a:latin typeface="+mn-lt"/>
-                <a:ea typeface="+mn-ea"/>
-                <a:cs typeface="+mn-cs"/>
-              </a:defRPr>
-            </a:lvl1pPr>
-            <a:lvl2pPr marL="457200" algn="l" defTabSz="914400" rtl="0" eaLnBrk="1" latinLnBrk="0" hangingPunct="1">
-              <a:defRPr sz="1800" kern="1200">
-                <a:solidFill>
-                  <a:schemeClr val="tx1"/>
-                </a:solidFill>
-                <a:latin typeface="+mn-lt"/>
-                <a:ea typeface="+mn-ea"/>
-                <a:cs typeface="+mn-cs"/>
-              </a:defRPr>
-            </a:lvl2pPr>
-            <a:lvl3pPr marL="914400" algn="l" defTabSz="914400" rtl="0" eaLnBrk="1" latinLnBrk="0" hangingPunct="1">
-              <a:defRPr sz="1800" kern="1200">
-                <a:solidFill>
-                  <a:schemeClr val="tx1"/>
-                </a:solidFill>
-                <a:latin typeface="+mn-lt"/>
-                <a:ea typeface="+mn-ea"/>
-                <a:cs typeface="+mn-cs"/>
-              </a:defRPr>
-            </a:lvl3pPr>
-            <a:lvl4pPr marL="1371600" algn="l" defTabSz="914400" rtl="0" eaLnBrk="1" latinLnBrk="0" hangingPunct="1">
-              <a:defRPr sz="1800" kern="1200">
-                <a:solidFill>
-                  <a:schemeClr val="tx1"/>
-                </a:solidFill>
-                <a:latin typeface="+mn-lt"/>
-                <a:ea typeface="+mn-ea"/>
-                <a:cs typeface="+mn-cs"/>
-              </a:defRPr>
-            </a:lvl4pPr>
-            <a:lvl5pPr marL="1828800" algn="l" defTabSz="914400" rtl="0" eaLnBrk="1" latinLnBrk="0" hangingPunct="1">
-              <a:defRPr sz="1800" kern="1200">
-                <a:solidFill>
-                  <a:schemeClr val="tx1"/>
-                </a:solidFill>
-                <a:latin typeface="+mn-lt"/>
-                <a:ea typeface="+mn-ea"/>
-                <a:cs typeface="+mn-cs"/>
-              </a:defRPr>
-            </a:lvl5pPr>
-            <a:lvl6pPr marL="2286000" algn="l" defTabSz="914400" rtl="0" eaLnBrk="1" latinLnBrk="0" hangingPunct="1">
-              <a:defRPr sz="1800" kern="1200">
-                <a:solidFill>
-                  <a:schemeClr val="tx1"/>
-                </a:solidFill>
-                <a:latin typeface="+mn-lt"/>
-                <a:ea typeface="+mn-ea"/>
-                <a:cs typeface="+mn-cs"/>
-              </a:defRPr>
-            </a:lvl6pPr>
-            <a:lvl7pPr marL="2743200" algn="l" defTabSz="914400" rtl="0" eaLnBrk="1" latinLnBrk="0" hangingPunct="1">
-              <a:defRPr sz="1800" kern="1200">
-                <a:solidFill>
-                  <a:schemeClr val="tx1"/>
-                </a:solidFill>
-                <a:latin typeface="+mn-lt"/>
-                <a:ea typeface="+mn-ea"/>
-                <a:cs typeface="+mn-cs"/>
-              </a:defRPr>
-            </a:lvl7pPr>
-            <a:lvl8pPr marL="3200400" algn="l" defTabSz="914400" rtl="0" eaLnBrk="1" latinLnBrk="0" hangingPunct="1">
-              <a:defRPr sz="1800" kern="1200">
-                <a:solidFill>
-                  <a:schemeClr val="tx1"/>
-                </a:solidFill>
-                <a:latin typeface="+mn-lt"/>
-                <a:ea typeface="+mn-ea"/>
-                <a:cs typeface="+mn-cs"/>
-              </a:defRPr>
-            </a:lvl8pPr>
-            <a:lvl9pPr marL="3657600" algn="l" defTabSz="914400" rtl="0" eaLnBrk="1" latinLnBrk="0" hangingPunct="1">
-              <a:defRPr sz="1800" kern="1200">
-                <a:solidFill>
-                  <a:schemeClr val="tx1"/>
-                </a:solidFill>
-                <a:latin typeface="+mn-lt"/>
-                <a:ea typeface="+mn-ea"/>
-                <a:cs typeface="+mn-cs"/>
-              </a:defRPr>
-            </a:lvl9pPr>
-          </a:lstStyle>
-          <a:p>
-            <a:r>
-              <a:rPr lang="es-ES" dirty="0" smtClean="0"/>
-              <a:t>;</a:t>
-            </a:r>
-            <a:endParaRPr lang="es-ES" dirty="0"/>
-          </a:p>
-        </p:txBody>
-      </p:sp>
-      <p:sp>
-        <p:nvSpPr>
-          <p:cNvPr id="14" name="14 CuadroTexto"/>
-          <p:cNvSpPr txBox="1"/>
-          <p:nvPr/>
-        </p:nvSpPr>
-        <p:spPr>
-          <a:xfrm>
-            <a:off x="7597874" y="3795433"/>
-            <a:ext cx="1196161" cy="430887"/>
-          </a:xfrm>
-          <a:prstGeom prst="rect">
-            <a:avLst/>
-          </a:prstGeom>
-          <a:noFill/>
-        </p:spPr>
-        <p:txBody>
-          <a:bodyPr wrap="none" rtlCol="0">
-            <a:spAutoFit/>
-          </a:bodyPr>
-          <a:lstStyle>
-            <a:defPPr>
-              <a:defRPr lang="es-ES"/>
-            </a:defPPr>
-            <a:lvl1pPr marL="0" algn="l" defTabSz="914400" rtl="0" eaLnBrk="1" latinLnBrk="0" hangingPunct="1">
-              <a:defRPr sz="1800" kern="1200">
-                <a:solidFill>
-                  <a:schemeClr val="tx1"/>
-                </a:solidFill>
-                <a:latin typeface="+mn-lt"/>
-                <a:ea typeface="+mn-ea"/>
-                <a:cs typeface="+mn-cs"/>
-              </a:defRPr>
-            </a:lvl1pPr>
-            <a:lvl2pPr marL="457200" algn="l" defTabSz="914400" rtl="0" eaLnBrk="1" latinLnBrk="0" hangingPunct="1">
-              <a:defRPr sz="1800" kern="1200">
-                <a:solidFill>
-                  <a:schemeClr val="tx1"/>
-                </a:solidFill>
-                <a:latin typeface="+mn-lt"/>
-                <a:ea typeface="+mn-ea"/>
-                <a:cs typeface="+mn-cs"/>
-              </a:defRPr>
-            </a:lvl2pPr>
-            <a:lvl3pPr marL="914400" algn="l" defTabSz="914400" rtl="0" eaLnBrk="1" latinLnBrk="0" hangingPunct="1">
-              <a:defRPr sz="1800" kern="1200">
-                <a:solidFill>
-                  <a:schemeClr val="tx1"/>
-                </a:solidFill>
-                <a:latin typeface="+mn-lt"/>
-                <a:ea typeface="+mn-ea"/>
-                <a:cs typeface="+mn-cs"/>
-              </a:defRPr>
-            </a:lvl3pPr>
-            <a:lvl4pPr marL="1371600" algn="l" defTabSz="914400" rtl="0" eaLnBrk="1" latinLnBrk="0" hangingPunct="1">
-              <a:defRPr sz="1800" kern="1200">
-                <a:solidFill>
-                  <a:schemeClr val="tx1"/>
-                </a:solidFill>
-                <a:latin typeface="+mn-lt"/>
-                <a:ea typeface="+mn-ea"/>
-                <a:cs typeface="+mn-cs"/>
-              </a:defRPr>
-            </a:lvl4pPr>
-            <a:lvl5pPr marL="1828800" algn="l" defTabSz="914400" rtl="0" eaLnBrk="1" latinLnBrk="0" hangingPunct="1">
-              <a:defRPr sz="1800" kern="1200">
-                <a:solidFill>
-                  <a:schemeClr val="tx1"/>
-                </a:solidFill>
-                <a:latin typeface="+mn-lt"/>
-                <a:ea typeface="+mn-ea"/>
-                <a:cs typeface="+mn-cs"/>
-              </a:defRPr>
-            </a:lvl5pPr>
-            <a:lvl6pPr marL="2286000" algn="l" defTabSz="914400" rtl="0" eaLnBrk="1" latinLnBrk="0" hangingPunct="1">
-              <a:defRPr sz="1800" kern="1200">
-                <a:solidFill>
-                  <a:schemeClr val="tx1"/>
-                </a:solidFill>
-                <a:latin typeface="+mn-lt"/>
-                <a:ea typeface="+mn-ea"/>
-                <a:cs typeface="+mn-cs"/>
-              </a:defRPr>
-            </a:lvl6pPr>
-            <a:lvl7pPr marL="2743200" algn="l" defTabSz="914400" rtl="0" eaLnBrk="1" latinLnBrk="0" hangingPunct="1">
-              <a:defRPr sz="1800" kern="1200">
-                <a:solidFill>
-                  <a:schemeClr val="tx1"/>
-                </a:solidFill>
-                <a:latin typeface="+mn-lt"/>
-                <a:ea typeface="+mn-ea"/>
-                <a:cs typeface="+mn-cs"/>
-              </a:defRPr>
-            </a:lvl7pPr>
-            <a:lvl8pPr marL="3200400" algn="l" defTabSz="914400" rtl="0" eaLnBrk="1" latinLnBrk="0" hangingPunct="1">
-              <a:defRPr sz="1800" kern="1200">
-                <a:solidFill>
-                  <a:schemeClr val="tx1"/>
-                </a:solidFill>
-                <a:latin typeface="+mn-lt"/>
-                <a:ea typeface="+mn-ea"/>
-                <a:cs typeface="+mn-cs"/>
-              </a:defRPr>
-            </a:lvl8pPr>
-            <a:lvl9pPr marL="3657600" algn="l" defTabSz="914400" rtl="0" eaLnBrk="1" latinLnBrk="0" hangingPunct="1">
-              <a:defRPr sz="1800" kern="1200">
-                <a:solidFill>
-                  <a:schemeClr val="tx1"/>
-                </a:solidFill>
-                <a:latin typeface="+mn-lt"/>
-                <a:ea typeface="+mn-ea"/>
-                <a:cs typeface="+mn-cs"/>
-              </a:defRPr>
-            </a:lvl9pPr>
-          </a:lstStyle>
-          <a:p>
-            <a:r>
-              <a:rPr lang="es-ES" sz="2200" dirty="0" smtClean="0"/>
-              <a:t>;  donde:</a:t>
-            </a:r>
-            <a:endParaRPr lang="es-ES" sz="2200" dirty="0"/>
+          <a:lstStyle/>
+          <a:p>
+            <a:r>
+              <a:rPr lang="es-MX" sz="2400" b="1" dirty="0"/>
+              <a:t>X[n]</a:t>
+            </a:r>
+            <a:endParaRPr lang="es-AR" sz="2400" b="1" dirty="0"/>
           </a:p>
         </p:txBody>
       </p:sp>
     </p:spTree>
     <p:extLst>
       <p:ext uri="{BB962C8B-B14F-4D97-AF65-F5344CB8AC3E}">
-        <p14:creationId xmlns:p14="http://schemas.microsoft.com/office/powerpoint/2010/main" val="646869532"/>
+        <p14:creationId xmlns:p14="http://schemas.microsoft.com/office/powerpoint/2010/main" val="3157676858"/>
       </p:ext>
     </p:extLst>
   </p:cSld>
@@ -3934,6 +4624,470 @@
 </file>
 
 <file path=ppt/slides/slide10.xml><?xml version="1.0" encoding="utf-8"?>
+<p:sld xmlns:a="http://schemas.openxmlformats.org/drawingml/2006/main" xmlns:r="http://schemas.openxmlformats.org/officeDocument/2006/relationships" xmlns:p="http://schemas.openxmlformats.org/presentationml/2006/main">
+  <p:cSld>
+    <p:spTree>
+      <p:nvGrpSpPr>
+        <p:cNvPr id="1" name=""/>
+        <p:cNvGrpSpPr/>
+        <p:nvPr/>
+      </p:nvGrpSpPr>
+      <p:grpSpPr>
+        <a:xfrm>
+          <a:off x="0" y="0"/>
+          <a:ext cx="0" cy="0"/>
+          <a:chOff x="0" y="0"/>
+          <a:chExt cx="0" cy="0"/>
+        </a:xfrm>
+      </p:grpSpPr>
+      <p:sp>
+        <p:nvSpPr>
+          <p:cNvPr id="4" name="Rectángulo 3"/>
+          <p:cNvSpPr/>
+          <p:nvPr/>
+        </p:nvSpPr>
+        <p:spPr>
+          <a:xfrm>
+            <a:off x="-2" y="0"/>
+            <a:ext cx="12192001" cy="2862322"/>
+          </a:xfrm>
+          <a:prstGeom prst="rect">
+            <a:avLst/>
+          </a:prstGeom>
+        </p:spPr>
+        <p:txBody>
+          <a:bodyPr wrap="square">
+            <a:spAutoFit/>
+          </a:bodyPr>
+          <a:lstStyle/>
+          <a:p>
+            <a:r>
+              <a:rPr lang="es-AR" sz="2000" b="1" dirty="0"/>
+              <a:t>yd2=sin(Omegalias2*n</a:t>
+            </a:r>
+            <a:r>
+              <a:rPr lang="es-AR" sz="2000" b="1" dirty="0" smtClean="0"/>
+              <a:t>); </a:t>
+            </a:r>
+            <a:r>
+              <a:rPr lang="es-AR" sz="2000" b="1" dirty="0" smtClean="0">
+                <a:solidFill>
+                  <a:schemeClr val="accent1"/>
+                </a:solidFill>
+              </a:rPr>
+              <a:t>%</a:t>
+            </a:r>
+            <a:r>
+              <a:rPr lang="es-AR" sz="2000" b="1" dirty="0">
+                <a:solidFill>
+                  <a:schemeClr val="accent1"/>
+                </a:solidFill>
+              </a:rPr>
+              <a:t>señal </a:t>
+            </a:r>
+            <a:r>
+              <a:rPr lang="es-AR" sz="2000" b="1" dirty="0" err="1">
+                <a:solidFill>
+                  <a:schemeClr val="accent1"/>
+                </a:solidFill>
+              </a:rPr>
+              <a:t>senoidal</a:t>
+            </a:r>
+            <a:r>
+              <a:rPr lang="es-AR" sz="2000" b="1" dirty="0">
+                <a:solidFill>
+                  <a:schemeClr val="accent1"/>
+                </a:solidFill>
+              </a:rPr>
+              <a:t> discreta (Omega+2pi) </a:t>
+            </a:r>
+          </a:p>
+          <a:p>
+            <a:r>
+              <a:rPr lang="es-AR" sz="2000" b="1" dirty="0"/>
+              <a:t>yc2=sin(2*pi*(</a:t>
+            </a:r>
+            <a:r>
+              <a:rPr lang="es-AR" sz="2000" b="1" dirty="0" err="1"/>
+              <a:t>fsenial+fs</a:t>
+            </a:r>
+            <a:r>
+              <a:rPr lang="es-AR" sz="2000" b="1" dirty="0"/>
+              <a:t>)*</a:t>
+            </a:r>
+            <a:r>
+              <a:rPr lang="es-AR" sz="2000" b="1" dirty="0" err="1"/>
+              <a:t>tc</a:t>
+            </a:r>
+            <a:r>
+              <a:rPr lang="es-AR" sz="2000" b="1" dirty="0" smtClean="0"/>
+              <a:t>); </a:t>
+            </a:r>
+            <a:r>
+              <a:rPr lang="es-AR" sz="2000" b="1" dirty="0" smtClean="0">
+                <a:solidFill>
+                  <a:schemeClr val="accent1"/>
+                </a:solidFill>
+              </a:rPr>
+              <a:t>%señal </a:t>
+            </a:r>
+            <a:r>
+              <a:rPr lang="es-AR" sz="2000" b="1" dirty="0">
+                <a:solidFill>
+                  <a:schemeClr val="accent1"/>
+                </a:solidFill>
+              </a:rPr>
+              <a:t>de "</a:t>
+            </a:r>
+            <a:r>
+              <a:rPr lang="es-AR" sz="2000" b="1" dirty="0" err="1">
+                <a:solidFill>
+                  <a:schemeClr val="accent1"/>
+                </a:solidFill>
+              </a:rPr>
+              <a:t>tc</a:t>
+            </a:r>
+            <a:r>
+              <a:rPr lang="es-AR" sz="2000" b="1" dirty="0">
+                <a:solidFill>
+                  <a:schemeClr val="accent1"/>
+                </a:solidFill>
+              </a:rPr>
+              <a:t>" que corresponde a (Omega+2pi) </a:t>
+            </a:r>
+            <a:endParaRPr lang="es-AR" sz="2000" b="1" dirty="0" smtClean="0">
+              <a:solidFill>
+                <a:schemeClr val="accent1"/>
+              </a:solidFill>
+            </a:endParaRPr>
+          </a:p>
+          <a:p>
+            <a:r>
+              <a:rPr lang="es-AR" sz="2000" b="1" dirty="0" smtClean="0">
+                <a:solidFill>
+                  <a:schemeClr val="accent1"/>
+                </a:solidFill>
+              </a:rPr>
+              <a:t>%</a:t>
+            </a:r>
+            <a:r>
+              <a:rPr lang="es-AR" sz="2000" b="1" dirty="0">
+                <a:solidFill>
+                  <a:schemeClr val="accent1"/>
+                </a:solidFill>
+              </a:rPr>
+              <a:t>Grafico señal de tiempo continuo y señal de tiempo discreto </a:t>
+            </a:r>
+            <a:endParaRPr lang="es-AR" sz="2000" b="1" dirty="0" smtClean="0">
+              <a:solidFill>
+                <a:schemeClr val="accent1"/>
+              </a:solidFill>
+            </a:endParaRPr>
+          </a:p>
+          <a:p>
+            <a:r>
+              <a:rPr lang="es-AR" sz="2000" b="1" dirty="0" err="1" smtClean="0"/>
+              <a:t>subplot</a:t>
+            </a:r>
+            <a:r>
+              <a:rPr lang="es-AR" sz="2000" b="1" dirty="0" smtClean="0"/>
+              <a:t>(3,1,1</a:t>
+            </a:r>
+            <a:r>
+              <a:rPr lang="es-AR" sz="2000" b="1" dirty="0"/>
+              <a:t>) </a:t>
+            </a:r>
+            <a:r>
+              <a:rPr lang="es-AR" sz="2000" b="1" dirty="0">
+                <a:solidFill>
+                  <a:schemeClr val="accent1"/>
+                </a:solidFill>
+              </a:rPr>
+              <a:t>%Grafico señal de tiempo continuo y señal de tiempo discreto con(2pi-Omega) %y </a:t>
+            </a:r>
+            <a:r>
+              <a:rPr lang="es-AR" sz="2000" b="1" dirty="0" smtClean="0">
+                <a:solidFill>
+                  <a:schemeClr val="accent1"/>
+                </a:solidFill>
+              </a:rPr>
+              <a:t>(</a:t>
+            </a:r>
+            <a:r>
+              <a:rPr lang="es-AR" sz="2000" b="1" dirty="0">
+                <a:solidFill>
+                  <a:schemeClr val="accent1"/>
+                </a:solidFill>
+              </a:rPr>
+              <a:t>Omega+2pi) </a:t>
+            </a:r>
+            <a:endParaRPr lang="es-AR" sz="2000" b="1" dirty="0" smtClean="0">
+              <a:solidFill>
+                <a:schemeClr val="accent1"/>
+              </a:solidFill>
+            </a:endParaRPr>
+          </a:p>
+          <a:p>
+            <a:r>
+              <a:rPr lang="es-AR" sz="2000" b="1" dirty="0" err="1" smtClean="0"/>
+              <a:t>plot</a:t>
+            </a:r>
+            <a:r>
+              <a:rPr lang="es-AR" sz="2000" b="1" dirty="0" smtClean="0"/>
+              <a:t>(tc,</a:t>
+            </a:r>
+            <a:r>
+              <a:rPr lang="es-AR" sz="2000" b="1" dirty="0" err="1" smtClean="0"/>
+              <a:t>yc</a:t>
+            </a:r>
+            <a:r>
+              <a:rPr lang="es-AR" sz="2000" b="1" dirty="0"/>
+              <a:t>,'b',td,yd,'-</a:t>
+            </a:r>
+            <a:r>
+              <a:rPr lang="es-AR" sz="2000" b="1" dirty="0" err="1"/>
+              <a:t>or</a:t>
+            </a:r>
+            <a:r>
+              <a:rPr lang="es-AR" sz="2000" b="1" dirty="0"/>
+              <a:t>') </a:t>
+            </a:r>
+            <a:endParaRPr lang="es-AR" sz="2000" b="1" dirty="0" smtClean="0"/>
+          </a:p>
+          <a:p>
+            <a:r>
+              <a:rPr lang="es-AR" sz="2000" b="1" dirty="0" err="1" smtClean="0"/>
+              <a:t>subplot</a:t>
+            </a:r>
+            <a:r>
+              <a:rPr lang="es-AR" sz="2000" b="1" dirty="0" smtClean="0"/>
+              <a:t>(3,1,2)</a:t>
+            </a:r>
+          </a:p>
+          <a:p>
+            <a:r>
+              <a:rPr lang="es-AR" sz="2000" b="1" dirty="0" smtClean="0"/>
+              <a:t> </a:t>
+            </a:r>
+            <a:r>
+              <a:rPr lang="es-AR" sz="2000" b="1" dirty="0" err="1"/>
+              <a:t>plot</a:t>
+            </a:r>
+            <a:r>
+              <a:rPr lang="es-AR" sz="2000" b="1" dirty="0"/>
+              <a:t>(tc,yc1,'g',td,yd1,'-ok') </a:t>
+            </a:r>
+            <a:endParaRPr lang="es-AR" sz="2000" b="1" dirty="0" smtClean="0"/>
+          </a:p>
+          <a:p>
+            <a:r>
+              <a:rPr lang="es-AR" sz="2000" b="1" dirty="0" err="1" smtClean="0"/>
+              <a:t>subplot</a:t>
+            </a:r>
+            <a:r>
+              <a:rPr lang="es-AR" sz="2000" b="1" dirty="0" smtClean="0"/>
+              <a:t>(3,1,3</a:t>
+            </a:r>
+            <a:r>
+              <a:rPr lang="es-AR" sz="2000" b="1" dirty="0"/>
+              <a:t>) </a:t>
+            </a:r>
+            <a:endParaRPr lang="es-AR" sz="2000" b="1" dirty="0" smtClean="0"/>
+          </a:p>
+          <a:p>
+            <a:r>
+              <a:rPr lang="es-AR" sz="2000" b="1" dirty="0" err="1" smtClean="0"/>
+              <a:t>plot</a:t>
+            </a:r>
+            <a:r>
+              <a:rPr lang="es-AR" sz="2000" b="1" dirty="0" smtClean="0"/>
+              <a:t>(tc,yc2</a:t>
+            </a:r>
+            <a:r>
+              <a:rPr lang="es-AR" sz="2000" b="1" dirty="0"/>
+              <a:t>,'m',td,yd2,'-ok')</a:t>
+            </a:r>
+          </a:p>
+        </p:txBody>
+      </p:sp>
+      <p:sp>
+        <p:nvSpPr>
+          <p:cNvPr id="5" name="Rectángulo 4"/>
+          <p:cNvSpPr/>
+          <p:nvPr/>
+        </p:nvSpPr>
+        <p:spPr>
+          <a:xfrm>
+            <a:off x="157354" y="2948770"/>
+            <a:ext cx="3260101" cy="461665"/>
+          </a:xfrm>
+          <a:prstGeom prst="rect">
+            <a:avLst/>
+          </a:prstGeom>
+        </p:spPr>
+        <p:txBody>
+          <a:bodyPr wrap="square">
+            <a:spAutoFit/>
+          </a:bodyPr>
+          <a:lstStyle/>
+          <a:p>
+            <a:r>
+              <a:rPr lang="es-AR" sz="2400" dirty="0" smtClean="0"/>
+              <a:t>a) </a:t>
+            </a:r>
+            <a:r>
+              <a:rPr lang="es-AR" sz="2400" dirty="0" err="1" smtClean="0"/>
+              <a:t>fseñal</a:t>
+            </a:r>
+            <a:r>
+              <a:rPr lang="es-AR" sz="2400" dirty="0" smtClean="0"/>
+              <a:t> = 1Hz </a:t>
+            </a:r>
+            <a:r>
+              <a:rPr lang="es-AR" sz="2400" dirty="0" err="1" smtClean="0"/>
+              <a:t>fs</a:t>
+            </a:r>
+            <a:r>
+              <a:rPr lang="es-AR" sz="2400" dirty="0" smtClean="0"/>
+              <a:t> = 40</a:t>
+            </a:r>
+            <a:endParaRPr lang="es-AR" sz="2400" dirty="0"/>
+          </a:p>
+        </p:txBody>
+      </p:sp>
+      <p:sp>
+        <p:nvSpPr>
+          <p:cNvPr id="6" name="Rectángulo 5"/>
+          <p:cNvSpPr/>
+          <p:nvPr/>
+        </p:nvSpPr>
+        <p:spPr>
+          <a:xfrm>
+            <a:off x="323609" y="3293048"/>
+            <a:ext cx="2549159" cy="1015663"/>
+          </a:xfrm>
+          <a:prstGeom prst="rect">
+            <a:avLst/>
+          </a:prstGeom>
+        </p:spPr>
+        <p:txBody>
+          <a:bodyPr wrap="none">
+            <a:spAutoFit/>
+          </a:bodyPr>
+          <a:lstStyle/>
+          <a:p>
+            <a:r>
+              <a:rPr lang="es-AR" sz="2000" dirty="0" err="1" smtClean="0"/>
+              <a:t>Omegan</a:t>
+            </a:r>
+            <a:r>
+              <a:rPr lang="es-AR" sz="2000" dirty="0" smtClean="0"/>
+              <a:t> = 0.0500</a:t>
+            </a:r>
+          </a:p>
+          <a:p>
+            <a:r>
+              <a:rPr lang="es-AR" sz="2000" dirty="0" smtClean="0"/>
+              <a:t>Omegaliasn1 = 1.9500 </a:t>
+            </a:r>
+          </a:p>
+          <a:p>
+            <a:r>
+              <a:rPr lang="es-AR" sz="2000" dirty="0" smtClean="0"/>
+              <a:t>Omegaliasn2 = 2.0500</a:t>
+            </a:r>
+            <a:endParaRPr lang="es-AR" sz="2000" dirty="0"/>
+          </a:p>
+        </p:txBody>
+      </p:sp>
+      <p:pic>
+        <p:nvPicPr>
+          <p:cNvPr id="7" name="Imagen 6"/>
+          <p:cNvPicPr>
+            <a:picLocks noChangeAspect="1"/>
+          </p:cNvPicPr>
+          <p:nvPr/>
+        </p:nvPicPr>
+        <p:blipFill rotWithShape="1">
+          <a:blip r:embed="rId2">
+            <a:extLst>
+              <a:ext uri="{28A0092B-C50C-407E-A947-70E740481C1C}">
+                <a14:useLocalDpi xmlns:a14="http://schemas.microsoft.com/office/drawing/2010/main" val="0"/>
+              </a:ext>
+            </a:extLst>
+          </a:blip>
+          <a:srcRect l="9302" t="4989" r="7398" b="6341"/>
+          <a:stretch/>
+        </p:blipFill>
+        <p:spPr>
+          <a:xfrm>
+            <a:off x="5495637" y="1514764"/>
+            <a:ext cx="6583698" cy="5256000"/>
+          </a:xfrm>
+          <a:prstGeom prst="rect">
+            <a:avLst/>
+          </a:prstGeom>
+        </p:spPr>
+      </p:pic>
+      <p:sp>
+        <p:nvSpPr>
+          <p:cNvPr id="8" name="Rectángulo 7"/>
+          <p:cNvSpPr/>
+          <p:nvPr/>
+        </p:nvSpPr>
+        <p:spPr>
+          <a:xfrm>
+            <a:off x="192472" y="4447211"/>
+            <a:ext cx="2965812" cy="461665"/>
+          </a:xfrm>
+          <a:prstGeom prst="rect">
+            <a:avLst/>
+          </a:prstGeom>
+        </p:spPr>
+        <p:txBody>
+          <a:bodyPr wrap="none">
+            <a:spAutoFit/>
+          </a:bodyPr>
+          <a:lstStyle/>
+          <a:p>
+            <a:r>
+              <a:rPr lang="es-AR" sz="2400" dirty="0" smtClean="0"/>
+              <a:t>b) </a:t>
+            </a:r>
+            <a:r>
+              <a:rPr lang="es-AR" sz="2400" dirty="0" err="1" smtClean="0"/>
+              <a:t>fseñal</a:t>
+            </a:r>
+            <a:r>
+              <a:rPr lang="es-AR" sz="2400" dirty="0" smtClean="0"/>
+              <a:t> = 3Hz </a:t>
+            </a:r>
+            <a:r>
+              <a:rPr lang="es-AR" sz="2400" dirty="0" err="1" smtClean="0"/>
+              <a:t>fs</a:t>
+            </a:r>
+            <a:r>
+              <a:rPr lang="es-AR" sz="2400" dirty="0" smtClean="0"/>
+              <a:t> = 40 </a:t>
+            </a:r>
+            <a:endParaRPr lang="es-AR" sz="2400" dirty="0"/>
+          </a:p>
+        </p:txBody>
+      </p:sp>
+    </p:spTree>
+    <p:extLst>
+      <p:ext uri="{BB962C8B-B14F-4D97-AF65-F5344CB8AC3E}">
+        <p14:creationId xmlns:p14="http://schemas.microsoft.com/office/powerpoint/2010/main" val="2537870879"/>
+      </p:ext>
+    </p:extLst>
+  </p:cSld>
+  <p:clrMapOvr>
+    <a:masterClrMapping/>
+  </p:clrMapOvr>
+</p:sld>
+</file>
+
+<file path=ppt/slides/slide11.xml><?xml version="1.0" encoding="utf-8"?>
 <p:sld xmlns:a="http://schemas.openxmlformats.org/drawingml/2006/main" xmlns:r="http://schemas.openxmlformats.org/officeDocument/2006/relationships" xmlns:p="http://schemas.openxmlformats.org/presentationml/2006/main">
   <p:cSld>
     <p:spTree>
@@ -4901,7 +6055,7 @@
 </p:sld>
 </file>
 
-<file path=ppt/slides/slide11.xml><?xml version="1.0" encoding="utf-8"?>
+<file path=ppt/slides/slide12.xml><?xml version="1.0" encoding="utf-8"?>
 <p:sld xmlns:a="http://schemas.openxmlformats.org/drawingml/2006/main" xmlns:r="http://schemas.openxmlformats.org/officeDocument/2006/relationships" xmlns:p="http://schemas.openxmlformats.org/presentationml/2006/main">
   <p:cSld>
     <p:spTree>
@@ -5586,7 +6740,7 @@
 </p:sld>
 </file>
 
-<file path=ppt/slides/slide12.xml><?xml version="1.0" encoding="utf-8"?>
+<file path=ppt/slides/slide13.xml><?xml version="1.0" encoding="utf-8"?>
 <p:sld xmlns:a="http://schemas.openxmlformats.org/drawingml/2006/main" xmlns:r="http://schemas.openxmlformats.org/officeDocument/2006/relationships" xmlns:p="http://schemas.openxmlformats.org/presentationml/2006/main">
   <p:cSld>
     <p:spTree>
@@ -6402,7 +7556,7 @@
         <p:spPr>
           <a:xfrm>
             <a:off x="6345381" y="464035"/>
-            <a:ext cx="5227782" cy="830997"/>
+            <a:ext cx="5227782" cy="1200329"/>
           </a:xfrm>
           <a:prstGeom prst="rect">
             <a:avLst/>
@@ -6417,18 +7571,18 @@
           <a:p>
             <a:pPr algn="just"/>
             <a:r>
-              <a:rPr lang="es-AR" sz="2400" dirty="0" smtClean="0"/>
+              <a:rPr lang="es-AR" sz="2400" b="1" dirty="0" smtClean="0"/>
               <a:t>Obtener y muestrear dos señales </a:t>
             </a:r>
             <a:r>
-              <a:rPr lang="es-AR" sz="2400" dirty="0" err="1" smtClean="0"/>
+              <a:rPr lang="es-AR" sz="2400" b="1" dirty="0" err="1" smtClean="0"/>
               <a:t>senoidales</a:t>
             </a:r>
             <a:r>
-              <a:rPr lang="es-AR" sz="2400" dirty="0" smtClean="0"/>
-              <a:t> de frecuencia 100 y 300 Hz</a:t>
-            </a:r>
-            <a:endParaRPr lang="es-AR" sz="2400" dirty="0"/>
+              <a:rPr lang="es-AR" sz="2400" b="1" dirty="0" smtClean="0"/>
+              <a:t> de frecuencia 100, 300 y 500 Hz</a:t>
+            </a:r>
+            <a:endParaRPr lang="es-AR" sz="2400" b="1" dirty="0"/>
           </a:p>
         </p:txBody>
       </p:sp>
@@ -6446,6 +7600,976 @@
 </file>
 
 <file path=ppt/slides/slide2.xml><?xml version="1.0" encoding="utf-8"?>
+<p:sld xmlns:a="http://schemas.openxmlformats.org/drawingml/2006/main" xmlns:r="http://schemas.openxmlformats.org/officeDocument/2006/relationships" xmlns:p="http://schemas.openxmlformats.org/presentationml/2006/main">
+  <p:cSld>
+    <p:spTree>
+      <p:nvGrpSpPr>
+        <p:cNvPr id="1" name=""/>
+        <p:cNvGrpSpPr/>
+        <p:nvPr/>
+      </p:nvGrpSpPr>
+      <p:grpSpPr>
+        <a:xfrm>
+          <a:off x="0" y="0"/>
+          <a:ext cx="0" cy="0"/>
+          <a:chOff x="0" y="0"/>
+          <a:chExt cx="0" cy="0"/>
+        </a:xfrm>
+      </p:grpSpPr>
+      <p:pic>
+        <p:nvPicPr>
+          <p:cNvPr id="5" name="Imagen 4"/>
+          <p:cNvPicPr>
+            <a:picLocks noChangeAspect="1" noChangeArrowheads="1"/>
+          </p:cNvPicPr>
+          <p:nvPr/>
+        </p:nvPicPr>
+        <p:blipFill>
+          <a:blip r:embed="rId2" cstate="print">
+            <a:extLst>
+              <a:ext uri="{28A0092B-C50C-407E-A947-70E740481C1C}">
+                <a14:useLocalDpi xmlns:a14="http://schemas.microsoft.com/office/drawing/2010/main" val="0"/>
+              </a:ext>
+            </a:extLst>
+          </a:blip>
+          <a:srcRect/>
+          <a:stretch>
+            <a:fillRect/>
+          </a:stretch>
+        </p:blipFill>
+        <p:spPr bwMode="auto">
+          <a:xfrm>
+            <a:off x="2078863" y="4724127"/>
+            <a:ext cx="6329362" cy="1044575"/>
+          </a:xfrm>
+          <a:prstGeom prst="rect">
+            <a:avLst/>
+          </a:prstGeom>
+          <a:noFill/>
+          <a:ln w="34925">
+            <a:solidFill>
+              <a:srgbClr val="FF0000"/>
+            </a:solidFill>
+            <a:miter lim="800000"/>
+            <a:headEnd/>
+            <a:tailEnd/>
+          </a:ln>
+          <a:extLst>
+            <a:ext uri="{909E8E84-426E-40DD-AFC4-6F175D3DCCD1}">
+              <a14:hiddenFill xmlns:a14="http://schemas.microsoft.com/office/drawing/2010/main">
+                <a:solidFill>
+                  <a:srgbClr val="FFFFFF"/>
+                </a:solidFill>
+              </a14:hiddenFill>
+            </a:ext>
+          </a:extLst>
+        </p:spPr>
+      </p:pic>
+      <p:pic>
+        <p:nvPicPr>
+          <p:cNvPr id="6" name="Imagen 5"/>
+          <p:cNvPicPr>
+            <a:picLocks noChangeAspect="1" noChangeArrowheads="1"/>
+          </p:cNvPicPr>
+          <p:nvPr/>
+        </p:nvPicPr>
+        <p:blipFill>
+          <a:blip r:embed="rId3" cstate="print">
+            <a:extLst>
+              <a:ext uri="{28A0092B-C50C-407E-A947-70E740481C1C}">
+                <a14:useLocalDpi xmlns:a14="http://schemas.microsoft.com/office/drawing/2010/main" val="0"/>
+              </a:ext>
+            </a:extLst>
+          </a:blip>
+          <a:srcRect/>
+          <a:stretch>
+            <a:fillRect/>
+          </a:stretch>
+        </p:blipFill>
+        <p:spPr bwMode="auto">
+          <a:xfrm>
+            <a:off x="6627098" y="1223665"/>
+            <a:ext cx="2166937" cy="571504"/>
+          </a:xfrm>
+          <a:prstGeom prst="rect">
+            <a:avLst/>
+          </a:prstGeom>
+          <a:noFill/>
+          <a:ln w="34925">
+            <a:solidFill>
+              <a:srgbClr val="FF0000"/>
+            </a:solidFill>
+            <a:miter lim="800000"/>
+            <a:headEnd/>
+            <a:tailEnd/>
+          </a:ln>
+          <a:extLst>
+            <a:ext uri="{909E8E84-426E-40DD-AFC4-6F175D3DCCD1}">
+              <a14:hiddenFill xmlns:a14="http://schemas.microsoft.com/office/drawing/2010/main">
+                <a:solidFill>
+                  <a:srgbClr val="FFFFFF"/>
+                </a:solidFill>
+              </a14:hiddenFill>
+            </a:ext>
+          </a:extLst>
+        </p:spPr>
+      </p:pic>
+      <p:sp>
+        <p:nvSpPr>
+          <p:cNvPr id="7" name="6 CuadroTexto"/>
+          <p:cNvSpPr txBox="1"/>
+          <p:nvPr/>
+        </p:nvSpPr>
+        <p:spPr>
+          <a:xfrm>
+            <a:off x="8981492" y="1295103"/>
+            <a:ext cx="669799" cy="430887"/>
+          </a:xfrm>
+          <a:prstGeom prst="rect">
+            <a:avLst/>
+          </a:prstGeom>
+          <a:noFill/>
+        </p:spPr>
+        <p:txBody>
+          <a:bodyPr wrap="none" rtlCol="0">
+            <a:spAutoFit/>
+          </a:bodyPr>
+          <a:lstStyle>
+            <a:defPPr>
+              <a:defRPr lang="es-ES"/>
+            </a:defPPr>
+            <a:lvl1pPr marL="0" algn="l" defTabSz="914400" rtl="0" eaLnBrk="1" latinLnBrk="0" hangingPunct="1">
+              <a:defRPr sz="1800" kern="1200">
+                <a:solidFill>
+                  <a:schemeClr val="tx1"/>
+                </a:solidFill>
+                <a:latin typeface="+mn-lt"/>
+                <a:ea typeface="+mn-ea"/>
+                <a:cs typeface="+mn-cs"/>
+              </a:defRPr>
+            </a:lvl1pPr>
+            <a:lvl2pPr marL="457200" algn="l" defTabSz="914400" rtl="0" eaLnBrk="1" latinLnBrk="0" hangingPunct="1">
+              <a:defRPr sz="1800" kern="1200">
+                <a:solidFill>
+                  <a:schemeClr val="tx1"/>
+                </a:solidFill>
+                <a:latin typeface="+mn-lt"/>
+                <a:ea typeface="+mn-ea"/>
+                <a:cs typeface="+mn-cs"/>
+              </a:defRPr>
+            </a:lvl2pPr>
+            <a:lvl3pPr marL="914400" algn="l" defTabSz="914400" rtl="0" eaLnBrk="1" latinLnBrk="0" hangingPunct="1">
+              <a:defRPr sz="1800" kern="1200">
+                <a:solidFill>
+                  <a:schemeClr val="tx1"/>
+                </a:solidFill>
+                <a:latin typeface="+mn-lt"/>
+                <a:ea typeface="+mn-ea"/>
+                <a:cs typeface="+mn-cs"/>
+              </a:defRPr>
+            </a:lvl3pPr>
+            <a:lvl4pPr marL="1371600" algn="l" defTabSz="914400" rtl="0" eaLnBrk="1" latinLnBrk="0" hangingPunct="1">
+              <a:defRPr sz="1800" kern="1200">
+                <a:solidFill>
+                  <a:schemeClr val="tx1"/>
+                </a:solidFill>
+                <a:latin typeface="+mn-lt"/>
+                <a:ea typeface="+mn-ea"/>
+                <a:cs typeface="+mn-cs"/>
+              </a:defRPr>
+            </a:lvl4pPr>
+            <a:lvl5pPr marL="1828800" algn="l" defTabSz="914400" rtl="0" eaLnBrk="1" latinLnBrk="0" hangingPunct="1">
+              <a:defRPr sz="1800" kern="1200">
+                <a:solidFill>
+                  <a:schemeClr val="tx1"/>
+                </a:solidFill>
+                <a:latin typeface="+mn-lt"/>
+                <a:ea typeface="+mn-ea"/>
+                <a:cs typeface="+mn-cs"/>
+              </a:defRPr>
+            </a:lvl5pPr>
+            <a:lvl6pPr marL="2286000" algn="l" defTabSz="914400" rtl="0" eaLnBrk="1" latinLnBrk="0" hangingPunct="1">
+              <a:defRPr sz="1800" kern="1200">
+                <a:solidFill>
+                  <a:schemeClr val="tx1"/>
+                </a:solidFill>
+                <a:latin typeface="+mn-lt"/>
+                <a:ea typeface="+mn-ea"/>
+                <a:cs typeface="+mn-cs"/>
+              </a:defRPr>
+            </a:lvl6pPr>
+            <a:lvl7pPr marL="2743200" algn="l" defTabSz="914400" rtl="0" eaLnBrk="1" latinLnBrk="0" hangingPunct="1">
+              <a:defRPr sz="1800" kern="1200">
+                <a:solidFill>
+                  <a:schemeClr val="tx1"/>
+                </a:solidFill>
+                <a:latin typeface="+mn-lt"/>
+                <a:ea typeface="+mn-ea"/>
+                <a:cs typeface="+mn-cs"/>
+              </a:defRPr>
+            </a:lvl7pPr>
+            <a:lvl8pPr marL="3200400" algn="l" defTabSz="914400" rtl="0" eaLnBrk="1" latinLnBrk="0" hangingPunct="1">
+              <a:defRPr sz="1800" kern="1200">
+                <a:solidFill>
+                  <a:schemeClr val="tx1"/>
+                </a:solidFill>
+                <a:latin typeface="+mn-lt"/>
+                <a:ea typeface="+mn-ea"/>
+                <a:cs typeface="+mn-cs"/>
+              </a:defRPr>
+            </a:lvl8pPr>
+            <a:lvl9pPr marL="3657600" algn="l" defTabSz="914400" rtl="0" eaLnBrk="1" latinLnBrk="0" hangingPunct="1">
+              <a:defRPr sz="1800" kern="1200">
+                <a:solidFill>
+                  <a:schemeClr val="tx1"/>
+                </a:solidFill>
+                <a:latin typeface="+mn-lt"/>
+                <a:ea typeface="+mn-ea"/>
+                <a:cs typeface="+mn-cs"/>
+              </a:defRPr>
+            </a:lvl9pPr>
+          </a:lstStyle>
+          <a:p>
+            <a:r>
+              <a:rPr lang="es-ES" sz="2200" dirty="0" smtClean="0"/>
+              <a:t>[r/s]</a:t>
+            </a:r>
+            <a:endParaRPr lang="es-ES" sz="2200" dirty="0"/>
+          </a:p>
+        </p:txBody>
+      </p:sp>
+      <p:sp>
+        <p:nvSpPr>
+          <p:cNvPr id="8" name="7 CuadroTexto"/>
+          <p:cNvSpPr txBox="1"/>
+          <p:nvPr/>
+        </p:nvSpPr>
+        <p:spPr>
+          <a:xfrm>
+            <a:off x="1793111" y="2741369"/>
+            <a:ext cx="8000203" cy="677108"/>
+          </a:xfrm>
+          <a:prstGeom prst="rect">
+            <a:avLst/>
+          </a:prstGeom>
+          <a:noFill/>
+        </p:spPr>
+        <p:txBody>
+          <a:bodyPr wrap="none" rtlCol="0">
+            <a:spAutoFit/>
+          </a:bodyPr>
+          <a:lstStyle>
+            <a:defPPr>
+              <a:defRPr lang="es-ES"/>
+            </a:defPPr>
+            <a:lvl1pPr marL="0" algn="l" defTabSz="914400" rtl="0" eaLnBrk="1" latinLnBrk="0" hangingPunct="1">
+              <a:defRPr sz="1800" kern="1200">
+                <a:solidFill>
+                  <a:schemeClr val="tx1"/>
+                </a:solidFill>
+                <a:latin typeface="+mn-lt"/>
+                <a:ea typeface="+mn-ea"/>
+                <a:cs typeface="+mn-cs"/>
+              </a:defRPr>
+            </a:lvl1pPr>
+            <a:lvl2pPr marL="457200" algn="l" defTabSz="914400" rtl="0" eaLnBrk="1" latinLnBrk="0" hangingPunct="1">
+              <a:defRPr sz="1800" kern="1200">
+                <a:solidFill>
+                  <a:schemeClr val="tx1"/>
+                </a:solidFill>
+                <a:latin typeface="+mn-lt"/>
+                <a:ea typeface="+mn-ea"/>
+                <a:cs typeface="+mn-cs"/>
+              </a:defRPr>
+            </a:lvl2pPr>
+            <a:lvl3pPr marL="914400" algn="l" defTabSz="914400" rtl="0" eaLnBrk="1" latinLnBrk="0" hangingPunct="1">
+              <a:defRPr sz="1800" kern="1200">
+                <a:solidFill>
+                  <a:schemeClr val="tx1"/>
+                </a:solidFill>
+                <a:latin typeface="+mn-lt"/>
+                <a:ea typeface="+mn-ea"/>
+                <a:cs typeface="+mn-cs"/>
+              </a:defRPr>
+            </a:lvl3pPr>
+            <a:lvl4pPr marL="1371600" algn="l" defTabSz="914400" rtl="0" eaLnBrk="1" latinLnBrk="0" hangingPunct="1">
+              <a:defRPr sz="1800" kern="1200">
+                <a:solidFill>
+                  <a:schemeClr val="tx1"/>
+                </a:solidFill>
+                <a:latin typeface="+mn-lt"/>
+                <a:ea typeface="+mn-ea"/>
+                <a:cs typeface="+mn-cs"/>
+              </a:defRPr>
+            </a:lvl4pPr>
+            <a:lvl5pPr marL="1828800" algn="l" defTabSz="914400" rtl="0" eaLnBrk="1" latinLnBrk="0" hangingPunct="1">
+              <a:defRPr sz="1800" kern="1200">
+                <a:solidFill>
+                  <a:schemeClr val="tx1"/>
+                </a:solidFill>
+                <a:latin typeface="+mn-lt"/>
+                <a:ea typeface="+mn-ea"/>
+                <a:cs typeface="+mn-cs"/>
+              </a:defRPr>
+            </a:lvl5pPr>
+            <a:lvl6pPr marL="2286000" algn="l" defTabSz="914400" rtl="0" eaLnBrk="1" latinLnBrk="0" hangingPunct="1">
+              <a:defRPr sz="1800" kern="1200">
+                <a:solidFill>
+                  <a:schemeClr val="tx1"/>
+                </a:solidFill>
+                <a:latin typeface="+mn-lt"/>
+                <a:ea typeface="+mn-ea"/>
+                <a:cs typeface="+mn-cs"/>
+              </a:defRPr>
+            </a:lvl6pPr>
+            <a:lvl7pPr marL="2743200" algn="l" defTabSz="914400" rtl="0" eaLnBrk="1" latinLnBrk="0" hangingPunct="1">
+              <a:defRPr sz="1800" kern="1200">
+                <a:solidFill>
+                  <a:schemeClr val="tx1"/>
+                </a:solidFill>
+                <a:latin typeface="+mn-lt"/>
+                <a:ea typeface="+mn-ea"/>
+                <a:cs typeface="+mn-cs"/>
+              </a:defRPr>
+            </a:lvl7pPr>
+            <a:lvl8pPr marL="3200400" algn="l" defTabSz="914400" rtl="0" eaLnBrk="1" latinLnBrk="0" hangingPunct="1">
+              <a:defRPr sz="1800" kern="1200">
+                <a:solidFill>
+                  <a:schemeClr val="tx1"/>
+                </a:solidFill>
+                <a:latin typeface="+mn-lt"/>
+                <a:ea typeface="+mn-ea"/>
+                <a:cs typeface="+mn-cs"/>
+              </a:defRPr>
+            </a:lvl8pPr>
+            <a:lvl9pPr marL="3657600" algn="l" defTabSz="914400" rtl="0" eaLnBrk="1" latinLnBrk="0" hangingPunct="1">
+              <a:defRPr sz="1800" kern="1200">
+                <a:solidFill>
+                  <a:schemeClr val="tx1"/>
+                </a:solidFill>
+                <a:latin typeface="+mn-lt"/>
+                <a:ea typeface="+mn-ea"/>
+                <a:cs typeface="+mn-cs"/>
+              </a:defRPr>
+            </a:lvl9pPr>
+          </a:lstStyle>
+          <a:p>
+            <a:r>
+              <a:rPr lang="es-ES" sz="3800" b="1" dirty="0" smtClean="0"/>
+              <a:t>Señales </a:t>
+            </a:r>
+            <a:r>
+              <a:rPr lang="es-ES" sz="3800" b="1" dirty="0" err="1" smtClean="0"/>
+              <a:t>senoidales</a:t>
+            </a:r>
+            <a:r>
+              <a:rPr lang="es-ES" sz="3800" b="1" dirty="0" smtClean="0"/>
+              <a:t> de Tiempo Discreto</a:t>
+            </a:r>
+            <a:endParaRPr lang="es-ES" sz="3800" b="1" dirty="0"/>
+          </a:p>
+        </p:txBody>
+      </p:sp>
+      <p:pic>
+        <p:nvPicPr>
+          <p:cNvPr id="9" name="Imagen 8"/>
+          <p:cNvPicPr>
+            <a:picLocks noChangeAspect="1" noChangeArrowheads="1"/>
+          </p:cNvPicPr>
+          <p:nvPr/>
+        </p:nvPicPr>
+        <p:blipFill>
+          <a:blip r:embed="rId4" cstate="print">
+            <a:extLst>
+              <a:ext uri="{28A0092B-C50C-407E-A947-70E740481C1C}">
+                <a14:useLocalDpi xmlns:a14="http://schemas.microsoft.com/office/drawing/2010/main" val="0"/>
+              </a:ext>
+            </a:extLst>
+          </a:blip>
+          <a:srcRect/>
+          <a:stretch>
+            <a:fillRect/>
+          </a:stretch>
+        </p:blipFill>
+        <p:spPr bwMode="auto">
+          <a:xfrm>
+            <a:off x="3026637" y="3704949"/>
+            <a:ext cx="4195762" cy="590550"/>
+          </a:xfrm>
+          <a:prstGeom prst="rect">
+            <a:avLst/>
+          </a:prstGeom>
+          <a:noFill/>
+          <a:extLst>
+            <a:ext uri="{909E8E84-426E-40DD-AFC4-6F175D3DCCD1}">
+              <a14:hiddenFill xmlns:a14="http://schemas.microsoft.com/office/drawing/2010/main">
+                <a:solidFill>
+                  <a:srgbClr val="FFFFFF"/>
+                </a:solidFill>
+              </a14:hiddenFill>
+            </a:ext>
+          </a:extLst>
+        </p:spPr>
+      </p:pic>
+      <p:sp>
+        <p:nvSpPr>
+          <p:cNvPr id="10" name="9 CuadroTexto"/>
+          <p:cNvSpPr txBox="1"/>
+          <p:nvPr/>
+        </p:nvSpPr>
+        <p:spPr>
+          <a:xfrm>
+            <a:off x="1748326" y="294971"/>
+            <a:ext cx="8188717" cy="677108"/>
+          </a:xfrm>
+          <a:prstGeom prst="rect">
+            <a:avLst/>
+          </a:prstGeom>
+          <a:noFill/>
+        </p:spPr>
+        <p:txBody>
+          <a:bodyPr wrap="none" rtlCol="0">
+            <a:spAutoFit/>
+          </a:bodyPr>
+          <a:lstStyle>
+            <a:defPPr>
+              <a:defRPr lang="es-ES"/>
+            </a:defPPr>
+            <a:lvl1pPr marL="0" algn="l" defTabSz="914400" rtl="0" eaLnBrk="1" latinLnBrk="0" hangingPunct="1">
+              <a:defRPr sz="1800" kern="1200">
+                <a:solidFill>
+                  <a:schemeClr val="tx1"/>
+                </a:solidFill>
+                <a:latin typeface="+mn-lt"/>
+                <a:ea typeface="+mn-ea"/>
+                <a:cs typeface="+mn-cs"/>
+              </a:defRPr>
+            </a:lvl1pPr>
+            <a:lvl2pPr marL="457200" algn="l" defTabSz="914400" rtl="0" eaLnBrk="1" latinLnBrk="0" hangingPunct="1">
+              <a:defRPr sz="1800" kern="1200">
+                <a:solidFill>
+                  <a:schemeClr val="tx1"/>
+                </a:solidFill>
+                <a:latin typeface="+mn-lt"/>
+                <a:ea typeface="+mn-ea"/>
+                <a:cs typeface="+mn-cs"/>
+              </a:defRPr>
+            </a:lvl2pPr>
+            <a:lvl3pPr marL="914400" algn="l" defTabSz="914400" rtl="0" eaLnBrk="1" latinLnBrk="0" hangingPunct="1">
+              <a:defRPr sz="1800" kern="1200">
+                <a:solidFill>
+                  <a:schemeClr val="tx1"/>
+                </a:solidFill>
+                <a:latin typeface="+mn-lt"/>
+                <a:ea typeface="+mn-ea"/>
+                <a:cs typeface="+mn-cs"/>
+              </a:defRPr>
+            </a:lvl3pPr>
+            <a:lvl4pPr marL="1371600" algn="l" defTabSz="914400" rtl="0" eaLnBrk="1" latinLnBrk="0" hangingPunct="1">
+              <a:defRPr sz="1800" kern="1200">
+                <a:solidFill>
+                  <a:schemeClr val="tx1"/>
+                </a:solidFill>
+                <a:latin typeface="+mn-lt"/>
+                <a:ea typeface="+mn-ea"/>
+                <a:cs typeface="+mn-cs"/>
+              </a:defRPr>
+            </a:lvl4pPr>
+            <a:lvl5pPr marL="1828800" algn="l" defTabSz="914400" rtl="0" eaLnBrk="1" latinLnBrk="0" hangingPunct="1">
+              <a:defRPr sz="1800" kern="1200">
+                <a:solidFill>
+                  <a:schemeClr val="tx1"/>
+                </a:solidFill>
+                <a:latin typeface="+mn-lt"/>
+                <a:ea typeface="+mn-ea"/>
+                <a:cs typeface="+mn-cs"/>
+              </a:defRPr>
+            </a:lvl5pPr>
+            <a:lvl6pPr marL="2286000" algn="l" defTabSz="914400" rtl="0" eaLnBrk="1" latinLnBrk="0" hangingPunct="1">
+              <a:defRPr sz="1800" kern="1200">
+                <a:solidFill>
+                  <a:schemeClr val="tx1"/>
+                </a:solidFill>
+                <a:latin typeface="+mn-lt"/>
+                <a:ea typeface="+mn-ea"/>
+                <a:cs typeface="+mn-cs"/>
+              </a:defRPr>
+            </a:lvl6pPr>
+            <a:lvl7pPr marL="2743200" algn="l" defTabSz="914400" rtl="0" eaLnBrk="1" latinLnBrk="0" hangingPunct="1">
+              <a:defRPr sz="1800" kern="1200">
+                <a:solidFill>
+                  <a:schemeClr val="tx1"/>
+                </a:solidFill>
+                <a:latin typeface="+mn-lt"/>
+                <a:ea typeface="+mn-ea"/>
+                <a:cs typeface="+mn-cs"/>
+              </a:defRPr>
+            </a:lvl7pPr>
+            <a:lvl8pPr marL="3200400" algn="l" defTabSz="914400" rtl="0" eaLnBrk="1" latinLnBrk="0" hangingPunct="1">
+              <a:defRPr sz="1800" kern="1200">
+                <a:solidFill>
+                  <a:schemeClr val="tx1"/>
+                </a:solidFill>
+                <a:latin typeface="+mn-lt"/>
+                <a:ea typeface="+mn-ea"/>
+                <a:cs typeface="+mn-cs"/>
+              </a:defRPr>
+            </a:lvl8pPr>
+            <a:lvl9pPr marL="3657600" algn="l" defTabSz="914400" rtl="0" eaLnBrk="1" latinLnBrk="0" hangingPunct="1">
+              <a:defRPr sz="1800" kern="1200">
+                <a:solidFill>
+                  <a:schemeClr val="tx1"/>
+                </a:solidFill>
+                <a:latin typeface="+mn-lt"/>
+                <a:ea typeface="+mn-ea"/>
+                <a:cs typeface="+mn-cs"/>
+              </a:defRPr>
+            </a:lvl9pPr>
+          </a:lstStyle>
+          <a:p>
+            <a:r>
+              <a:rPr lang="es-ES" sz="3800" b="1" dirty="0" smtClean="0"/>
+              <a:t>Señales </a:t>
+            </a:r>
+            <a:r>
+              <a:rPr lang="es-ES" sz="3800" b="1" dirty="0" err="1" smtClean="0"/>
+              <a:t>senoidales</a:t>
+            </a:r>
+            <a:r>
+              <a:rPr lang="es-ES" sz="3800" b="1" dirty="0" smtClean="0"/>
+              <a:t> de Tiempo Continuo</a:t>
+            </a:r>
+            <a:endParaRPr lang="es-ES" sz="3800" b="1" dirty="0"/>
+          </a:p>
+        </p:txBody>
+      </p:sp>
+      <p:pic>
+        <p:nvPicPr>
+          <p:cNvPr id="11" name="Imagen 10"/>
+          <p:cNvPicPr>
+            <a:picLocks noChangeAspect="1" noChangeArrowheads="1"/>
+          </p:cNvPicPr>
+          <p:nvPr/>
+        </p:nvPicPr>
+        <p:blipFill>
+          <a:blip r:embed="rId5" cstate="print">
+            <a:extLst>
+              <a:ext uri="{28A0092B-C50C-407E-A947-70E740481C1C}">
+                <a14:useLocalDpi xmlns:a14="http://schemas.microsoft.com/office/drawing/2010/main" val="0"/>
+              </a:ext>
+            </a:extLst>
+          </a:blip>
+          <a:srcRect/>
+          <a:stretch>
+            <a:fillRect/>
+          </a:stretch>
+        </p:blipFill>
+        <p:spPr bwMode="auto">
+          <a:xfrm>
+            <a:off x="2396392" y="1223665"/>
+            <a:ext cx="3825875" cy="561975"/>
+          </a:xfrm>
+          <a:prstGeom prst="rect">
+            <a:avLst/>
+          </a:prstGeom>
+          <a:noFill/>
+          <a:extLst>
+            <a:ext uri="{909E8E84-426E-40DD-AFC4-6F175D3DCCD1}">
+              <a14:hiddenFill xmlns:a14="http://schemas.microsoft.com/office/drawing/2010/main">
+                <a:solidFill>
+                  <a:srgbClr val="FFFFFF"/>
+                </a:solidFill>
+              </a14:hiddenFill>
+            </a:ext>
+          </a:extLst>
+        </p:spPr>
+      </p:pic>
+      <p:sp>
+        <p:nvSpPr>
+          <p:cNvPr id="12" name="11 CuadroTexto"/>
+          <p:cNvSpPr txBox="1"/>
+          <p:nvPr/>
+        </p:nvSpPr>
+        <p:spPr>
+          <a:xfrm>
+            <a:off x="8474006" y="4938441"/>
+            <a:ext cx="1507849" cy="430887"/>
+          </a:xfrm>
+          <a:prstGeom prst="rect">
+            <a:avLst/>
+          </a:prstGeom>
+          <a:noFill/>
+        </p:spPr>
+        <p:txBody>
+          <a:bodyPr wrap="none" rtlCol="0">
+            <a:spAutoFit/>
+          </a:bodyPr>
+          <a:lstStyle>
+            <a:defPPr>
+              <a:defRPr lang="es-ES"/>
+            </a:defPPr>
+            <a:lvl1pPr marL="0" algn="l" defTabSz="914400" rtl="0" eaLnBrk="1" latinLnBrk="0" hangingPunct="1">
+              <a:defRPr sz="1800" kern="1200">
+                <a:solidFill>
+                  <a:schemeClr val="tx1"/>
+                </a:solidFill>
+                <a:latin typeface="+mn-lt"/>
+                <a:ea typeface="+mn-ea"/>
+                <a:cs typeface="+mn-cs"/>
+              </a:defRPr>
+            </a:lvl1pPr>
+            <a:lvl2pPr marL="457200" algn="l" defTabSz="914400" rtl="0" eaLnBrk="1" latinLnBrk="0" hangingPunct="1">
+              <a:defRPr sz="1800" kern="1200">
+                <a:solidFill>
+                  <a:schemeClr val="tx1"/>
+                </a:solidFill>
+                <a:latin typeface="+mn-lt"/>
+                <a:ea typeface="+mn-ea"/>
+                <a:cs typeface="+mn-cs"/>
+              </a:defRPr>
+            </a:lvl2pPr>
+            <a:lvl3pPr marL="914400" algn="l" defTabSz="914400" rtl="0" eaLnBrk="1" latinLnBrk="0" hangingPunct="1">
+              <a:defRPr sz="1800" kern="1200">
+                <a:solidFill>
+                  <a:schemeClr val="tx1"/>
+                </a:solidFill>
+                <a:latin typeface="+mn-lt"/>
+                <a:ea typeface="+mn-ea"/>
+                <a:cs typeface="+mn-cs"/>
+              </a:defRPr>
+            </a:lvl3pPr>
+            <a:lvl4pPr marL="1371600" algn="l" defTabSz="914400" rtl="0" eaLnBrk="1" latinLnBrk="0" hangingPunct="1">
+              <a:defRPr sz="1800" kern="1200">
+                <a:solidFill>
+                  <a:schemeClr val="tx1"/>
+                </a:solidFill>
+                <a:latin typeface="+mn-lt"/>
+                <a:ea typeface="+mn-ea"/>
+                <a:cs typeface="+mn-cs"/>
+              </a:defRPr>
+            </a:lvl4pPr>
+            <a:lvl5pPr marL="1828800" algn="l" defTabSz="914400" rtl="0" eaLnBrk="1" latinLnBrk="0" hangingPunct="1">
+              <a:defRPr sz="1800" kern="1200">
+                <a:solidFill>
+                  <a:schemeClr val="tx1"/>
+                </a:solidFill>
+                <a:latin typeface="+mn-lt"/>
+                <a:ea typeface="+mn-ea"/>
+                <a:cs typeface="+mn-cs"/>
+              </a:defRPr>
+            </a:lvl5pPr>
+            <a:lvl6pPr marL="2286000" algn="l" defTabSz="914400" rtl="0" eaLnBrk="1" latinLnBrk="0" hangingPunct="1">
+              <a:defRPr sz="1800" kern="1200">
+                <a:solidFill>
+                  <a:schemeClr val="tx1"/>
+                </a:solidFill>
+                <a:latin typeface="+mn-lt"/>
+                <a:ea typeface="+mn-ea"/>
+                <a:cs typeface="+mn-cs"/>
+              </a:defRPr>
+            </a:lvl6pPr>
+            <a:lvl7pPr marL="2743200" algn="l" defTabSz="914400" rtl="0" eaLnBrk="1" latinLnBrk="0" hangingPunct="1">
+              <a:defRPr sz="1800" kern="1200">
+                <a:solidFill>
+                  <a:schemeClr val="tx1"/>
+                </a:solidFill>
+                <a:latin typeface="+mn-lt"/>
+                <a:ea typeface="+mn-ea"/>
+                <a:cs typeface="+mn-cs"/>
+              </a:defRPr>
+            </a:lvl7pPr>
+            <a:lvl8pPr marL="3200400" algn="l" defTabSz="914400" rtl="0" eaLnBrk="1" latinLnBrk="0" hangingPunct="1">
+              <a:defRPr sz="1800" kern="1200">
+                <a:solidFill>
+                  <a:schemeClr val="tx1"/>
+                </a:solidFill>
+                <a:latin typeface="+mn-lt"/>
+                <a:ea typeface="+mn-ea"/>
+                <a:cs typeface="+mn-cs"/>
+              </a:defRPr>
+            </a:lvl8pPr>
+            <a:lvl9pPr marL="3657600" algn="l" defTabSz="914400" rtl="0" eaLnBrk="1" latinLnBrk="0" hangingPunct="1">
+              <a:defRPr sz="1800" kern="1200">
+                <a:solidFill>
+                  <a:schemeClr val="tx1"/>
+                </a:solidFill>
+                <a:latin typeface="+mn-lt"/>
+                <a:ea typeface="+mn-ea"/>
+                <a:cs typeface="+mn-cs"/>
+              </a:defRPr>
+            </a:lvl9pPr>
+          </a:lstStyle>
+          <a:p>
+            <a:r>
+              <a:rPr lang="es-ES" sz="2200" dirty="0" smtClean="0"/>
+              <a:t>[r/muestra]</a:t>
+            </a:r>
+            <a:endParaRPr lang="es-ES" sz="2200" dirty="0"/>
+          </a:p>
+        </p:txBody>
+      </p:sp>
+      <p:sp>
+        <p:nvSpPr>
+          <p:cNvPr id="13" name="13 CuadroTexto"/>
+          <p:cNvSpPr txBox="1"/>
+          <p:nvPr/>
+        </p:nvSpPr>
+        <p:spPr>
+          <a:xfrm>
+            <a:off x="6189397" y="1282961"/>
+            <a:ext cx="247184" cy="369332"/>
+          </a:xfrm>
+          <a:prstGeom prst="rect">
+            <a:avLst/>
+          </a:prstGeom>
+          <a:noFill/>
+        </p:spPr>
+        <p:txBody>
+          <a:bodyPr wrap="square" rtlCol="0">
+            <a:spAutoFit/>
+          </a:bodyPr>
+          <a:lstStyle>
+            <a:defPPr>
+              <a:defRPr lang="es-ES"/>
+            </a:defPPr>
+            <a:lvl1pPr marL="0" algn="l" defTabSz="914400" rtl="0" eaLnBrk="1" latinLnBrk="0" hangingPunct="1">
+              <a:defRPr sz="1800" kern="1200">
+                <a:solidFill>
+                  <a:schemeClr val="tx1"/>
+                </a:solidFill>
+                <a:latin typeface="+mn-lt"/>
+                <a:ea typeface="+mn-ea"/>
+                <a:cs typeface="+mn-cs"/>
+              </a:defRPr>
+            </a:lvl1pPr>
+            <a:lvl2pPr marL="457200" algn="l" defTabSz="914400" rtl="0" eaLnBrk="1" latinLnBrk="0" hangingPunct="1">
+              <a:defRPr sz="1800" kern="1200">
+                <a:solidFill>
+                  <a:schemeClr val="tx1"/>
+                </a:solidFill>
+                <a:latin typeface="+mn-lt"/>
+                <a:ea typeface="+mn-ea"/>
+                <a:cs typeface="+mn-cs"/>
+              </a:defRPr>
+            </a:lvl2pPr>
+            <a:lvl3pPr marL="914400" algn="l" defTabSz="914400" rtl="0" eaLnBrk="1" latinLnBrk="0" hangingPunct="1">
+              <a:defRPr sz="1800" kern="1200">
+                <a:solidFill>
+                  <a:schemeClr val="tx1"/>
+                </a:solidFill>
+                <a:latin typeface="+mn-lt"/>
+                <a:ea typeface="+mn-ea"/>
+                <a:cs typeface="+mn-cs"/>
+              </a:defRPr>
+            </a:lvl3pPr>
+            <a:lvl4pPr marL="1371600" algn="l" defTabSz="914400" rtl="0" eaLnBrk="1" latinLnBrk="0" hangingPunct="1">
+              <a:defRPr sz="1800" kern="1200">
+                <a:solidFill>
+                  <a:schemeClr val="tx1"/>
+                </a:solidFill>
+                <a:latin typeface="+mn-lt"/>
+                <a:ea typeface="+mn-ea"/>
+                <a:cs typeface="+mn-cs"/>
+              </a:defRPr>
+            </a:lvl4pPr>
+            <a:lvl5pPr marL="1828800" algn="l" defTabSz="914400" rtl="0" eaLnBrk="1" latinLnBrk="0" hangingPunct="1">
+              <a:defRPr sz="1800" kern="1200">
+                <a:solidFill>
+                  <a:schemeClr val="tx1"/>
+                </a:solidFill>
+                <a:latin typeface="+mn-lt"/>
+                <a:ea typeface="+mn-ea"/>
+                <a:cs typeface="+mn-cs"/>
+              </a:defRPr>
+            </a:lvl5pPr>
+            <a:lvl6pPr marL="2286000" algn="l" defTabSz="914400" rtl="0" eaLnBrk="1" latinLnBrk="0" hangingPunct="1">
+              <a:defRPr sz="1800" kern="1200">
+                <a:solidFill>
+                  <a:schemeClr val="tx1"/>
+                </a:solidFill>
+                <a:latin typeface="+mn-lt"/>
+                <a:ea typeface="+mn-ea"/>
+                <a:cs typeface="+mn-cs"/>
+              </a:defRPr>
+            </a:lvl6pPr>
+            <a:lvl7pPr marL="2743200" algn="l" defTabSz="914400" rtl="0" eaLnBrk="1" latinLnBrk="0" hangingPunct="1">
+              <a:defRPr sz="1800" kern="1200">
+                <a:solidFill>
+                  <a:schemeClr val="tx1"/>
+                </a:solidFill>
+                <a:latin typeface="+mn-lt"/>
+                <a:ea typeface="+mn-ea"/>
+                <a:cs typeface="+mn-cs"/>
+              </a:defRPr>
+            </a:lvl7pPr>
+            <a:lvl8pPr marL="3200400" algn="l" defTabSz="914400" rtl="0" eaLnBrk="1" latinLnBrk="0" hangingPunct="1">
+              <a:defRPr sz="1800" kern="1200">
+                <a:solidFill>
+                  <a:schemeClr val="tx1"/>
+                </a:solidFill>
+                <a:latin typeface="+mn-lt"/>
+                <a:ea typeface="+mn-ea"/>
+                <a:cs typeface="+mn-cs"/>
+              </a:defRPr>
+            </a:lvl8pPr>
+            <a:lvl9pPr marL="3657600" algn="l" defTabSz="914400" rtl="0" eaLnBrk="1" latinLnBrk="0" hangingPunct="1">
+              <a:defRPr sz="1800" kern="1200">
+                <a:solidFill>
+                  <a:schemeClr val="tx1"/>
+                </a:solidFill>
+                <a:latin typeface="+mn-lt"/>
+                <a:ea typeface="+mn-ea"/>
+                <a:cs typeface="+mn-cs"/>
+              </a:defRPr>
+            </a:lvl9pPr>
+          </a:lstStyle>
+          <a:p>
+            <a:r>
+              <a:rPr lang="es-ES" dirty="0" smtClean="0"/>
+              <a:t>;</a:t>
+            </a:r>
+            <a:endParaRPr lang="es-ES" dirty="0"/>
+          </a:p>
+        </p:txBody>
+      </p:sp>
+      <p:sp>
+        <p:nvSpPr>
+          <p:cNvPr id="14" name="14 CuadroTexto"/>
+          <p:cNvSpPr txBox="1"/>
+          <p:nvPr/>
+        </p:nvSpPr>
+        <p:spPr>
+          <a:xfrm>
+            <a:off x="7597874" y="3795433"/>
+            <a:ext cx="1196161" cy="430887"/>
+          </a:xfrm>
+          <a:prstGeom prst="rect">
+            <a:avLst/>
+          </a:prstGeom>
+          <a:noFill/>
+        </p:spPr>
+        <p:txBody>
+          <a:bodyPr wrap="none" rtlCol="0">
+            <a:spAutoFit/>
+          </a:bodyPr>
+          <a:lstStyle>
+            <a:defPPr>
+              <a:defRPr lang="es-ES"/>
+            </a:defPPr>
+            <a:lvl1pPr marL="0" algn="l" defTabSz="914400" rtl="0" eaLnBrk="1" latinLnBrk="0" hangingPunct="1">
+              <a:defRPr sz="1800" kern="1200">
+                <a:solidFill>
+                  <a:schemeClr val="tx1"/>
+                </a:solidFill>
+                <a:latin typeface="+mn-lt"/>
+                <a:ea typeface="+mn-ea"/>
+                <a:cs typeface="+mn-cs"/>
+              </a:defRPr>
+            </a:lvl1pPr>
+            <a:lvl2pPr marL="457200" algn="l" defTabSz="914400" rtl="0" eaLnBrk="1" latinLnBrk="0" hangingPunct="1">
+              <a:defRPr sz="1800" kern="1200">
+                <a:solidFill>
+                  <a:schemeClr val="tx1"/>
+                </a:solidFill>
+                <a:latin typeface="+mn-lt"/>
+                <a:ea typeface="+mn-ea"/>
+                <a:cs typeface="+mn-cs"/>
+              </a:defRPr>
+            </a:lvl2pPr>
+            <a:lvl3pPr marL="914400" algn="l" defTabSz="914400" rtl="0" eaLnBrk="1" latinLnBrk="0" hangingPunct="1">
+              <a:defRPr sz="1800" kern="1200">
+                <a:solidFill>
+                  <a:schemeClr val="tx1"/>
+                </a:solidFill>
+                <a:latin typeface="+mn-lt"/>
+                <a:ea typeface="+mn-ea"/>
+                <a:cs typeface="+mn-cs"/>
+              </a:defRPr>
+            </a:lvl3pPr>
+            <a:lvl4pPr marL="1371600" algn="l" defTabSz="914400" rtl="0" eaLnBrk="1" latinLnBrk="0" hangingPunct="1">
+              <a:defRPr sz="1800" kern="1200">
+                <a:solidFill>
+                  <a:schemeClr val="tx1"/>
+                </a:solidFill>
+                <a:latin typeface="+mn-lt"/>
+                <a:ea typeface="+mn-ea"/>
+                <a:cs typeface="+mn-cs"/>
+              </a:defRPr>
+            </a:lvl4pPr>
+            <a:lvl5pPr marL="1828800" algn="l" defTabSz="914400" rtl="0" eaLnBrk="1" latinLnBrk="0" hangingPunct="1">
+              <a:defRPr sz="1800" kern="1200">
+                <a:solidFill>
+                  <a:schemeClr val="tx1"/>
+                </a:solidFill>
+                <a:latin typeface="+mn-lt"/>
+                <a:ea typeface="+mn-ea"/>
+                <a:cs typeface="+mn-cs"/>
+              </a:defRPr>
+            </a:lvl5pPr>
+            <a:lvl6pPr marL="2286000" algn="l" defTabSz="914400" rtl="0" eaLnBrk="1" latinLnBrk="0" hangingPunct="1">
+              <a:defRPr sz="1800" kern="1200">
+                <a:solidFill>
+                  <a:schemeClr val="tx1"/>
+                </a:solidFill>
+                <a:latin typeface="+mn-lt"/>
+                <a:ea typeface="+mn-ea"/>
+                <a:cs typeface="+mn-cs"/>
+              </a:defRPr>
+            </a:lvl6pPr>
+            <a:lvl7pPr marL="2743200" algn="l" defTabSz="914400" rtl="0" eaLnBrk="1" latinLnBrk="0" hangingPunct="1">
+              <a:defRPr sz="1800" kern="1200">
+                <a:solidFill>
+                  <a:schemeClr val="tx1"/>
+                </a:solidFill>
+                <a:latin typeface="+mn-lt"/>
+                <a:ea typeface="+mn-ea"/>
+                <a:cs typeface="+mn-cs"/>
+              </a:defRPr>
+            </a:lvl7pPr>
+            <a:lvl8pPr marL="3200400" algn="l" defTabSz="914400" rtl="0" eaLnBrk="1" latinLnBrk="0" hangingPunct="1">
+              <a:defRPr sz="1800" kern="1200">
+                <a:solidFill>
+                  <a:schemeClr val="tx1"/>
+                </a:solidFill>
+                <a:latin typeface="+mn-lt"/>
+                <a:ea typeface="+mn-ea"/>
+                <a:cs typeface="+mn-cs"/>
+              </a:defRPr>
+            </a:lvl8pPr>
+            <a:lvl9pPr marL="3657600" algn="l" defTabSz="914400" rtl="0" eaLnBrk="1" latinLnBrk="0" hangingPunct="1">
+              <a:defRPr sz="1800" kern="1200">
+                <a:solidFill>
+                  <a:schemeClr val="tx1"/>
+                </a:solidFill>
+                <a:latin typeface="+mn-lt"/>
+                <a:ea typeface="+mn-ea"/>
+                <a:cs typeface="+mn-cs"/>
+              </a:defRPr>
+            </a:lvl9pPr>
+          </a:lstStyle>
+          <a:p>
+            <a:r>
+              <a:rPr lang="es-ES" sz="2200" dirty="0" smtClean="0"/>
+              <a:t>;  donde:</a:t>
+            </a:r>
+            <a:endParaRPr lang="es-ES" sz="2200" dirty="0"/>
+          </a:p>
+        </p:txBody>
+      </p:sp>
+    </p:spTree>
+    <p:extLst>
+      <p:ext uri="{BB962C8B-B14F-4D97-AF65-F5344CB8AC3E}">
+        <p14:creationId xmlns:p14="http://schemas.microsoft.com/office/powerpoint/2010/main" val="646869532"/>
+      </p:ext>
+    </p:extLst>
+  </p:cSld>
+  <p:clrMapOvr>
+    <a:masterClrMapping/>
+  </p:clrMapOvr>
+</p:sld>
+</file>
+
+<file path=ppt/slides/slide3.xml><?xml version="1.0" encoding="utf-8"?>
 <p:sld xmlns:a="http://schemas.openxmlformats.org/drawingml/2006/main" xmlns:r="http://schemas.openxmlformats.org/officeDocument/2006/relationships" xmlns:p="http://schemas.openxmlformats.org/presentationml/2006/main">
   <p:cSld>
     <p:spTree>
@@ -7232,7 +9356,7 @@
 </p:sld>
 </file>
 
-<file path=ppt/slides/slide3.xml><?xml version="1.0" encoding="utf-8"?>
+<file path=ppt/slides/slide4.xml><?xml version="1.0" encoding="utf-8"?>
 <p:sld xmlns:a="http://schemas.openxmlformats.org/drawingml/2006/main" xmlns:r="http://schemas.openxmlformats.org/officeDocument/2006/relationships" xmlns:p="http://schemas.openxmlformats.org/presentationml/2006/main">
   <p:cSld>
     <p:spTree>
@@ -7836,7 +9960,7 @@
 </p:sld>
 </file>
 
-<file path=ppt/slides/slide4.xml><?xml version="1.0" encoding="utf-8"?>
+<file path=ppt/slides/slide5.xml><?xml version="1.0" encoding="utf-8"?>
 <p:sld xmlns:a="http://schemas.openxmlformats.org/drawingml/2006/main" xmlns:r="http://schemas.openxmlformats.org/officeDocument/2006/relationships" xmlns:p="http://schemas.openxmlformats.org/presentationml/2006/main">
   <p:cSld>
     <p:spTree>
@@ -8003,7 +10127,7 @@
 </p:sld>
 </file>
 
-<file path=ppt/slides/slide5.xml><?xml version="1.0" encoding="utf-8"?>
+<file path=ppt/slides/slide6.xml><?xml version="1.0" encoding="utf-8"?>
 <p:sld xmlns:a="http://schemas.openxmlformats.org/drawingml/2006/main" xmlns:r="http://schemas.openxmlformats.org/officeDocument/2006/relationships" xmlns:p="http://schemas.openxmlformats.org/presentationml/2006/main">
   <p:cSld>
     <p:spTree>
@@ -8252,7 +10376,7 @@
 </p:sld>
 </file>
 
-<file path=ppt/slides/slide6.xml><?xml version="1.0" encoding="utf-8"?>
+<file path=ppt/slides/slide7.xml><?xml version="1.0" encoding="utf-8"?>
 <p:sld xmlns:a="http://schemas.openxmlformats.org/drawingml/2006/main" xmlns:r="http://schemas.openxmlformats.org/officeDocument/2006/relationships" xmlns:p="http://schemas.openxmlformats.org/presentationml/2006/main">
   <p:cSld>
     <p:spTree>
@@ -9050,7 +11174,7 @@
 </p:sld>
 </file>
 
-<file path=ppt/slides/slide7.xml><?xml version="1.0" encoding="utf-8"?>
+<file path=ppt/slides/slide8.xml><?xml version="1.0" encoding="utf-8"?>
 <p:sld xmlns:a="http://schemas.openxmlformats.org/drawingml/2006/main" xmlns:r="http://schemas.openxmlformats.org/officeDocument/2006/relationships" xmlns:p="http://schemas.openxmlformats.org/presentationml/2006/main">
   <p:cSld>
     <p:spTree>
@@ -9375,7 +11499,7 @@
 </p:sld>
 </file>
 
-<file path=ppt/slides/slide8.xml><?xml version="1.0" encoding="utf-8"?>
+<file path=ppt/slides/slide9.xml><?xml version="1.0" encoding="utf-8"?>
 <p:sld xmlns:a="http://schemas.openxmlformats.org/drawingml/2006/main" xmlns:r="http://schemas.openxmlformats.org/officeDocument/2006/relationships" xmlns:p="http://schemas.openxmlformats.org/presentationml/2006/main">
   <p:cSld>
     <p:spTree>
@@ -9946,470 +12070,6 @@
     <p:extLst>
       <p:ext uri="{BB962C8B-B14F-4D97-AF65-F5344CB8AC3E}">
         <p14:creationId xmlns:p14="http://schemas.microsoft.com/office/powerpoint/2010/main" val="1078915684"/>
-      </p:ext>
-    </p:extLst>
-  </p:cSld>
-  <p:clrMapOvr>
-    <a:masterClrMapping/>
-  </p:clrMapOvr>
-</p:sld>
-</file>
-
-<file path=ppt/slides/slide9.xml><?xml version="1.0" encoding="utf-8"?>
-<p:sld xmlns:a="http://schemas.openxmlformats.org/drawingml/2006/main" xmlns:r="http://schemas.openxmlformats.org/officeDocument/2006/relationships" xmlns:p="http://schemas.openxmlformats.org/presentationml/2006/main">
-  <p:cSld>
-    <p:spTree>
-      <p:nvGrpSpPr>
-        <p:cNvPr id="1" name=""/>
-        <p:cNvGrpSpPr/>
-        <p:nvPr/>
-      </p:nvGrpSpPr>
-      <p:grpSpPr>
-        <a:xfrm>
-          <a:off x="0" y="0"/>
-          <a:ext cx="0" cy="0"/>
-          <a:chOff x="0" y="0"/>
-          <a:chExt cx="0" cy="0"/>
-        </a:xfrm>
-      </p:grpSpPr>
-      <p:sp>
-        <p:nvSpPr>
-          <p:cNvPr id="4" name="Rectángulo 3"/>
-          <p:cNvSpPr/>
-          <p:nvPr/>
-        </p:nvSpPr>
-        <p:spPr>
-          <a:xfrm>
-            <a:off x="-2" y="0"/>
-            <a:ext cx="12192001" cy="2862322"/>
-          </a:xfrm>
-          <a:prstGeom prst="rect">
-            <a:avLst/>
-          </a:prstGeom>
-        </p:spPr>
-        <p:txBody>
-          <a:bodyPr wrap="square">
-            <a:spAutoFit/>
-          </a:bodyPr>
-          <a:lstStyle/>
-          <a:p>
-            <a:r>
-              <a:rPr lang="es-AR" sz="2000" b="1" dirty="0"/>
-              <a:t>yd2=sin(Omegalias2*n</a:t>
-            </a:r>
-            <a:r>
-              <a:rPr lang="es-AR" sz="2000" b="1" dirty="0" smtClean="0"/>
-              <a:t>); </a:t>
-            </a:r>
-            <a:r>
-              <a:rPr lang="es-AR" sz="2000" b="1" dirty="0" smtClean="0">
-                <a:solidFill>
-                  <a:schemeClr val="accent1"/>
-                </a:solidFill>
-              </a:rPr>
-              <a:t>%</a:t>
-            </a:r>
-            <a:r>
-              <a:rPr lang="es-AR" sz="2000" b="1" dirty="0">
-                <a:solidFill>
-                  <a:schemeClr val="accent1"/>
-                </a:solidFill>
-              </a:rPr>
-              <a:t>señal </a:t>
-            </a:r>
-            <a:r>
-              <a:rPr lang="es-AR" sz="2000" b="1" dirty="0" err="1">
-                <a:solidFill>
-                  <a:schemeClr val="accent1"/>
-                </a:solidFill>
-              </a:rPr>
-              <a:t>senoidal</a:t>
-            </a:r>
-            <a:r>
-              <a:rPr lang="es-AR" sz="2000" b="1" dirty="0">
-                <a:solidFill>
-                  <a:schemeClr val="accent1"/>
-                </a:solidFill>
-              </a:rPr>
-              <a:t> discreta (Omega+2pi) </a:t>
-            </a:r>
-          </a:p>
-          <a:p>
-            <a:r>
-              <a:rPr lang="es-AR" sz="2000" b="1" dirty="0"/>
-              <a:t>yc2=sin(2*pi*(</a:t>
-            </a:r>
-            <a:r>
-              <a:rPr lang="es-AR" sz="2000" b="1" dirty="0" err="1"/>
-              <a:t>fsenial+fs</a:t>
-            </a:r>
-            <a:r>
-              <a:rPr lang="es-AR" sz="2000" b="1" dirty="0"/>
-              <a:t>)*</a:t>
-            </a:r>
-            <a:r>
-              <a:rPr lang="es-AR" sz="2000" b="1" dirty="0" err="1"/>
-              <a:t>tc</a:t>
-            </a:r>
-            <a:r>
-              <a:rPr lang="es-AR" sz="2000" b="1" dirty="0" smtClean="0"/>
-              <a:t>); </a:t>
-            </a:r>
-            <a:r>
-              <a:rPr lang="es-AR" sz="2000" b="1" dirty="0" smtClean="0">
-                <a:solidFill>
-                  <a:schemeClr val="accent1"/>
-                </a:solidFill>
-              </a:rPr>
-              <a:t>%señal </a:t>
-            </a:r>
-            <a:r>
-              <a:rPr lang="es-AR" sz="2000" b="1" dirty="0">
-                <a:solidFill>
-                  <a:schemeClr val="accent1"/>
-                </a:solidFill>
-              </a:rPr>
-              <a:t>de "</a:t>
-            </a:r>
-            <a:r>
-              <a:rPr lang="es-AR" sz="2000" b="1" dirty="0" err="1">
-                <a:solidFill>
-                  <a:schemeClr val="accent1"/>
-                </a:solidFill>
-              </a:rPr>
-              <a:t>tc</a:t>
-            </a:r>
-            <a:r>
-              <a:rPr lang="es-AR" sz="2000" b="1" dirty="0">
-                <a:solidFill>
-                  <a:schemeClr val="accent1"/>
-                </a:solidFill>
-              </a:rPr>
-              <a:t>" que corresponde a (Omega+2pi) </a:t>
-            </a:r>
-            <a:endParaRPr lang="es-AR" sz="2000" b="1" dirty="0" smtClean="0">
-              <a:solidFill>
-                <a:schemeClr val="accent1"/>
-              </a:solidFill>
-            </a:endParaRPr>
-          </a:p>
-          <a:p>
-            <a:r>
-              <a:rPr lang="es-AR" sz="2000" b="1" dirty="0" smtClean="0">
-                <a:solidFill>
-                  <a:schemeClr val="accent1"/>
-                </a:solidFill>
-              </a:rPr>
-              <a:t>%</a:t>
-            </a:r>
-            <a:r>
-              <a:rPr lang="es-AR" sz="2000" b="1" dirty="0">
-                <a:solidFill>
-                  <a:schemeClr val="accent1"/>
-                </a:solidFill>
-              </a:rPr>
-              <a:t>Grafico señal de tiempo continuo y señal de tiempo discreto </a:t>
-            </a:r>
-            <a:endParaRPr lang="es-AR" sz="2000" b="1" dirty="0" smtClean="0">
-              <a:solidFill>
-                <a:schemeClr val="accent1"/>
-              </a:solidFill>
-            </a:endParaRPr>
-          </a:p>
-          <a:p>
-            <a:r>
-              <a:rPr lang="es-AR" sz="2000" b="1" dirty="0" err="1" smtClean="0"/>
-              <a:t>subplot</a:t>
-            </a:r>
-            <a:r>
-              <a:rPr lang="es-AR" sz="2000" b="1" dirty="0" smtClean="0"/>
-              <a:t>(3,1,1</a:t>
-            </a:r>
-            <a:r>
-              <a:rPr lang="es-AR" sz="2000" b="1" dirty="0"/>
-              <a:t>) </a:t>
-            </a:r>
-            <a:r>
-              <a:rPr lang="es-AR" sz="2000" b="1" dirty="0">
-                <a:solidFill>
-                  <a:schemeClr val="accent1"/>
-                </a:solidFill>
-              </a:rPr>
-              <a:t>%Grafico señal de tiempo continuo y señal de tiempo discreto con(2pi-Omega) %y </a:t>
-            </a:r>
-            <a:r>
-              <a:rPr lang="es-AR" sz="2000" b="1" dirty="0" smtClean="0">
-                <a:solidFill>
-                  <a:schemeClr val="accent1"/>
-                </a:solidFill>
-              </a:rPr>
-              <a:t>(</a:t>
-            </a:r>
-            <a:r>
-              <a:rPr lang="es-AR" sz="2000" b="1" dirty="0">
-                <a:solidFill>
-                  <a:schemeClr val="accent1"/>
-                </a:solidFill>
-              </a:rPr>
-              <a:t>Omega+2pi) </a:t>
-            </a:r>
-            <a:endParaRPr lang="es-AR" sz="2000" b="1" dirty="0" smtClean="0">
-              <a:solidFill>
-                <a:schemeClr val="accent1"/>
-              </a:solidFill>
-            </a:endParaRPr>
-          </a:p>
-          <a:p>
-            <a:r>
-              <a:rPr lang="es-AR" sz="2000" b="1" dirty="0" err="1" smtClean="0"/>
-              <a:t>plot</a:t>
-            </a:r>
-            <a:r>
-              <a:rPr lang="es-AR" sz="2000" b="1" dirty="0" smtClean="0"/>
-              <a:t>(tc,</a:t>
-            </a:r>
-            <a:r>
-              <a:rPr lang="es-AR" sz="2000" b="1" dirty="0" err="1" smtClean="0"/>
-              <a:t>yc</a:t>
-            </a:r>
-            <a:r>
-              <a:rPr lang="es-AR" sz="2000" b="1" dirty="0"/>
-              <a:t>,'b',td,yd,'-</a:t>
-            </a:r>
-            <a:r>
-              <a:rPr lang="es-AR" sz="2000" b="1" dirty="0" err="1"/>
-              <a:t>or</a:t>
-            </a:r>
-            <a:r>
-              <a:rPr lang="es-AR" sz="2000" b="1" dirty="0"/>
-              <a:t>') </a:t>
-            </a:r>
-            <a:endParaRPr lang="es-AR" sz="2000" b="1" dirty="0" smtClean="0"/>
-          </a:p>
-          <a:p>
-            <a:r>
-              <a:rPr lang="es-AR" sz="2000" b="1" dirty="0" err="1" smtClean="0"/>
-              <a:t>subplot</a:t>
-            </a:r>
-            <a:r>
-              <a:rPr lang="es-AR" sz="2000" b="1" dirty="0" smtClean="0"/>
-              <a:t>(3,1,2)</a:t>
-            </a:r>
-          </a:p>
-          <a:p>
-            <a:r>
-              <a:rPr lang="es-AR" sz="2000" b="1" dirty="0" smtClean="0"/>
-              <a:t> </a:t>
-            </a:r>
-            <a:r>
-              <a:rPr lang="es-AR" sz="2000" b="1" dirty="0" err="1"/>
-              <a:t>plot</a:t>
-            </a:r>
-            <a:r>
-              <a:rPr lang="es-AR" sz="2000" b="1" dirty="0"/>
-              <a:t>(tc,yc1,'g',td,yd1,'-ok') </a:t>
-            </a:r>
-            <a:endParaRPr lang="es-AR" sz="2000" b="1" dirty="0" smtClean="0"/>
-          </a:p>
-          <a:p>
-            <a:r>
-              <a:rPr lang="es-AR" sz="2000" b="1" dirty="0" err="1" smtClean="0"/>
-              <a:t>subplot</a:t>
-            </a:r>
-            <a:r>
-              <a:rPr lang="es-AR" sz="2000" b="1" dirty="0" smtClean="0"/>
-              <a:t>(3,1,3</a:t>
-            </a:r>
-            <a:r>
-              <a:rPr lang="es-AR" sz="2000" b="1" dirty="0"/>
-              <a:t>) </a:t>
-            </a:r>
-            <a:endParaRPr lang="es-AR" sz="2000" b="1" dirty="0" smtClean="0"/>
-          </a:p>
-          <a:p>
-            <a:r>
-              <a:rPr lang="es-AR" sz="2000" b="1" dirty="0" err="1" smtClean="0"/>
-              <a:t>plot</a:t>
-            </a:r>
-            <a:r>
-              <a:rPr lang="es-AR" sz="2000" b="1" dirty="0" smtClean="0"/>
-              <a:t>(tc,yc2</a:t>
-            </a:r>
-            <a:r>
-              <a:rPr lang="es-AR" sz="2000" b="1" dirty="0"/>
-              <a:t>,'m',td,yd2,'-ok')</a:t>
-            </a:r>
-          </a:p>
-        </p:txBody>
-      </p:sp>
-      <p:sp>
-        <p:nvSpPr>
-          <p:cNvPr id="5" name="Rectángulo 4"/>
-          <p:cNvSpPr/>
-          <p:nvPr/>
-        </p:nvSpPr>
-        <p:spPr>
-          <a:xfrm>
-            <a:off x="157354" y="2948770"/>
-            <a:ext cx="3260101" cy="461665"/>
-          </a:xfrm>
-          <a:prstGeom prst="rect">
-            <a:avLst/>
-          </a:prstGeom>
-        </p:spPr>
-        <p:txBody>
-          <a:bodyPr wrap="square">
-            <a:spAutoFit/>
-          </a:bodyPr>
-          <a:lstStyle/>
-          <a:p>
-            <a:r>
-              <a:rPr lang="es-AR" sz="2400" dirty="0" smtClean="0"/>
-              <a:t>a) </a:t>
-            </a:r>
-            <a:r>
-              <a:rPr lang="es-AR" sz="2400" dirty="0" err="1" smtClean="0"/>
-              <a:t>fseñal</a:t>
-            </a:r>
-            <a:r>
-              <a:rPr lang="es-AR" sz="2400" dirty="0" smtClean="0"/>
-              <a:t> = 1Hz </a:t>
-            </a:r>
-            <a:r>
-              <a:rPr lang="es-AR" sz="2400" dirty="0" err="1" smtClean="0"/>
-              <a:t>fs</a:t>
-            </a:r>
-            <a:r>
-              <a:rPr lang="es-AR" sz="2400" dirty="0" smtClean="0"/>
-              <a:t> = 40</a:t>
-            </a:r>
-            <a:endParaRPr lang="es-AR" sz="2400" dirty="0"/>
-          </a:p>
-        </p:txBody>
-      </p:sp>
-      <p:sp>
-        <p:nvSpPr>
-          <p:cNvPr id="6" name="Rectángulo 5"/>
-          <p:cNvSpPr/>
-          <p:nvPr/>
-        </p:nvSpPr>
-        <p:spPr>
-          <a:xfrm>
-            <a:off x="323609" y="3293048"/>
-            <a:ext cx="2549159" cy="1015663"/>
-          </a:xfrm>
-          <a:prstGeom prst="rect">
-            <a:avLst/>
-          </a:prstGeom>
-        </p:spPr>
-        <p:txBody>
-          <a:bodyPr wrap="none">
-            <a:spAutoFit/>
-          </a:bodyPr>
-          <a:lstStyle/>
-          <a:p>
-            <a:r>
-              <a:rPr lang="es-AR" sz="2000" dirty="0" err="1" smtClean="0"/>
-              <a:t>Omegan</a:t>
-            </a:r>
-            <a:r>
-              <a:rPr lang="es-AR" sz="2000" dirty="0" smtClean="0"/>
-              <a:t> = 0.0500</a:t>
-            </a:r>
-          </a:p>
-          <a:p>
-            <a:r>
-              <a:rPr lang="es-AR" sz="2000" dirty="0" smtClean="0"/>
-              <a:t>Omegaliasn1 = 1.9500 </a:t>
-            </a:r>
-          </a:p>
-          <a:p>
-            <a:r>
-              <a:rPr lang="es-AR" sz="2000" dirty="0" smtClean="0"/>
-              <a:t>Omegaliasn2 = 2.0500</a:t>
-            </a:r>
-            <a:endParaRPr lang="es-AR" sz="2000" dirty="0"/>
-          </a:p>
-        </p:txBody>
-      </p:sp>
-      <p:pic>
-        <p:nvPicPr>
-          <p:cNvPr id="7" name="Imagen 6"/>
-          <p:cNvPicPr>
-            <a:picLocks noChangeAspect="1"/>
-          </p:cNvPicPr>
-          <p:nvPr/>
-        </p:nvPicPr>
-        <p:blipFill rotWithShape="1">
-          <a:blip r:embed="rId2">
-            <a:extLst>
-              <a:ext uri="{28A0092B-C50C-407E-A947-70E740481C1C}">
-                <a14:useLocalDpi xmlns:a14="http://schemas.microsoft.com/office/drawing/2010/main" val="0"/>
-              </a:ext>
-            </a:extLst>
-          </a:blip>
-          <a:srcRect l="9302" t="4989" r="7398" b="6341"/>
-          <a:stretch/>
-        </p:blipFill>
-        <p:spPr>
-          <a:xfrm>
-            <a:off x="5495637" y="1514764"/>
-            <a:ext cx="6583698" cy="5256000"/>
-          </a:xfrm>
-          <a:prstGeom prst="rect">
-            <a:avLst/>
-          </a:prstGeom>
-        </p:spPr>
-      </p:pic>
-      <p:sp>
-        <p:nvSpPr>
-          <p:cNvPr id="8" name="Rectángulo 7"/>
-          <p:cNvSpPr/>
-          <p:nvPr/>
-        </p:nvSpPr>
-        <p:spPr>
-          <a:xfrm>
-            <a:off x="192472" y="4447211"/>
-            <a:ext cx="2965812" cy="461665"/>
-          </a:xfrm>
-          <a:prstGeom prst="rect">
-            <a:avLst/>
-          </a:prstGeom>
-        </p:spPr>
-        <p:txBody>
-          <a:bodyPr wrap="none">
-            <a:spAutoFit/>
-          </a:bodyPr>
-          <a:lstStyle/>
-          <a:p>
-            <a:r>
-              <a:rPr lang="es-AR" sz="2400" dirty="0" smtClean="0"/>
-              <a:t>b) </a:t>
-            </a:r>
-            <a:r>
-              <a:rPr lang="es-AR" sz="2400" dirty="0" err="1" smtClean="0"/>
-              <a:t>fseñal</a:t>
-            </a:r>
-            <a:r>
-              <a:rPr lang="es-AR" sz="2400" dirty="0" smtClean="0"/>
-              <a:t> = 3Hz </a:t>
-            </a:r>
-            <a:r>
-              <a:rPr lang="es-AR" sz="2400" dirty="0" err="1" smtClean="0"/>
-              <a:t>fs</a:t>
-            </a:r>
-            <a:r>
-              <a:rPr lang="es-AR" sz="2400" dirty="0" smtClean="0"/>
-              <a:t> = 40 </a:t>
-            </a:r>
-            <a:endParaRPr lang="es-AR" sz="2400" dirty="0"/>
-          </a:p>
-        </p:txBody>
-      </p:sp>
-    </p:spTree>
-    <p:extLst>
-      <p:ext uri="{BB962C8B-B14F-4D97-AF65-F5344CB8AC3E}">
-        <p14:creationId xmlns:p14="http://schemas.microsoft.com/office/powerpoint/2010/main" val="2537870879"/>
       </p:ext>
     </p:extLst>
   </p:cSld>

--- a/TP1/Presentacion-TP-1.pptx
+++ b/TP1/Presentacion-TP-1.pptx
@@ -255,7 +255,7 @@
           <a:p>
             <a:fld id="{298EA4AB-D370-4407-87A6-9D37FF54B15A}" type="datetimeFigureOut">
               <a:rPr lang="es-AR" smtClean="0"/>
-              <a:t>5/8/2024</a:t>
+              <a:t>11/8/2024</a:t>
             </a:fld>
             <a:endParaRPr lang="es-AR"/>
           </a:p>
@@ -425,7 +425,7 @@
           <a:p>
             <a:fld id="{298EA4AB-D370-4407-87A6-9D37FF54B15A}" type="datetimeFigureOut">
               <a:rPr lang="es-AR" smtClean="0"/>
-              <a:t>5/8/2024</a:t>
+              <a:t>11/8/2024</a:t>
             </a:fld>
             <a:endParaRPr lang="es-AR"/>
           </a:p>
@@ -605,7 +605,7 @@
           <a:p>
             <a:fld id="{298EA4AB-D370-4407-87A6-9D37FF54B15A}" type="datetimeFigureOut">
               <a:rPr lang="es-AR" smtClean="0"/>
-              <a:t>5/8/2024</a:t>
+              <a:t>11/8/2024</a:t>
             </a:fld>
             <a:endParaRPr lang="es-AR"/>
           </a:p>
@@ -775,7 +775,7 @@
           <a:p>
             <a:fld id="{298EA4AB-D370-4407-87A6-9D37FF54B15A}" type="datetimeFigureOut">
               <a:rPr lang="es-AR" smtClean="0"/>
-              <a:t>5/8/2024</a:t>
+              <a:t>11/8/2024</a:t>
             </a:fld>
             <a:endParaRPr lang="es-AR"/>
           </a:p>
@@ -1021,7 +1021,7 @@
           <a:p>
             <a:fld id="{298EA4AB-D370-4407-87A6-9D37FF54B15A}" type="datetimeFigureOut">
               <a:rPr lang="es-AR" smtClean="0"/>
-              <a:t>5/8/2024</a:t>
+              <a:t>11/8/2024</a:t>
             </a:fld>
             <a:endParaRPr lang="es-AR"/>
           </a:p>
@@ -1253,7 +1253,7 @@
           <a:p>
             <a:fld id="{298EA4AB-D370-4407-87A6-9D37FF54B15A}" type="datetimeFigureOut">
               <a:rPr lang="es-AR" smtClean="0"/>
-              <a:t>5/8/2024</a:t>
+              <a:t>11/8/2024</a:t>
             </a:fld>
             <a:endParaRPr lang="es-AR"/>
           </a:p>
@@ -1620,7 +1620,7 @@
           <a:p>
             <a:fld id="{298EA4AB-D370-4407-87A6-9D37FF54B15A}" type="datetimeFigureOut">
               <a:rPr lang="es-AR" smtClean="0"/>
-              <a:t>5/8/2024</a:t>
+              <a:t>11/8/2024</a:t>
             </a:fld>
             <a:endParaRPr lang="es-AR"/>
           </a:p>
@@ -1738,7 +1738,7 @@
           <a:p>
             <a:fld id="{298EA4AB-D370-4407-87A6-9D37FF54B15A}" type="datetimeFigureOut">
               <a:rPr lang="es-AR" smtClean="0"/>
-              <a:t>5/8/2024</a:t>
+              <a:t>11/8/2024</a:t>
             </a:fld>
             <a:endParaRPr lang="es-AR"/>
           </a:p>
@@ -1833,7 +1833,7 @@
           <a:p>
             <a:fld id="{298EA4AB-D370-4407-87A6-9D37FF54B15A}" type="datetimeFigureOut">
               <a:rPr lang="es-AR" smtClean="0"/>
-              <a:t>5/8/2024</a:t>
+              <a:t>11/8/2024</a:t>
             </a:fld>
             <a:endParaRPr lang="es-AR"/>
           </a:p>
@@ -2110,7 +2110,7 @@
           <a:p>
             <a:fld id="{298EA4AB-D370-4407-87A6-9D37FF54B15A}" type="datetimeFigureOut">
               <a:rPr lang="es-AR" smtClean="0"/>
-              <a:t>5/8/2024</a:t>
+              <a:t>11/8/2024</a:t>
             </a:fld>
             <a:endParaRPr lang="es-AR"/>
           </a:p>
@@ -2363,7 +2363,7 @@
           <a:p>
             <a:fld id="{298EA4AB-D370-4407-87A6-9D37FF54B15A}" type="datetimeFigureOut">
               <a:rPr lang="es-AR" smtClean="0"/>
-              <a:t>5/8/2024</a:t>
+              <a:t>11/8/2024</a:t>
             </a:fld>
             <a:endParaRPr lang="es-AR"/>
           </a:p>
@@ -2576,7 +2576,7 @@
           <a:p>
             <a:fld id="{298EA4AB-D370-4407-87A6-9D37FF54B15A}" type="datetimeFigureOut">
               <a:rPr lang="es-AR" smtClean="0"/>
-              <a:t>5/8/2024</a:t>
+              <a:t>11/8/2024</a:t>
             </a:fld>
             <a:endParaRPr lang="es-AR"/>
           </a:p>
@@ -4610,6 +4610,53 @@
           </a:p>
         </p:txBody>
       </p:sp>
+      <p:pic>
+        <p:nvPicPr>
+          <p:cNvPr id="7" name="Imagen 6"/>
+          <p:cNvPicPr>
+            <a:picLocks noChangeAspect="1" noChangeArrowheads="1"/>
+          </p:cNvPicPr>
+          <p:nvPr/>
+        </p:nvPicPr>
+        <p:blipFill rotWithShape="1">
+          <a:blip r:embed="rId4" cstate="print">
+            <a:extLst>
+              <a:ext uri="{28A0092B-C50C-407E-A947-70E740481C1C}">
+                <a14:useLocalDpi xmlns:a14="http://schemas.microsoft.com/office/drawing/2010/main" val="0"/>
+              </a:ext>
+            </a:extLst>
+          </a:blip>
+          <a:srcRect r="64112"/>
+          <a:stretch/>
+        </p:blipFill>
+        <p:spPr bwMode="auto">
+          <a:xfrm>
+            <a:off x="9975956" y="3556000"/>
+            <a:ext cx="1758707" cy="808774"/>
+          </a:xfrm>
+          <a:prstGeom prst="rect">
+            <a:avLst/>
+          </a:prstGeom>
+          <a:noFill/>
+          <a:ln w="34925">
+            <a:solidFill>
+              <a:srgbClr val="FF0000"/>
+            </a:solidFill>
+            <a:miter lim="800000"/>
+            <a:headEnd/>
+            <a:tailEnd/>
+          </a:ln>
+          <a:extLst>
+            <a:ext uri="{909E8E84-426E-40DD-AFC4-6F175D3DCCD1}">
+              <a14:hiddenFill xmlns:a14="http://schemas.microsoft.com/office/drawing/2010/main">
+                <a:solidFill>
+                  <a:srgbClr val="FFFFFF"/>
+                </a:solidFill>
+              </a14:hiddenFill>
+            </a:ext>
+          </a:extLst>
+        </p:spPr>
+      </p:pic>
     </p:spTree>
     <p:extLst>
       <p:ext uri="{BB962C8B-B14F-4D97-AF65-F5344CB8AC3E}">
@@ -10419,8 +10466,12 @@
               <a:t>“</a:t>
             </a:r>
             <a:r>
+              <a:rPr lang="es-AR" sz="2800" b="1" dirty="0" err="1" smtClean="0"/>
+              <a:t>Senoide</a:t>
+            </a:r>
+            <a:r>
               <a:rPr lang="es-AR" sz="2800" b="1" dirty="0" smtClean="0"/>
-              <a:t>Seno discreto”: </a:t>
+              <a:t> discreta”: </a:t>
             </a:r>
           </a:p>
           <a:p>
@@ -11659,10 +11710,6 @@
             </a:r>
           </a:p>
           <a:p>
-            <a:r>
-              <a:rPr lang="es-AR" sz="2000" b="1" dirty="0" smtClean="0"/>
-              <a:t> </a:t>
-            </a:r>
             <a:r>
               <a:rPr lang="es-AR" sz="2000" b="1" dirty="0" err="1" smtClean="0"/>
               <a:t>fs</a:t>
